--- a/lesson_9/presentation/zynq_system_0v.pptx
+++ b/lesson_9/presentation/zynq_system_0v.pptx
@@ -126,2801 +126,6 @@
 </p:presentation>
 </file>
 
-<file path=ppt/diagrams/colors1.xml><?xml version="1.0" encoding="utf-8"?>
-<dgm:colorsDef xmlns:dgm="http://schemas.openxmlformats.org/drawingml/2006/diagram" xmlns:a="http://schemas.openxmlformats.org/drawingml/2006/main" uniqueId="urn:microsoft.com/office/officeart/2005/8/colors/accent2_1">
-  <dgm:title val=""/>
-  <dgm:desc val=""/>
-  <dgm:catLst>
-    <dgm:cat type="accent2" pri="11100"/>
-  </dgm:catLst>
-  <dgm:styleLbl name="node0">
-    <dgm:fillClrLst meth="repeat">
-      <a:schemeClr val="lt1"/>
-    </dgm:fillClrLst>
-    <dgm:linClrLst meth="repeat">
-      <a:schemeClr val="accent2">
-        <a:shade val="80000"/>
-      </a:schemeClr>
-    </dgm:linClrLst>
-    <dgm:effectClrLst/>
-    <dgm:txLinClrLst/>
-    <dgm:txFillClrLst meth="repeat">
-      <a:schemeClr val="dk1"/>
-    </dgm:txFillClrLst>
-    <dgm:txEffectClrLst/>
-  </dgm:styleLbl>
-  <dgm:styleLbl name="node1">
-    <dgm:fillClrLst meth="repeat">
-      <a:schemeClr val="lt1"/>
-    </dgm:fillClrLst>
-    <dgm:linClrLst meth="repeat">
-      <a:schemeClr val="accent2">
-        <a:shade val="80000"/>
-      </a:schemeClr>
-    </dgm:linClrLst>
-    <dgm:effectClrLst/>
-    <dgm:txLinClrLst/>
-    <dgm:txFillClrLst meth="repeat">
-      <a:schemeClr val="dk1"/>
-    </dgm:txFillClrLst>
-    <dgm:txEffectClrLst/>
-  </dgm:styleLbl>
-  <dgm:styleLbl name="alignNode1">
-    <dgm:fillClrLst meth="repeat">
-      <a:schemeClr val="lt1"/>
-    </dgm:fillClrLst>
-    <dgm:linClrLst meth="repeat">
-      <a:schemeClr val="accent2">
-        <a:shade val="80000"/>
-      </a:schemeClr>
-    </dgm:linClrLst>
-    <dgm:effectClrLst/>
-    <dgm:txLinClrLst/>
-    <dgm:txFillClrLst meth="repeat">
-      <a:schemeClr val="dk1"/>
-    </dgm:txFillClrLst>
-    <dgm:txEffectClrLst/>
-  </dgm:styleLbl>
-  <dgm:styleLbl name="lnNode1">
-    <dgm:fillClrLst meth="repeat">
-      <a:schemeClr val="lt1"/>
-    </dgm:fillClrLst>
-    <dgm:linClrLst meth="repeat">
-      <a:schemeClr val="accent2">
-        <a:shade val="80000"/>
-      </a:schemeClr>
-    </dgm:linClrLst>
-    <dgm:effectClrLst/>
-    <dgm:txLinClrLst/>
-    <dgm:txFillClrLst meth="repeat">
-      <a:schemeClr val="dk1"/>
-    </dgm:txFillClrLst>
-    <dgm:txEffectClrLst/>
-  </dgm:styleLbl>
-  <dgm:styleLbl name="vennNode1">
-    <dgm:fillClrLst meth="repeat">
-      <a:schemeClr val="lt1">
-        <a:alpha val="50000"/>
-      </a:schemeClr>
-    </dgm:fillClrLst>
-    <dgm:linClrLst meth="repeat">
-      <a:schemeClr val="accent2">
-        <a:shade val="80000"/>
-      </a:schemeClr>
-    </dgm:linClrLst>
-    <dgm:effectClrLst/>
-    <dgm:txLinClrLst/>
-    <dgm:txFillClrLst/>
-    <dgm:txEffectClrLst/>
-  </dgm:styleLbl>
-  <dgm:styleLbl name="node2">
-    <dgm:fillClrLst meth="repeat">
-      <a:schemeClr val="lt1"/>
-    </dgm:fillClrLst>
-    <dgm:linClrLst meth="repeat">
-      <a:schemeClr val="accent2">
-        <a:shade val="80000"/>
-      </a:schemeClr>
-    </dgm:linClrLst>
-    <dgm:effectClrLst/>
-    <dgm:txLinClrLst/>
-    <dgm:txFillClrLst meth="repeat">
-      <a:schemeClr val="dk1"/>
-    </dgm:txFillClrLst>
-    <dgm:txEffectClrLst/>
-  </dgm:styleLbl>
-  <dgm:styleLbl name="node3">
-    <dgm:fillClrLst meth="repeat">
-      <a:schemeClr val="lt1"/>
-    </dgm:fillClrLst>
-    <dgm:linClrLst meth="repeat">
-      <a:schemeClr val="accent2">
-        <a:shade val="80000"/>
-      </a:schemeClr>
-    </dgm:linClrLst>
-    <dgm:effectClrLst/>
-    <dgm:txLinClrLst/>
-    <dgm:txFillClrLst meth="repeat">
-      <a:schemeClr val="dk1"/>
-    </dgm:txFillClrLst>
-    <dgm:txEffectClrLst/>
-  </dgm:styleLbl>
-  <dgm:styleLbl name="node4">
-    <dgm:fillClrLst meth="repeat">
-      <a:schemeClr val="lt1"/>
-    </dgm:fillClrLst>
-    <dgm:linClrLst meth="repeat">
-      <a:schemeClr val="accent2">
-        <a:shade val="80000"/>
-      </a:schemeClr>
-    </dgm:linClrLst>
-    <dgm:effectClrLst/>
-    <dgm:txLinClrLst/>
-    <dgm:txFillClrLst meth="repeat">
-      <a:schemeClr val="dk1"/>
-    </dgm:txFillClrLst>
-    <dgm:txEffectClrLst/>
-  </dgm:styleLbl>
-  <dgm:styleLbl name="fgImgPlace1">
-    <dgm:fillClrLst meth="repeat">
-      <a:schemeClr val="accent2">
-        <a:tint val="40000"/>
-      </a:schemeClr>
-    </dgm:fillClrLst>
-    <dgm:linClrLst meth="repeat">
-      <a:schemeClr val="accent2">
-        <a:shade val="80000"/>
-      </a:schemeClr>
-    </dgm:linClrLst>
-    <dgm:effectClrLst/>
-    <dgm:txLinClrLst/>
-    <dgm:txFillClrLst meth="repeat">
-      <a:schemeClr val="lt1"/>
-    </dgm:txFillClrLst>
-    <dgm:txEffectClrLst/>
-  </dgm:styleLbl>
-  <dgm:styleLbl name="alignImgPlace1">
-    <dgm:fillClrLst meth="repeat">
-      <a:schemeClr val="accent2">
-        <a:tint val="40000"/>
-      </a:schemeClr>
-    </dgm:fillClrLst>
-    <dgm:linClrLst meth="repeat">
-      <a:schemeClr val="accent2">
-        <a:shade val="80000"/>
-      </a:schemeClr>
-    </dgm:linClrLst>
-    <dgm:effectClrLst/>
-    <dgm:txLinClrLst/>
-    <dgm:txFillClrLst meth="repeat">
-      <a:schemeClr val="lt1"/>
-    </dgm:txFillClrLst>
-    <dgm:txEffectClrLst/>
-  </dgm:styleLbl>
-  <dgm:styleLbl name="bgImgPlace1">
-    <dgm:fillClrLst meth="repeat">
-      <a:schemeClr val="accent2">
-        <a:tint val="40000"/>
-      </a:schemeClr>
-    </dgm:fillClrLst>
-    <dgm:linClrLst meth="repeat">
-      <a:schemeClr val="accent2">
-        <a:shade val="80000"/>
-      </a:schemeClr>
-    </dgm:linClrLst>
-    <dgm:effectClrLst/>
-    <dgm:txLinClrLst/>
-    <dgm:txFillClrLst meth="repeat">
-      <a:schemeClr val="lt1"/>
-    </dgm:txFillClrLst>
-    <dgm:txEffectClrLst/>
-  </dgm:styleLbl>
-  <dgm:styleLbl name="sibTrans2D1">
-    <dgm:fillClrLst meth="repeat">
-      <a:schemeClr val="accent2">
-        <a:tint val="60000"/>
-      </a:schemeClr>
-    </dgm:fillClrLst>
-    <dgm:linClrLst meth="repeat">
-      <a:schemeClr val="accent2">
-        <a:tint val="60000"/>
-      </a:schemeClr>
-    </dgm:linClrLst>
-    <dgm:effectClrLst/>
-    <dgm:txLinClrLst/>
-    <dgm:txFillClrLst meth="repeat">
-      <a:schemeClr val="dk1"/>
-    </dgm:txFillClrLst>
-    <dgm:txEffectClrLst/>
-  </dgm:styleLbl>
-  <dgm:styleLbl name="fgSibTrans2D1">
-    <dgm:fillClrLst meth="repeat">
-      <a:schemeClr val="accent2">
-        <a:tint val="60000"/>
-      </a:schemeClr>
-    </dgm:fillClrLst>
-    <dgm:linClrLst meth="repeat">
-      <a:schemeClr val="accent2">
-        <a:tint val="60000"/>
-      </a:schemeClr>
-    </dgm:linClrLst>
-    <dgm:effectClrLst/>
-    <dgm:txLinClrLst/>
-    <dgm:txFillClrLst meth="repeat">
-      <a:schemeClr val="dk1"/>
-    </dgm:txFillClrLst>
-    <dgm:txEffectClrLst/>
-  </dgm:styleLbl>
-  <dgm:styleLbl name="bgSibTrans2D1">
-    <dgm:fillClrLst meth="repeat">
-      <a:schemeClr val="accent2">
-        <a:tint val="60000"/>
-      </a:schemeClr>
-    </dgm:fillClrLst>
-    <dgm:linClrLst meth="repeat">
-      <a:schemeClr val="accent2">
-        <a:tint val="60000"/>
-      </a:schemeClr>
-    </dgm:linClrLst>
-    <dgm:effectClrLst/>
-    <dgm:txLinClrLst/>
-    <dgm:txFillClrLst meth="repeat">
-      <a:schemeClr val="dk1"/>
-    </dgm:txFillClrLst>
-    <dgm:txEffectClrLst/>
-  </dgm:styleLbl>
-  <dgm:styleLbl name="sibTrans1D1">
-    <dgm:fillClrLst meth="repeat">
-      <a:schemeClr val="accent2"/>
-    </dgm:fillClrLst>
-    <dgm:linClrLst meth="repeat">
-      <a:schemeClr val="accent2"/>
-    </dgm:linClrLst>
-    <dgm:effectClrLst/>
-    <dgm:txLinClrLst/>
-    <dgm:txFillClrLst meth="repeat">
-      <a:schemeClr val="tx1"/>
-    </dgm:txFillClrLst>
-    <dgm:txEffectClrLst/>
-  </dgm:styleLbl>
-  <dgm:styleLbl name="callout">
-    <dgm:fillClrLst meth="repeat">
-      <a:schemeClr val="accent2"/>
-    </dgm:fillClrLst>
-    <dgm:linClrLst meth="repeat">
-      <a:schemeClr val="accent2"/>
-    </dgm:linClrLst>
-    <dgm:effectClrLst/>
-    <dgm:txLinClrLst/>
-    <dgm:txFillClrLst meth="repeat">
-      <a:schemeClr val="tx1"/>
-    </dgm:txFillClrLst>
-    <dgm:txEffectClrLst/>
-  </dgm:styleLbl>
-  <dgm:styleLbl name="asst0">
-    <dgm:fillClrLst meth="repeat">
-      <a:schemeClr val="lt1"/>
-    </dgm:fillClrLst>
-    <dgm:linClrLst meth="repeat">
-      <a:schemeClr val="accent2">
-        <a:shade val="80000"/>
-      </a:schemeClr>
-    </dgm:linClrLst>
-    <dgm:effectClrLst/>
-    <dgm:txLinClrLst/>
-    <dgm:txFillClrLst meth="repeat">
-      <a:schemeClr val="dk1"/>
-    </dgm:txFillClrLst>
-    <dgm:txEffectClrLst/>
-  </dgm:styleLbl>
-  <dgm:styleLbl name="asst1">
-    <dgm:fillClrLst meth="repeat">
-      <a:schemeClr val="lt1"/>
-    </dgm:fillClrLst>
-    <dgm:linClrLst meth="repeat">
-      <a:schemeClr val="accent2">
-        <a:shade val="80000"/>
-      </a:schemeClr>
-    </dgm:linClrLst>
-    <dgm:effectClrLst/>
-    <dgm:txLinClrLst/>
-    <dgm:txFillClrLst meth="repeat">
-      <a:schemeClr val="dk1"/>
-    </dgm:txFillClrLst>
-    <dgm:txEffectClrLst/>
-  </dgm:styleLbl>
-  <dgm:styleLbl name="asst2">
-    <dgm:fillClrLst meth="repeat">
-      <a:schemeClr val="lt1"/>
-    </dgm:fillClrLst>
-    <dgm:linClrLst meth="repeat">
-      <a:schemeClr val="accent2">
-        <a:shade val="80000"/>
-      </a:schemeClr>
-    </dgm:linClrLst>
-    <dgm:effectClrLst/>
-    <dgm:txLinClrLst/>
-    <dgm:txFillClrLst meth="repeat">
-      <a:schemeClr val="dk1"/>
-    </dgm:txFillClrLst>
-    <dgm:txEffectClrLst/>
-  </dgm:styleLbl>
-  <dgm:styleLbl name="asst3">
-    <dgm:fillClrLst meth="repeat">
-      <a:schemeClr val="lt1"/>
-    </dgm:fillClrLst>
-    <dgm:linClrLst meth="repeat">
-      <a:schemeClr val="accent2">
-        <a:shade val="80000"/>
-      </a:schemeClr>
-    </dgm:linClrLst>
-    <dgm:effectClrLst/>
-    <dgm:txLinClrLst/>
-    <dgm:txFillClrLst meth="repeat">
-      <a:schemeClr val="dk1"/>
-    </dgm:txFillClrLst>
-    <dgm:txEffectClrLst/>
-  </dgm:styleLbl>
-  <dgm:styleLbl name="asst4">
-    <dgm:fillClrLst meth="repeat">
-      <a:schemeClr val="lt1"/>
-    </dgm:fillClrLst>
-    <dgm:linClrLst meth="repeat">
-      <a:schemeClr val="accent2">
-        <a:shade val="80000"/>
-      </a:schemeClr>
-    </dgm:linClrLst>
-    <dgm:effectClrLst/>
-    <dgm:txLinClrLst/>
-    <dgm:txFillClrLst meth="repeat">
-      <a:schemeClr val="dk1"/>
-    </dgm:txFillClrLst>
-    <dgm:txEffectClrLst/>
-  </dgm:styleLbl>
-  <dgm:styleLbl name="parChTrans2D1">
-    <dgm:fillClrLst meth="repeat">
-      <a:schemeClr val="accent2">
-        <a:tint val="60000"/>
-      </a:schemeClr>
-    </dgm:fillClrLst>
-    <dgm:linClrLst meth="repeat">
-      <a:schemeClr val="accent2">
-        <a:tint val="60000"/>
-      </a:schemeClr>
-    </dgm:linClrLst>
-    <dgm:effectClrLst/>
-    <dgm:txLinClrLst/>
-    <dgm:txFillClrLst/>
-    <dgm:txEffectClrLst/>
-  </dgm:styleLbl>
-  <dgm:styleLbl name="parChTrans2D2">
-    <dgm:fillClrLst meth="repeat">
-      <a:schemeClr val="accent2"/>
-    </dgm:fillClrLst>
-    <dgm:linClrLst meth="repeat">
-      <a:schemeClr val="accent2"/>
-    </dgm:linClrLst>
-    <dgm:effectClrLst/>
-    <dgm:txLinClrLst/>
-    <dgm:txFillClrLst/>
-    <dgm:txEffectClrLst/>
-  </dgm:styleLbl>
-  <dgm:styleLbl name="parChTrans2D3">
-    <dgm:fillClrLst meth="repeat">
-      <a:schemeClr val="accent2"/>
-    </dgm:fillClrLst>
-    <dgm:linClrLst meth="repeat">
-      <a:schemeClr val="accent2"/>
-    </dgm:linClrLst>
-    <dgm:effectClrLst/>
-    <dgm:txLinClrLst/>
-    <dgm:txFillClrLst/>
-    <dgm:txEffectClrLst/>
-  </dgm:styleLbl>
-  <dgm:styleLbl name="parChTrans2D4">
-    <dgm:fillClrLst meth="repeat">
-      <a:schemeClr val="accent2"/>
-    </dgm:fillClrLst>
-    <dgm:linClrLst meth="repeat">
-      <a:schemeClr val="accent2"/>
-    </dgm:linClrLst>
-    <dgm:effectClrLst/>
-    <dgm:txLinClrLst/>
-    <dgm:txFillClrLst meth="repeat">
-      <a:schemeClr val="lt1"/>
-    </dgm:txFillClrLst>
-    <dgm:txEffectClrLst/>
-  </dgm:styleLbl>
-  <dgm:styleLbl name="parChTrans1D1">
-    <dgm:fillClrLst meth="repeat">
-      <a:schemeClr val="accent2"/>
-    </dgm:fillClrLst>
-    <dgm:linClrLst meth="repeat">
-      <a:schemeClr val="accent2">
-        <a:shade val="60000"/>
-      </a:schemeClr>
-    </dgm:linClrLst>
-    <dgm:effectClrLst/>
-    <dgm:txLinClrLst/>
-    <dgm:txFillClrLst meth="repeat">
-      <a:schemeClr val="tx1"/>
-    </dgm:txFillClrLst>
-    <dgm:txEffectClrLst/>
-  </dgm:styleLbl>
-  <dgm:styleLbl name="parChTrans1D2">
-    <dgm:fillClrLst meth="repeat">
-      <a:schemeClr val="accent2"/>
-    </dgm:fillClrLst>
-    <dgm:linClrLst meth="repeat">
-      <a:schemeClr val="accent2">
-        <a:shade val="60000"/>
-      </a:schemeClr>
-    </dgm:linClrLst>
-    <dgm:effectClrLst/>
-    <dgm:txLinClrLst/>
-    <dgm:txFillClrLst meth="repeat">
-      <a:schemeClr val="tx1"/>
-    </dgm:txFillClrLst>
-    <dgm:txEffectClrLst/>
-  </dgm:styleLbl>
-  <dgm:styleLbl name="parChTrans1D3">
-    <dgm:fillClrLst meth="repeat">
-      <a:schemeClr val="accent2"/>
-    </dgm:fillClrLst>
-    <dgm:linClrLst meth="repeat">
-      <a:schemeClr val="accent2">
-        <a:shade val="80000"/>
-      </a:schemeClr>
-    </dgm:linClrLst>
-    <dgm:effectClrLst/>
-    <dgm:txLinClrLst/>
-    <dgm:txFillClrLst meth="repeat">
-      <a:schemeClr val="tx1"/>
-    </dgm:txFillClrLst>
-    <dgm:txEffectClrLst/>
-  </dgm:styleLbl>
-  <dgm:styleLbl name="parChTrans1D4">
-    <dgm:fillClrLst meth="repeat">
-      <a:schemeClr val="accent2"/>
-    </dgm:fillClrLst>
-    <dgm:linClrLst meth="repeat">
-      <a:schemeClr val="accent2">
-        <a:shade val="80000"/>
-      </a:schemeClr>
-    </dgm:linClrLst>
-    <dgm:effectClrLst/>
-    <dgm:txLinClrLst/>
-    <dgm:txFillClrLst meth="repeat">
-      <a:schemeClr val="tx1"/>
-    </dgm:txFillClrLst>
-    <dgm:txEffectClrLst/>
-  </dgm:styleLbl>
-  <dgm:styleLbl name="fgAcc1">
-    <dgm:fillClrLst meth="repeat">
-      <a:schemeClr val="accent2">
-        <a:alpha val="90000"/>
-        <a:tint val="40000"/>
-      </a:schemeClr>
-    </dgm:fillClrLst>
-    <dgm:linClrLst meth="repeat">
-      <a:schemeClr val="accent2"/>
-    </dgm:linClrLst>
-    <dgm:effectClrLst/>
-    <dgm:txLinClrLst/>
-    <dgm:txFillClrLst meth="repeat">
-      <a:schemeClr val="dk1"/>
-    </dgm:txFillClrLst>
-    <dgm:txEffectClrLst/>
-  </dgm:styleLbl>
-  <dgm:styleLbl name="conFgAcc1">
-    <dgm:fillClrLst meth="repeat">
-      <a:schemeClr val="accent2">
-        <a:alpha val="90000"/>
-        <a:tint val="40000"/>
-      </a:schemeClr>
-    </dgm:fillClrLst>
-    <dgm:linClrLst meth="repeat">
-      <a:schemeClr val="accent2"/>
-    </dgm:linClrLst>
-    <dgm:effectClrLst/>
-    <dgm:txLinClrLst/>
-    <dgm:txFillClrLst meth="repeat">
-      <a:schemeClr val="dk1"/>
-    </dgm:txFillClrLst>
-    <dgm:txEffectClrLst/>
-  </dgm:styleLbl>
-  <dgm:styleLbl name="alignAcc1">
-    <dgm:fillClrLst meth="repeat">
-      <a:schemeClr val="accent2">
-        <a:alpha val="90000"/>
-        <a:tint val="40000"/>
-      </a:schemeClr>
-    </dgm:fillClrLst>
-    <dgm:linClrLst meth="repeat">
-      <a:schemeClr val="accent2"/>
-    </dgm:linClrLst>
-    <dgm:effectClrLst/>
-    <dgm:txLinClrLst/>
-    <dgm:txFillClrLst meth="repeat">
-      <a:schemeClr val="dk1"/>
-    </dgm:txFillClrLst>
-    <dgm:txEffectClrLst/>
-  </dgm:styleLbl>
-  <dgm:styleLbl name="trAlignAcc1">
-    <dgm:fillClrLst meth="repeat">
-      <a:schemeClr val="accent2">
-        <a:alpha val="40000"/>
-        <a:tint val="40000"/>
-      </a:schemeClr>
-    </dgm:fillClrLst>
-    <dgm:linClrLst meth="repeat">
-      <a:schemeClr val="accent2"/>
-    </dgm:linClrLst>
-    <dgm:effectClrLst/>
-    <dgm:txLinClrLst/>
-    <dgm:txFillClrLst meth="repeat">
-      <a:schemeClr val="dk1"/>
-    </dgm:txFillClrLst>
-    <dgm:txEffectClrLst/>
-  </dgm:styleLbl>
-  <dgm:styleLbl name="bgAcc1">
-    <dgm:fillClrLst meth="repeat">
-      <a:schemeClr val="accent2">
-        <a:alpha val="90000"/>
-        <a:tint val="40000"/>
-      </a:schemeClr>
-    </dgm:fillClrLst>
-    <dgm:linClrLst meth="repeat">
-      <a:schemeClr val="accent2"/>
-    </dgm:linClrLst>
-    <dgm:effectClrLst/>
-    <dgm:txLinClrLst/>
-    <dgm:txFillClrLst meth="repeat">
-      <a:schemeClr val="dk1"/>
-    </dgm:txFillClrLst>
-    <dgm:txEffectClrLst/>
-  </dgm:styleLbl>
-  <dgm:styleLbl name="solidFgAcc1">
-    <dgm:fillClrLst meth="repeat">
-      <a:schemeClr val="lt1"/>
-    </dgm:fillClrLst>
-    <dgm:linClrLst meth="repeat">
-      <a:schemeClr val="accent2"/>
-    </dgm:linClrLst>
-    <dgm:effectClrLst/>
-    <dgm:txLinClrLst/>
-    <dgm:txFillClrLst meth="repeat">
-      <a:schemeClr val="dk1"/>
-    </dgm:txFillClrLst>
-    <dgm:txEffectClrLst/>
-  </dgm:styleLbl>
-  <dgm:styleLbl name="solidAlignAcc1">
-    <dgm:fillClrLst meth="repeat">
-      <a:schemeClr val="lt1"/>
-    </dgm:fillClrLst>
-    <dgm:linClrLst meth="repeat">
-      <a:schemeClr val="accent2"/>
-    </dgm:linClrLst>
-    <dgm:effectClrLst/>
-    <dgm:txLinClrLst/>
-    <dgm:txFillClrLst meth="repeat">
-      <a:schemeClr val="dk1"/>
-    </dgm:txFillClrLst>
-    <dgm:txEffectClrLst/>
-  </dgm:styleLbl>
-  <dgm:styleLbl name="solidBgAcc1">
-    <dgm:fillClrLst meth="repeat">
-      <a:schemeClr val="lt1"/>
-    </dgm:fillClrLst>
-    <dgm:linClrLst meth="repeat">
-      <a:schemeClr val="accent2"/>
-    </dgm:linClrLst>
-    <dgm:effectClrLst/>
-    <dgm:txLinClrLst/>
-    <dgm:txFillClrLst meth="repeat">
-      <a:schemeClr val="dk1"/>
-    </dgm:txFillClrLst>
-    <dgm:txEffectClrLst/>
-  </dgm:styleLbl>
-  <dgm:styleLbl name="fgAccFollowNode1">
-    <dgm:fillClrLst meth="repeat">
-      <a:schemeClr val="lt1">
-        <a:alpha val="90000"/>
-        <a:tint val="40000"/>
-      </a:schemeClr>
-    </dgm:fillClrLst>
-    <dgm:linClrLst meth="repeat">
-      <a:schemeClr val="accent2">
-        <a:alpha val="90000"/>
-      </a:schemeClr>
-    </dgm:linClrLst>
-    <dgm:effectClrLst/>
-    <dgm:txLinClrLst/>
-    <dgm:txFillClrLst meth="repeat">
-      <a:schemeClr val="dk1"/>
-    </dgm:txFillClrLst>
-    <dgm:txEffectClrLst/>
-  </dgm:styleLbl>
-  <dgm:styleLbl name="alignAccFollowNode1">
-    <dgm:fillClrLst meth="repeat">
-      <a:schemeClr val="lt1">
-        <a:alpha val="90000"/>
-        <a:tint val="40000"/>
-      </a:schemeClr>
-    </dgm:fillClrLst>
-    <dgm:linClrLst meth="repeat">
-      <a:schemeClr val="accent2">
-        <a:alpha val="90000"/>
-      </a:schemeClr>
-    </dgm:linClrLst>
-    <dgm:effectClrLst/>
-    <dgm:txLinClrLst/>
-    <dgm:txFillClrLst meth="repeat">
-      <a:schemeClr val="dk1"/>
-    </dgm:txFillClrLst>
-    <dgm:txEffectClrLst/>
-  </dgm:styleLbl>
-  <dgm:styleLbl name="bgAccFollowNode1">
-    <dgm:fillClrLst meth="repeat">
-      <a:schemeClr val="lt1">
-        <a:alpha val="90000"/>
-        <a:tint val="40000"/>
-      </a:schemeClr>
-    </dgm:fillClrLst>
-    <dgm:linClrLst meth="repeat">
-      <a:schemeClr val="accent2">
-        <a:alpha val="90000"/>
-      </a:schemeClr>
-    </dgm:linClrLst>
-    <dgm:effectClrLst/>
-    <dgm:txLinClrLst/>
-    <dgm:txFillClrLst meth="repeat">
-      <a:schemeClr val="dk1"/>
-    </dgm:txFillClrLst>
-    <dgm:txEffectClrLst/>
-  </dgm:styleLbl>
-  <dgm:styleLbl name="fgAcc0">
-    <dgm:fillClrLst meth="repeat">
-      <a:schemeClr val="accent2">
-        <a:alpha val="90000"/>
-        <a:tint val="40000"/>
-      </a:schemeClr>
-    </dgm:fillClrLst>
-    <dgm:linClrLst meth="repeat">
-      <a:schemeClr val="accent2"/>
-    </dgm:linClrLst>
-    <dgm:effectClrLst/>
-    <dgm:txLinClrLst/>
-    <dgm:txFillClrLst meth="repeat">
-      <a:schemeClr val="dk1"/>
-    </dgm:txFillClrLst>
-    <dgm:txEffectClrLst/>
-  </dgm:styleLbl>
-  <dgm:styleLbl name="fgAcc2">
-    <dgm:fillClrLst meth="repeat">
-      <a:schemeClr val="accent2">
-        <a:alpha val="90000"/>
-        <a:tint val="40000"/>
-      </a:schemeClr>
-    </dgm:fillClrLst>
-    <dgm:linClrLst meth="repeat">
-      <a:schemeClr val="accent2"/>
-    </dgm:linClrLst>
-    <dgm:effectClrLst/>
-    <dgm:txLinClrLst/>
-    <dgm:txFillClrLst meth="repeat">
-      <a:schemeClr val="dk1"/>
-    </dgm:txFillClrLst>
-    <dgm:txEffectClrLst/>
-  </dgm:styleLbl>
-  <dgm:styleLbl name="fgAcc3">
-    <dgm:fillClrLst meth="repeat">
-      <a:schemeClr val="accent2">
-        <a:alpha val="90000"/>
-        <a:tint val="40000"/>
-      </a:schemeClr>
-    </dgm:fillClrLst>
-    <dgm:linClrLst meth="repeat">
-      <a:schemeClr val="accent2"/>
-    </dgm:linClrLst>
-    <dgm:effectClrLst/>
-    <dgm:txLinClrLst/>
-    <dgm:txFillClrLst meth="repeat">
-      <a:schemeClr val="dk1"/>
-    </dgm:txFillClrLst>
-    <dgm:txEffectClrLst/>
-  </dgm:styleLbl>
-  <dgm:styleLbl name="fgAcc4">
-    <dgm:fillClrLst meth="repeat">
-      <a:schemeClr val="accent2">
-        <a:alpha val="90000"/>
-        <a:tint val="40000"/>
-      </a:schemeClr>
-    </dgm:fillClrLst>
-    <dgm:linClrLst meth="repeat">
-      <a:schemeClr val="accent2"/>
-    </dgm:linClrLst>
-    <dgm:effectClrLst/>
-    <dgm:txLinClrLst/>
-    <dgm:txFillClrLst meth="repeat">
-      <a:schemeClr val="dk1"/>
-    </dgm:txFillClrLst>
-    <dgm:txEffectClrLst/>
-  </dgm:styleLbl>
-  <dgm:styleLbl name="bgShp">
-    <dgm:fillClrLst meth="repeat">
-      <a:schemeClr val="accent2">
-        <a:tint val="40000"/>
-      </a:schemeClr>
-    </dgm:fillClrLst>
-    <dgm:linClrLst meth="repeat">
-      <a:schemeClr val="accent2"/>
-    </dgm:linClrLst>
-    <dgm:effectClrLst/>
-    <dgm:txLinClrLst/>
-    <dgm:txFillClrLst meth="repeat">
-      <a:schemeClr val="dk1"/>
-    </dgm:txFillClrLst>
-    <dgm:txEffectClrLst/>
-  </dgm:styleLbl>
-  <dgm:styleLbl name="dkBgShp">
-    <dgm:fillClrLst meth="repeat">
-      <a:schemeClr val="accent2">
-        <a:shade val="80000"/>
-      </a:schemeClr>
-    </dgm:fillClrLst>
-    <dgm:linClrLst meth="repeat">
-      <a:schemeClr val="accent2"/>
-    </dgm:linClrLst>
-    <dgm:effectClrLst/>
-    <dgm:txLinClrLst/>
-    <dgm:txFillClrLst meth="repeat">
-      <a:schemeClr val="lt1"/>
-    </dgm:txFillClrLst>
-    <dgm:txEffectClrLst/>
-  </dgm:styleLbl>
-  <dgm:styleLbl name="trBgShp">
-    <dgm:fillClrLst meth="repeat">
-      <a:schemeClr val="accent2">
-        <a:tint val="50000"/>
-        <a:alpha val="40000"/>
-      </a:schemeClr>
-    </dgm:fillClrLst>
-    <dgm:linClrLst meth="repeat">
-      <a:schemeClr val="accent2"/>
-    </dgm:linClrLst>
-    <dgm:effectClrLst/>
-    <dgm:txLinClrLst/>
-    <dgm:txFillClrLst meth="repeat">
-      <a:schemeClr val="lt1"/>
-    </dgm:txFillClrLst>
-    <dgm:txEffectClrLst/>
-  </dgm:styleLbl>
-  <dgm:styleLbl name="fgShp">
-    <dgm:fillClrLst meth="repeat">
-      <a:schemeClr val="accent2">
-        <a:tint val="60000"/>
-      </a:schemeClr>
-    </dgm:fillClrLst>
-    <dgm:linClrLst meth="repeat">
-      <a:schemeClr val="lt1"/>
-    </dgm:linClrLst>
-    <dgm:effectClrLst/>
-    <dgm:txLinClrLst/>
-    <dgm:txFillClrLst meth="repeat">
-      <a:schemeClr val="dk1"/>
-    </dgm:txFillClrLst>
-    <dgm:txEffectClrLst/>
-  </dgm:styleLbl>
-  <dgm:styleLbl name="revTx">
-    <dgm:fillClrLst meth="repeat">
-      <a:schemeClr val="lt1">
-        <a:alpha val="0"/>
-      </a:schemeClr>
-    </dgm:fillClrLst>
-    <dgm:linClrLst meth="repeat">
-      <a:schemeClr val="dk1">
-        <a:alpha val="0"/>
-      </a:schemeClr>
-    </dgm:linClrLst>
-    <dgm:effectClrLst/>
-    <dgm:txLinClrLst/>
-    <dgm:txFillClrLst meth="repeat">
-      <a:schemeClr val="tx1"/>
-    </dgm:txFillClrLst>
-    <dgm:txEffectClrLst/>
-  </dgm:styleLbl>
-</dgm:colorsDef>
-</file>
-
-<file path=ppt/diagrams/data1.xml><?xml version="1.0" encoding="utf-8"?>
-<dgm:dataModel xmlns:dgm="http://schemas.openxmlformats.org/drawingml/2006/diagram" xmlns:a="http://schemas.openxmlformats.org/drawingml/2006/main">
-  <dgm:ptLst>
-    <dgm:pt modelId="{C25540A7-DEFF-4CBC-9AC9-C34497C0C28D}" type="doc">
-      <dgm:prSet loTypeId="urn:microsoft.com/office/officeart/2005/8/layout/process1" loCatId="process" qsTypeId="urn:microsoft.com/office/officeart/2005/8/quickstyle/simple1" qsCatId="simple" csTypeId="urn:microsoft.com/office/officeart/2005/8/colors/accent2_1" csCatId="accent2" phldr="1"/>
-      <dgm:spPr/>
-    </dgm:pt>
-    <dgm:pt modelId="{9FC94142-BDD6-406B-90B9-2CA31B54ADAE}">
-      <dgm:prSet phldrT="[Текст]"/>
-      <dgm:spPr/>
-      <dgm:t>
-        <a:bodyPr/>
-        <a:lstStyle/>
-        <a:p>
-          <a:r>
-            <a:rPr lang="en-US" dirty="0"/>
-            <a:t>Vivado HLS</a:t>
-          </a:r>
-          <a:endParaRPr lang="ru-RU" dirty="0"/>
-        </a:p>
-      </dgm:t>
-    </dgm:pt>
-    <dgm:pt modelId="{75683248-C1DA-4BA1-A456-A5A34E76F6B5}" type="parTrans" cxnId="{859341E6-B3F9-407E-82C2-3F0829D6FD53}">
-      <dgm:prSet/>
-      <dgm:spPr/>
-      <dgm:t>
-        <a:bodyPr/>
-        <a:lstStyle/>
-        <a:p>
-          <a:endParaRPr lang="ru-RU"/>
-        </a:p>
-      </dgm:t>
-    </dgm:pt>
-    <dgm:pt modelId="{7B583ACC-898A-4BE2-BC90-8D288E169420}" type="sibTrans" cxnId="{859341E6-B3F9-407E-82C2-3F0829D6FD53}">
-      <dgm:prSet/>
-      <dgm:spPr/>
-      <dgm:t>
-        <a:bodyPr/>
-        <a:lstStyle/>
-        <a:p>
-          <a:endParaRPr lang="ru-RU"/>
-        </a:p>
-      </dgm:t>
-    </dgm:pt>
-    <dgm:pt modelId="{723AC151-E644-4DB9-AA41-965075472F34}">
-      <dgm:prSet phldrT="[Текст]"/>
-      <dgm:spPr/>
-      <dgm:t>
-        <a:bodyPr/>
-        <a:lstStyle/>
-        <a:p>
-          <a:r>
-            <a:rPr lang="en-US" dirty="0"/>
-            <a:t>Functional simulation (Testbench)</a:t>
-          </a:r>
-          <a:endParaRPr lang="ru-RU" dirty="0"/>
-        </a:p>
-      </dgm:t>
-    </dgm:pt>
-    <dgm:pt modelId="{9A04F1F8-6E7F-4D99-AF71-79D68C438F4C}" type="parTrans" cxnId="{4F00EB8B-B4D0-428A-8B6F-8D5CA5F35467}">
-      <dgm:prSet/>
-      <dgm:spPr/>
-      <dgm:t>
-        <a:bodyPr/>
-        <a:lstStyle/>
-        <a:p>
-          <a:endParaRPr lang="ru-RU"/>
-        </a:p>
-      </dgm:t>
-    </dgm:pt>
-    <dgm:pt modelId="{FEF9FD73-176B-44AF-9CB9-D569AA679F16}" type="sibTrans" cxnId="{4F00EB8B-B4D0-428A-8B6F-8D5CA5F35467}">
-      <dgm:prSet/>
-      <dgm:spPr/>
-      <dgm:t>
-        <a:bodyPr/>
-        <a:lstStyle/>
-        <a:p>
-          <a:endParaRPr lang="ru-RU"/>
-        </a:p>
-      </dgm:t>
-    </dgm:pt>
-    <dgm:pt modelId="{2BD1046A-61DE-4667-B5DA-2095964A9ACA}">
-      <dgm:prSet phldrT="[Текст]"/>
-      <dgm:spPr/>
-      <dgm:t>
-        <a:bodyPr/>
-        <a:lstStyle/>
-        <a:p>
-          <a:r>
-            <a:rPr lang="en-US" dirty="0"/>
-            <a:t>Synthesis, implementation and bitstream generating</a:t>
-          </a:r>
-          <a:endParaRPr lang="ru-RU" dirty="0"/>
-        </a:p>
-      </dgm:t>
-    </dgm:pt>
-    <dgm:pt modelId="{75E03335-1160-4CE6-B34A-22EFF0850C89}" type="parTrans" cxnId="{5025EDB7-3591-4932-A61A-6D85131EF96A}">
-      <dgm:prSet/>
-      <dgm:spPr/>
-      <dgm:t>
-        <a:bodyPr/>
-        <a:lstStyle/>
-        <a:p>
-          <a:endParaRPr lang="ru-RU"/>
-        </a:p>
-      </dgm:t>
-    </dgm:pt>
-    <dgm:pt modelId="{4E3C4B0D-9481-419E-91F1-1CAE183D27FD}" type="sibTrans" cxnId="{5025EDB7-3591-4932-A61A-6D85131EF96A}">
-      <dgm:prSet/>
-      <dgm:spPr/>
-      <dgm:t>
-        <a:bodyPr/>
-        <a:lstStyle/>
-        <a:p>
-          <a:endParaRPr lang="ru-RU"/>
-        </a:p>
-      </dgm:t>
-    </dgm:pt>
-    <dgm:pt modelId="{C71CF4AF-738C-4E39-9A60-74E5A6BF4958}">
-      <dgm:prSet phldrT="[Текст]"/>
-      <dgm:spPr/>
-      <dgm:t>
-        <a:bodyPr/>
-        <a:lstStyle/>
-        <a:p>
-          <a:r>
-            <a:rPr lang="en-US" dirty="0"/>
-            <a:t>Debugging using logic analyzer and VIO IP core </a:t>
-          </a:r>
-          <a:endParaRPr lang="ru-RU" dirty="0"/>
-        </a:p>
-      </dgm:t>
-    </dgm:pt>
-    <dgm:pt modelId="{1BC1F44F-C5E3-4BA9-AAA6-B6A38563FCED}" type="parTrans" cxnId="{164BCAD7-F79B-4723-B557-25421EA62E7A}">
-      <dgm:prSet/>
-      <dgm:spPr/>
-      <dgm:t>
-        <a:bodyPr/>
-        <a:lstStyle/>
-        <a:p>
-          <a:endParaRPr lang="ru-RU"/>
-        </a:p>
-      </dgm:t>
-    </dgm:pt>
-    <dgm:pt modelId="{EE009AD6-0930-4539-AB2A-647B6DFFFA1D}" type="sibTrans" cxnId="{164BCAD7-F79B-4723-B557-25421EA62E7A}">
-      <dgm:prSet/>
-      <dgm:spPr/>
-      <dgm:t>
-        <a:bodyPr/>
-        <a:lstStyle/>
-        <a:p>
-          <a:endParaRPr lang="ru-RU"/>
-        </a:p>
-      </dgm:t>
-    </dgm:pt>
-    <dgm:pt modelId="{A28C3C63-BD33-4061-80BF-6C9EC517766B}" type="pres">
-      <dgm:prSet presAssocID="{C25540A7-DEFF-4CBC-9AC9-C34497C0C28D}" presName="Name0" presStyleCnt="0">
-        <dgm:presLayoutVars>
-          <dgm:dir/>
-          <dgm:resizeHandles val="exact"/>
-        </dgm:presLayoutVars>
-      </dgm:prSet>
-      <dgm:spPr/>
-    </dgm:pt>
-    <dgm:pt modelId="{E6378B68-B0E2-429E-9C41-B45A74F6829C}" type="pres">
-      <dgm:prSet presAssocID="{9FC94142-BDD6-406B-90B9-2CA31B54ADAE}" presName="node" presStyleLbl="node1" presStyleIdx="0" presStyleCnt="4">
-        <dgm:presLayoutVars>
-          <dgm:bulletEnabled val="1"/>
-        </dgm:presLayoutVars>
-      </dgm:prSet>
-      <dgm:spPr/>
-    </dgm:pt>
-    <dgm:pt modelId="{324C330C-05E8-4CAE-919A-5E081417118C}" type="pres">
-      <dgm:prSet presAssocID="{7B583ACC-898A-4BE2-BC90-8D288E169420}" presName="sibTrans" presStyleLbl="sibTrans2D1" presStyleIdx="0" presStyleCnt="3"/>
-      <dgm:spPr/>
-    </dgm:pt>
-    <dgm:pt modelId="{7E111529-E9D2-441D-8B7A-8E9600557F9E}" type="pres">
-      <dgm:prSet presAssocID="{7B583ACC-898A-4BE2-BC90-8D288E169420}" presName="connectorText" presStyleLbl="sibTrans2D1" presStyleIdx="0" presStyleCnt="3"/>
-      <dgm:spPr/>
-    </dgm:pt>
-    <dgm:pt modelId="{35F44B84-1BAC-48BD-B3C1-03278AFD5C0C}" type="pres">
-      <dgm:prSet presAssocID="{723AC151-E644-4DB9-AA41-965075472F34}" presName="node" presStyleLbl="node1" presStyleIdx="1" presStyleCnt="4">
-        <dgm:presLayoutVars>
-          <dgm:bulletEnabled val="1"/>
-        </dgm:presLayoutVars>
-      </dgm:prSet>
-      <dgm:spPr/>
-    </dgm:pt>
-    <dgm:pt modelId="{276F2C8B-2904-4865-ADC3-F9E1EAD8ABA6}" type="pres">
-      <dgm:prSet presAssocID="{FEF9FD73-176B-44AF-9CB9-D569AA679F16}" presName="sibTrans" presStyleLbl="sibTrans2D1" presStyleIdx="1" presStyleCnt="3"/>
-      <dgm:spPr/>
-    </dgm:pt>
-    <dgm:pt modelId="{F2FAAED2-4C33-4214-A12B-27463DAA1E94}" type="pres">
-      <dgm:prSet presAssocID="{FEF9FD73-176B-44AF-9CB9-D569AA679F16}" presName="connectorText" presStyleLbl="sibTrans2D1" presStyleIdx="1" presStyleCnt="3"/>
-      <dgm:spPr/>
-    </dgm:pt>
-    <dgm:pt modelId="{72B66847-E372-4C4D-B2D0-3A61F60C17CF}" type="pres">
-      <dgm:prSet presAssocID="{2BD1046A-61DE-4667-B5DA-2095964A9ACA}" presName="node" presStyleLbl="node1" presStyleIdx="2" presStyleCnt="4">
-        <dgm:presLayoutVars>
-          <dgm:bulletEnabled val="1"/>
-        </dgm:presLayoutVars>
-      </dgm:prSet>
-      <dgm:spPr/>
-    </dgm:pt>
-    <dgm:pt modelId="{432B6F84-A4B0-47A2-B368-DC9A19A5684C}" type="pres">
-      <dgm:prSet presAssocID="{4E3C4B0D-9481-419E-91F1-1CAE183D27FD}" presName="sibTrans" presStyleLbl="sibTrans2D1" presStyleIdx="2" presStyleCnt="3"/>
-      <dgm:spPr/>
-    </dgm:pt>
-    <dgm:pt modelId="{46AB28D2-7ADD-41CE-B0F4-7F5F7BA4D861}" type="pres">
-      <dgm:prSet presAssocID="{4E3C4B0D-9481-419E-91F1-1CAE183D27FD}" presName="connectorText" presStyleLbl="sibTrans2D1" presStyleIdx="2" presStyleCnt="3"/>
-      <dgm:spPr/>
-    </dgm:pt>
-    <dgm:pt modelId="{CB9E7DE5-84D8-4840-A074-CC6164214347}" type="pres">
-      <dgm:prSet presAssocID="{C71CF4AF-738C-4E39-9A60-74E5A6BF4958}" presName="node" presStyleLbl="node1" presStyleIdx="3" presStyleCnt="4">
-        <dgm:presLayoutVars>
-          <dgm:bulletEnabled val="1"/>
-        </dgm:presLayoutVars>
-      </dgm:prSet>
-      <dgm:spPr/>
-    </dgm:pt>
-  </dgm:ptLst>
-  <dgm:cxnLst>
-    <dgm:cxn modelId="{E2EEC11A-67E0-46E4-B9BF-F4C624A545F4}" type="presOf" srcId="{7B583ACC-898A-4BE2-BC90-8D288E169420}" destId="{7E111529-E9D2-441D-8B7A-8E9600557F9E}" srcOrd="1" destOrd="0" presId="urn:microsoft.com/office/officeart/2005/8/layout/process1"/>
-    <dgm:cxn modelId="{9AB0F027-FD15-4983-A570-A6ABB66AF684}" type="presOf" srcId="{723AC151-E644-4DB9-AA41-965075472F34}" destId="{35F44B84-1BAC-48BD-B3C1-03278AFD5C0C}" srcOrd="0" destOrd="0" presId="urn:microsoft.com/office/officeart/2005/8/layout/process1"/>
-    <dgm:cxn modelId="{AF6C2234-7B17-47E7-9991-DBFC0497AF25}" type="presOf" srcId="{9FC94142-BDD6-406B-90B9-2CA31B54ADAE}" destId="{E6378B68-B0E2-429E-9C41-B45A74F6829C}" srcOrd="0" destOrd="0" presId="urn:microsoft.com/office/officeart/2005/8/layout/process1"/>
-    <dgm:cxn modelId="{A88E713E-0B37-406D-8832-D138EC6073FB}" type="presOf" srcId="{7B583ACC-898A-4BE2-BC90-8D288E169420}" destId="{324C330C-05E8-4CAE-919A-5E081417118C}" srcOrd="0" destOrd="0" presId="urn:microsoft.com/office/officeart/2005/8/layout/process1"/>
-    <dgm:cxn modelId="{65554563-6F77-4AFD-AE9D-3386390292F7}" type="presOf" srcId="{FEF9FD73-176B-44AF-9CB9-D569AA679F16}" destId="{276F2C8B-2904-4865-ADC3-F9E1EAD8ABA6}" srcOrd="0" destOrd="0" presId="urn:microsoft.com/office/officeart/2005/8/layout/process1"/>
-    <dgm:cxn modelId="{B403C163-685F-4C85-8DEB-6B8505B35B10}" type="presOf" srcId="{4E3C4B0D-9481-419E-91F1-1CAE183D27FD}" destId="{432B6F84-A4B0-47A2-B368-DC9A19A5684C}" srcOrd="0" destOrd="0" presId="urn:microsoft.com/office/officeart/2005/8/layout/process1"/>
-    <dgm:cxn modelId="{86182147-1D34-45FE-84CF-86115535900F}" type="presOf" srcId="{C71CF4AF-738C-4E39-9A60-74E5A6BF4958}" destId="{CB9E7DE5-84D8-4840-A074-CC6164214347}" srcOrd="0" destOrd="0" presId="urn:microsoft.com/office/officeart/2005/8/layout/process1"/>
-    <dgm:cxn modelId="{ADB6954D-50FB-4343-900D-B5895D9A4892}" type="presOf" srcId="{FEF9FD73-176B-44AF-9CB9-D569AA679F16}" destId="{F2FAAED2-4C33-4214-A12B-27463DAA1E94}" srcOrd="1" destOrd="0" presId="urn:microsoft.com/office/officeart/2005/8/layout/process1"/>
-    <dgm:cxn modelId="{03983676-0FA8-428B-992E-C097D05FC16D}" type="presOf" srcId="{2BD1046A-61DE-4667-B5DA-2095964A9ACA}" destId="{72B66847-E372-4C4D-B2D0-3A61F60C17CF}" srcOrd="0" destOrd="0" presId="urn:microsoft.com/office/officeart/2005/8/layout/process1"/>
-    <dgm:cxn modelId="{4F00EB8B-B4D0-428A-8B6F-8D5CA5F35467}" srcId="{C25540A7-DEFF-4CBC-9AC9-C34497C0C28D}" destId="{723AC151-E644-4DB9-AA41-965075472F34}" srcOrd="1" destOrd="0" parTransId="{9A04F1F8-6E7F-4D99-AF71-79D68C438F4C}" sibTransId="{FEF9FD73-176B-44AF-9CB9-D569AA679F16}"/>
-    <dgm:cxn modelId="{5025EDB7-3591-4932-A61A-6D85131EF96A}" srcId="{C25540A7-DEFF-4CBC-9AC9-C34497C0C28D}" destId="{2BD1046A-61DE-4667-B5DA-2095964A9ACA}" srcOrd="2" destOrd="0" parTransId="{75E03335-1160-4CE6-B34A-22EFF0850C89}" sibTransId="{4E3C4B0D-9481-419E-91F1-1CAE183D27FD}"/>
-    <dgm:cxn modelId="{468178C1-91C8-4C55-ABF8-7E299E4EBDC2}" type="presOf" srcId="{C25540A7-DEFF-4CBC-9AC9-C34497C0C28D}" destId="{A28C3C63-BD33-4061-80BF-6C9EC517766B}" srcOrd="0" destOrd="0" presId="urn:microsoft.com/office/officeart/2005/8/layout/process1"/>
-    <dgm:cxn modelId="{88DC3FC5-E55B-4A53-BBCE-AF1155C6B930}" type="presOf" srcId="{4E3C4B0D-9481-419E-91F1-1CAE183D27FD}" destId="{46AB28D2-7ADD-41CE-B0F4-7F5F7BA4D861}" srcOrd="1" destOrd="0" presId="urn:microsoft.com/office/officeart/2005/8/layout/process1"/>
-    <dgm:cxn modelId="{164BCAD7-F79B-4723-B557-25421EA62E7A}" srcId="{C25540A7-DEFF-4CBC-9AC9-C34497C0C28D}" destId="{C71CF4AF-738C-4E39-9A60-74E5A6BF4958}" srcOrd="3" destOrd="0" parTransId="{1BC1F44F-C5E3-4BA9-AAA6-B6A38563FCED}" sibTransId="{EE009AD6-0930-4539-AB2A-647B6DFFFA1D}"/>
-    <dgm:cxn modelId="{859341E6-B3F9-407E-82C2-3F0829D6FD53}" srcId="{C25540A7-DEFF-4CBC-9AC9-C34497C0C28D}" destId="{9FC94142-BDD6-406B-90B9-2CA31B54ADAE}" srcOrd="0" destOrd="0" parTransId="{75683248-C1DA-4BA1-A456-A5A34E76F6B5}" sibTransId="{7B583ACC-898A-4BE2-BC90-8D288E169420}"/>
-    <dgm:cxn modelId="{54DB5094-83C4-49B4-AA3D-F20720307DFC}" type="presParOf" srcId="{A28C3C63-BD33-4061-80BF-6C9EC517766B}" destId="{E6378B68-B0E2-429E-9C41-B45A74F6829C}" srcOrd="0" destOrd="0" presId="urn:microsoft.com/office/officeart/2005/8/layout/process1"/>
-    <dgm:cxn modelId="{A3E596FA-798D-4159-B3E1-CFE67396B39B}" type="presParOf" srcId="{A28C3C63-BD33-4061-80BF-6C9EC517766B}" destId="{324C330C-05E8-4CAE-919A-5E081417118C}" srcOrd="1" destOrd="0" presId="urn:microsoft.com/office/officeart/2005/8/layout/process1"/>
-    <dgm:cxn modelId="{F0BB4A63-EA5F-4421-BC5B-D622F97BA81F}" type="presParOf" srcId="{324C330C-05E8-4CAE-919A-5E081417118C}" destId="{7E111529-E9D2-441D-8B7A-8E9600557F9E}" srcOrd="0" destOrd="0" presId="urn:microsoft.com/office/officeart/2005/8/layout/process1"/>
-    <dgm:cxn modelId="{21B227A7-8216-4FC2-9FDD-85611738C998}" type="presParOf" srcId="{A28C3C63-BD33-4061-80BF-6C9EC517766B}" destId="{35F44B84-1BAC-48BD-B3C1-03278AFD5C0C}" srcOrd="2" destOrd="0" presId="urn:microsoft.com/office/officeart/2005/8/layout/process1"/>
-    <dgm:cxn modelId="{A95677E5-A996-449D-B9CE-F003BD9C226B}" type="presParOf" srcId="{A28C3C63-BD33-4061-80BF-6C9EC517766B}" destId="{276F2C8B-2904-4865-ADC3-F9E1EAD8ABA6}" srcOrd="3" destOrd="0" presId="urn:microsoft.com/office/officeart/2005/8/layout/process1"/>
-    <dgm:cxn modelId="{4B7F568E-DBD9-480C-8709-C2F915C713F0}" type="presParOf" srcId="{276F2C8B-2904-4865-ADC3-F9E1EAD8ABA6}" destId="{F2FAAED2-4C33-4214-A12B-27463DAA1E94}" srcOrd="0" destOrd="0" presId="urn:microsoft.com/office/officeart/2005/8/layout/process1"/>
-    <dgm:cxn modelId="{C9CD3FA5-A170-4F17-94EF-59612038ACA8}" type="presParOf" srcId="{A28C3C63-BD33-4061-80BF-6C9EC517766B}" destId="{72B66847-E372-4C4D-B2D0-3A61F60C17CF}" srcOrd="4" destOrd="0" presId="urn:microsoft.com/office/officeart/2005/8/layout/process1"/>
-    <dgm:cxn modelId="{59DBCBF6-477E-454D-B1E3-694858109158}" type="presParOf" srcId="{A28C3C63-BD33-4061-80BF-6C9EC517766B}" destId="{432B6F84-A4B0-47A2-B368-DC9A19A5684C}" srcOrd="5" destOrd="0" presId="urn:microsoft.com/office/officeart/2005/8/layout/process1"/>
-    <dgm:cxn modelId="{65CE8113-32E9-4F5F-AA37-5B339D34DB61}" type="presParOf" srcId="{432B6F84-A4B0-47A2-B368-DC9A19A5684C}" destId="{46AB28D2-7ADD-41CE-B0F4-7F5F7BA4D861}" srcOrd="0" destOrd="0" presId="urn:microsoft.com/office/officeart/2005/8/layout/process1"/>
-    <dgm:cxn modelId="{54F6D300-3DD5-4AD8-8A13-88A281396EBB}" type="presParOf" srcId="{A28C3C63-BD33-4061-80BF-6C9EC517766B}" destId="{CB9E7DE5-84D8-4840-A074-CC6164214347}" srcOrd="6" destOrd="0" presId="urn:microsoft.com/office/officeart/2005/8/layout/process1"/>
-  </dgm:cxnLst>
-  <dgm:bg/>
-  <dgm:whole/>
-  <dgm:extLst>
-    <a:ext uri="http://schemas.microsoft.com/office/drawing/2008/diagram">
-      <dsp:dataModelExt xmlns:dsp="http://schemas.microsoft.com/office/drawing/2008/diagram" relId="rId6" minVer="http://schemas.openxmlformats.org/drawingml/2006/diagram"/>
-    </a:ext>
-  </dgm:extLst>
-</dgm:dataModel>
-</file>
-
-<file path=ppt/diagrams/drawing1.xml><?xml version="1.0" encoding="utf-8"?>
-<dsp:drawing xmlns:dgm="http://schemas.openxmlformats.org/drawingml/2006/diagram" xmlns:dsp="http://schemas.microsoft.com/office/drawing/2008/diagram" xmlns:a="http://schemas.openxmlformats.org/drawingml/2006/main">
-  <dsp:spTree>
-    <dsp:nvGrpSpPr>
-      <dsp:cNvPr id="0" name=""/>
-      <dsp:cNvGrpSpPr/>
-    </dsp:nvGrpSpPr>
-    <dsp:grpSpPr/>
-    <dsp:sp modelId="{E6378B68-B0E2-429E-9C41-B45A74F6829C}">
-      <dsp:nvSpPr>
-        <dsp:cNvPr id="0" name=""/>
-        <dsp:cNvSpPr/>
-      </dsp:nvSpPr>
-      <dsp:spPr>
-        <a:xfrm>
-          <a:off x="3571" y="252209"/>
-          <a:ext cx="1561703" cy="1112713"/>
-        </a:xfrm>
-        <a:prstGeom prst="roundRect">
-          <a:avLst>
-            <a:gd name="adj" fmla="val 10000"/>
-          </a:avLst>
-        </a:prstGeom>
-        <a:solidFill>
-          <a:schemeClr val="lt1">
-            <a:hueOff val="0"/>
-            <a:satOff val="0"/>
-            <a:lumOff val="0"/>
-            <a:alphaOff val="0"/>
-          </a:schemeClr>
-        </a:solidFill>
-        <a:ln w="12700" cap="flat" cmpd="sng" algn="ctr">
-          <a:solidFill>
-            <a:schemeClr val="accent2">
-              <a:shade val="80000"/>
-              <a:hueOff val="0"/>
-              <a:satOff val="0"/>
-              <a:lumOff val="0"/>
-              <a:alphaOff val="0"/>
-            </a:schemeClr>
-          </a:solidFill>
-          <a:prstDash val="solid"/>
-          <a:miter lim="800000"/>
-        </a:ln>
-        <a:effectLst/>
-      </dsp:spPr>
-      <dsp:style>
-        <a:lnRef idx="2">
-          <a:scrgbClr r="0" g="0" b="0"/>
-        </a:lnRef>
-        <a:fillRef idx="1">
-          <a:scrgbClr r="0" g="0" b="0"/>
-        </a:fillRef>
-        <a:effectRef idx="0">
-          <a:scrgbClr r="0" g="0" b="0"/>
-        </a:effectRef>
-        <a:fontRef idx="minor">
-          <a:schemeClr val="lt1"/>
-        </a:fontRef>
-      </dsp:style>
-      <dsp:txBody>
-        <a:bodyPr spcFirstLastPara="0" vert="horz" wrap="square" lIns="60960" tIns="60960" rIns="60960" bIns="60960" numCol="1" spcCol="1270" anchor="ctr" anchorCtr="0">
-          <a:noAutofit/>
-        </a:bodyPr>
-        <a:lstStyle/>
-        <a:p>
-          <a:pPr marL="0" lvl="0" indent="0" algn="ctr" defTabSz="711200">
-            <a:lnSpc>
-              <a:spcPct val="90000"/>
-            </a:lnSpc>
-            <a:spcBef>
-              <a:spcPct val="0"/>
-            </a:spcBef>
-            <a:spcAft>
-              <a:spcPct val="35000"/>
-            </a:spcAft>
-            <a:buNone/>
-          </a:pPr>
-          <a:r>
-            <a:rPr lang="en-US" sz="1600" kern="1200" dirty="0"/>
-            <a:t>Vivado HLS</a:t>
-          </a:r>
-          <a:endParaRPr lang="ru-RU" sz="1600" kern="1200" dirty="0"/>
-        </a:p>
-      </dsp:txBody>
-      <dsp:txXfrm>
-        <a:off x="36161" y="284799"/>
-        <a:ext cx="1496523" cy="1047533"/>
-      </dsp:txXfrm>
-    </dsp:sp>
-    <dsp:sp modelId="{324C330C-05E8-4CAE-919A-5E081417118C}">
-      <dsp:nvSpPr>
-        <dsp:cNvPr id="0" name=""/>
-        <dsp:cNvSpPr/>
-      </dsp:nvSpPr>
-      <dsp:spPr>
-        <a:xfrm>
-          <a:off x="1721445" y="614915"/>
-          <a:ext cx="331081" cy="387302"/>
-        </a:xfrm>
-        <a:prstGeom prst="rightArrow">
-          <a:avLst>
-            <a:gd name="adj1" fmla="val 60000"/>
-            <a:gd name="adj2" fmla="val 50000"/>
-          </a:avLst>
-        </a:prstGeom>
-        <a:solidFill>
-          <a:schemeClr val="accent2">
-            <a:tint val="60000"/>
-            <a:hueOff val="0"/>
-            <a:satOff val="0"/>
-            <a:lumOff val="0"/>
-            <a:alphaOff val="0"/>
-          </a:schemeClr>
-        </a:solidFill>
-        <a:ln>
-          <a:noFill/>
-        </a:ln>
-        <a:effectLst/>
-      </dsp:spPr>
-      <dsp:style>
-        <a:lnRef idx="0">
-          <a:scrgbClr r="0" g="0" b="0"/>
-        </a:lnRef>
-        <a:fillRef idx="1">
-          <a:scrgbClr r="0" g="0" b="0"/>
-        </a:fillRef>
-        <a:effectRef idx="0">
-          <a:scrgbClr r="0" g="0" b="0"/>
-        </a:effectRef>
-        <a:fontRef idx="minor">
-          <a:schemeClr val="lt1"/>
-        </a:fontRef>
-      </dsp:style>
-      <dsp:txBody>
-        <a:bodyPr spcFirstLastPara="0" vert="horz" wrap="square" lIns="0" tIns="0" rIns="0" bIns="0" numCol="1" spcCol="1270" anchor="ctr" anchorCtr="0">
-          <a:noAutofit/>
-        </a:bodyPr>
-        <a:lstStyle/>
-        <a:p>
-          <a:pPr marL="0" lvl="0" indent="0" algn="ctr" defTabSz="577850">
-            <a:lnSpc>
-              <a:spcPct val="90000"/>
-            </a:lnSpc>
-            <a:spcBef>
-              <a:spcPct val="0"/>
-            </a:spcBef>
-            <a:spcAft>
-              <a:spcPct val="35000"/>
-            </a:spcAft>
-            <a:buNone/>
-          </a:pPr>
-          <a:endParaRPr lang="ru-RU" sz="1300" kern="1200"/>
-        </a:p>
-      </dsp:txBody>
-      <dsp:txXfrm>
-        <a:off x="1721445" y="692375"/>
-        <a:ext cx="231757" cy="232382"/>
-      </dsp:txXfrm>
-    </dsp:sp>
-    <dsp:sp modelId="{35F44B84-1BAC-48BD-B3C1-03278AFD5C0C}">
-      <dsp:nvSpPr>
-        <dsp:cNvPr id="0" name=""/>
-        <dsp:cNvSpPr/>
-      </dsp:nvSpPr>
-      <dsp:spPr>
-        <a:xfrm>
-          <a:off x="2189956" y="252209"/>
-          <a:ext cx="1561703" cy="1112713"/>
-        </a:xfrm>
-        <a:prstGeom prst="roundRect">
-          <a:avLst>
-            <a:gd name="adj" fmla="val 10000"/>
-          </a:avLst>
-        </a:prstGeom>
-        <a:solidFill>
-          <a:schemeClr val="lt1">
-            <a:hueOff val="0"/>
-            <a:satOff val="0"/>
-            <a:lumOff val="0"/>
-            <a:alphaOff val="0"/>
-          </a:schemeClr>
-        </a:solidFill>
-        <a:ln w="12700" cap="flat" cmpd="sng" algn="ctr">
-          <a:solidFill>
-            <a:schemeClr val="accent2">
-              <a:shade val="80000"/>
-              <a:hueOff val="0"/>
-              <a:satOff val="0"/>
-              <a:lumOff val="0"/>
-              <a:alphaOff val="0"/>
-            </a:schemeClr>
-          </a:solidFill>
-          <a:prstDash val="solid"/>
-          <a:miter lim="800000"/>
-        </a:ln>
-        <a:effectLst/>
-      </dsp:spPr>
-      <dsp:style>
-        <a:lnRef idx="2">
-          <a:scrgbClr r="0" g="0" b="0"/>
-        </a:lnRef>
-        <a:fillRef idx="1">
-          <a:scrgbClr r="0" g="0" b="0"/>
-        </a:fillRef>
-        <a:effectRef idx="0">
-          <a:scrgbClr r="0" g="0" b="0"/>
-        </a:effectRef>
-        <a:fontRef idx="minor">
-          <a:schemeClr val="lt1"/>
-        </a:fontRef>
-      </dsp:style>
-      <dsp:txBody>
-        <a:bodyPr spcFirstLastPara="0" vert="horz" wrap="square" lIns="60960" tIns="60960" rIns="60960" bIns="60960" numCol="1" spcCol="1270" anchor="ctr" anchorCtr="0">
-          <a:noAutofit/>
-        </a:bodyPr>
-        <a:lstStyle/>
-        <a:p>
-          <a:pPr marL="0" lvl="0" indent="0" algn="ctr" defTabSz="711200">
-            <a:lnSpc>
-              <a:spcPct val="90000"/>
-            </a:lnSpc>
-            <a:spcBef>
-              <a:spcPct val="0"/>
-            </a:spcBef>
-            <a:spcAft>
-              <a:spcPct val="35000"/>
-            </a:spcAft>
-            <a:buNone/>
-          </a:pPr>
-          <a:r>
-            <a:rPr lang="en-US" sz="1600" kern="1200" dirty="0"/>
-            <a:t>Functional simulation (Testbench)</a:t>
-          </a:r>
-          <a:endParaRPr lang="ru-RU" sz="1600" kern="1200" dirty="0"/>
-        </a:p>
-      </dsp:txBody>
-      <dsp:txXfrm>
-        <a:off x="2222546" y="284799"/>
-        <a:ext cx="1496523" cy="1047533"/>
-      </dsp:txXfrm>
-    </dsp:sp>
-    <dsp:sp modelId="{276F2C8B-2904-4865-ADC3-F9E1EAD8ABA6}">
-      <dsp:nvSpPr>
-        <dsp:cNvPr id="0" name=""/>
-        <dsp:cNvSpPr/>
-      </dsp:nvSpPr>
-      <dsp:spPr>
-        <a:xfrm>
-          <a:off x="3907829" y="614915"/>
-          <a:ext cx="331081" cy="387302"/>
-        </a:xfrm>
-        <a:prstGeom prst="rightArrow">
-          <a:avLst>
-            <a:gd name="adj1" fmla="val 60000"/>
-            <a:gd name="adj2" fmla="val 50000"/>
-          </a:avLst>
-        </a:prstGeom>
-        <a:solidFill>
-          <a:schemeClr val="accent2">
-            <a:tint val="60000"/>
-            <a:hueOff val="0"/>
-            <a:satOff val="0"/>
-            <a:lumOff val="0"/>
-            <a:alphaOff val="0"/>
-          </a:schemeClr>
-        </a:solidFill>
-        <a:ln>
-          <a:noFill/>
-        </a:ln>
-        <a:effectLst/>
-      </dsp:spPr>
-      <dsp:style>
-        <a:lnRef idx="0">
-          <a:scrgbClr r="0" g="0" b="0"/>
-        </a:lnRef>
-        <a:fillRef idx="1">
-          <a:scrgbClr r="0" g="0" b="0"/>
-        </a:fillRef>
-        <a:effectRef idx="0">
-          <a:scrgbClr r="0" g="0" b="0"/>
-        </a:effectRef>
-        <a:fontRef idx="minor">
-          <a:schemeClr val="lt1"/>
-        </a:fontRef>
-      </dsp:style>
-      <dsp:txBody>
-        <a:bodyPr spcFirstLastPara="0" vert="horz" wrap="square" lIns="0" tIns="0" rIns="0" bIns="0" numCol="1" spcCol="1270" anchor="ctr" anchorCtr="0">
-          <a:noAutofit/>
-        </a:bodyPr>
-        <a:lstStyle/>
-        <a:p>
-          <a:pPr marL="0" lvl="0" indent="0" algn="ctr" defTabSz="577850">
-            <a:lnSpc>
-              <a:spcPct val="90000"/>
-            </a:lnSpc>
-            <a:spcBef>
-              <a:spcPct val="0"/>
-            </a:spcBef>
-            <a:spcAft>
-              <a:spcPct val="35000"/>
-            </a:spcAft>
-            <a:buNone/>
-          </a:pPr>
-          <a:endParaRPr lang="ru-RU" sz="1300" kern="1200"/>
-        </a:p>
-      </dsp:txBody>
-      <dsp:txXfrm>
-        <a:off x="3907829" y="692375"/>
-        <a:ext cx="231757" cy="232382"/>
-      </dsp:txXfrm>
-    </dsp:sp>
-    <dsp:sp modelId="{72B66847-E372-4C4D-B2D0-3A61F60C17CF}">
-      <dsp:nvSpPr>
-        <dsp:cNvPr id="0" name=""/>
-        <dsp:cNvSpPr/>
-      </dsp:nvSpPr>
-      <dsp:spPr>
-        <a:xfrm>
-          <a:off x="4376340" y="252209"/>
-          <a:ext cx="1561703" cy="1112713"/>
-        </a:xfrm>
-        <a:prstGeom prst="roundRect">
-          <a:avLst>
-            <a:gd name="adj" fmla="val 10000"/>
-          </a:avLst>
-        </a:prstGeom>
-        <a:solidFill>
-          <a:schemeClr val="lt1">
-            <a:hueOff val="0"/>
-            <a:satOff val="0"/>
-            <a:lumOff val="0"/>
-            <a:alphaOff val="0"/>
-          </a:schemeClr>
-        </a:solidFill>
-        <a:ln w="12700" cap="flat" cmpd="sng" algn="ctr">
-          <a:solidFill>
-            <a:schemeClr val="accent2">
-              <a:shade val="80000"/>
-              <a:hueOff val="0"/>
-              <a:satOff val="0"/>
-              <a:lumOff val="0"/>
-              <a:alphaOff val="0"/>
-            </a:schemeClr>
-          </a:solidFill>
-          <a:prstDash val="solid"/>
-          <a:miter lim="800000"/>
-        </a:ln>
-        <a:effectLst/>
-      </dsp:spPr>
-      <dsp:style>
-        <a:lnRef idx="2">
-          <a:scrgbClr r="0" g="0" b="0"/>
-        </a:lnRef>
-        <a:fillRef idx="1">
-          <a:scrgbClr r="0" g="0" b="0"/>
-        </a:fillRef>
-        <a:effectRef idx="0">
-          <a:scrgbClr r="0" g="0" b="0"/>
-        </a:effectRef>
-        <a:fontRef idx="minor">
-          <a:schemeClr val="lt1"/>
-        </a:fontRef>
-      </dsp:style>
-      <dsp:txBody>
-        <a:bodyPr spcFirstLastPara="0" vert="horz" wrap="square" lIns="60960" tIns="60960" rIns="60960" bIns="60960" numCol="1" spcCol="1270" anchor="ctr" anchorCtr="0">
-          <a:noAutofit/>
-        </a:bodyPr>
-        <a:lstStyle/>
-        <a:p>
-          <a:pPr marL="0" lvl="0" indent="0" algn="ctr" defTabSz="711200">
-            <a:lnSpc>
-              <a:spcPct val="90000"/>
-            </a:lnSpc>
-            <a:spcBef>
-              <a:spcPct val="0"/>
-            </a:spcBef>
-            <a:spcAft>
-              <a:spcPct val="35000"/>
-            </a:spcAft>
-            <a:buNone/>
-          </a:pPr>
-          <a:r>
-            <a:rPr lang="en-US" sz="1600" kern="1200" dirty="0"/>
-            <a:t>Synthesis, implementation and bitstream generating</a:t>
-          </a:r>
-          <a:endParaRPr lang="ru-RU" sz="1600" kern="1200" dirty="0"/>
-        </a:p>
-      </dsp:txBody>
-      <dsp:txXfrm>
-        <a:off x="4408930" y="284799"/>
-        <a:ext cx="1496523" cy="1047533"/>
-      </dsp:txXfrm>
-    </dsp:sp>
-    <dsp:sp modelId="{432B6F84-A4B0-47A2-B368-DC9A19A5684C}">
-      <dsp:nvSpPr>
-        <dsp:cNvPr id="0" name=""/>
-        <dsp:cNvSpPr/>
-      </dsp:nvSpPr>
-      <dsp:spPr>
-        <a:xfrm>
-          <a:off x="6094214" y="614915"/>
-          <a:ext cx="331081" cy="387302"/>
-        </a:xfrm>
-        <a:prstGeom prst="rightArrow">
-          <a:avLst>
-            <a:gd name="adj1" fmla="val 60000"/>
-            <a:gd name="adj2" fmla="val 50000"/>
-          </a:avLst>
-        </a:prstGeom>
-        <a:solidFill>
-          <a:schemeClr val="accent2">
-            <a:tint val="60000"/>
-            <a:hueOff val="0"/>
-            <a:satOff val="0"/>
-            <a:lumOff val="0"/>
-            <a:alphaOff val="0"/>
-          </a:schemeClr>
-        </a:solidFill>
-        <a:ln>
-          <a:noFill/>
-        </a:ln>
-        <a:effectLst/>
-      </dsp:spPr>
-      <dsp:style>
-        <a:lnRef idx="0">
-          <a:scrgbClr r="0" g="0" b="0"/>
-        </a:lnRef>
-        <a:fillRef idx="1">
-          <a:scrgbClr r="0" g="0" b="0"/>
-        </a:fillRef>
-        <a:effectRef idx="0">
-          <a:scrgbClr r="0" g="0" b="0"/>
-        </a:effectRef>
-        <a:fontRef idx="minor">
-          <a:schemeClr val="lt1"/>
-        </a:fontRef>
-      </dsp:style>
-      <dsp:txBody>
-        <a:bodyPr spcFirstLastPara="0" vert="horz" wrap="square" lIns="0" tIns="0" rIns="0" bIns="0" numCol="1" spcCol="1270" anchor="ctr" anchorCtr="0">
-          <a:noAutofit/>
-        </a:bodyPr>
-        <a:lstStyle/>
-        <a:p>
-          <a:pPr marL="0" lvl="0" indent="0" algn="ctr" defTabSz="577850">
-            <a:lnSpc>
-              <a:spcPct val="90000"/>
-            </a:lnSpc>
-            <a:spcBef>
-              <a:spcPct val="0"/>
-            </a:spcBef>
-            <a:spcAft>
-              <a:spcPct val="35000"/>
-            </a:spcAft>
-            <a:buNone/>
-          </a:pPr>
-          <a:endParaRPr lang="ru-RU" sz="1300" kern="1200"/>
-        </a:p>
-      </dsp:txBody>
-      <dsp:txXfrm>
-        <a:off x="6094214" y="692375"/>
-        <a:ext cx="231757" cy="232382"/>
-      </dsp:txXfrm>
-    </dsp:sp>
-    <dsp:sp modelId="{CB9E7DE5-84D8-4840-A074-CC6164214347}">
-      <dsp:nvSpPr>
-        <dsp:cNvPr id="0" name=""/>
-        <dsp:cNvSpPr/>
-      </dsp:nvSpPr>
-      <dsp:spPr>
-        <a:xfrm>
-          <a:off x="6562724" y="252209"/>
-          <a:ext cx="1561703" cy="1112713"/>
-        </a:xfrm>
-        <a:prstGeom prst="roundRect">
-          <a:avLst>
-            <a:gd name="adj" fmla="val 10000"/>
-          </a:avLst>
-        </a:prstGeom>
-        <a:solidFill>
-          <a:schemeClr val="lt1">
-            <a:hueOff val="0"/>
-            <a:satOff val="0"/>
-            <a:lumOff val="0"/>
-            <a:alphaOff val="0"/>
-          </a:schemeClr>
-        </a:solidFill>
-        <a:ln w="12700" cap="flat" cmpd="sng" algn="ctr">
-          <a:solidFill>
-            <a:schemeClr val="accent2">
-              <a:shade val="80000"/>
-              <a:hueOff val="0"/>
-              <a:satOff val="0"/>
-              <a:lumOff val="0"/>
-              <a:alphaOff val="0"/>
-            </a:schemeClr>
-          </a:solidFill>
-          <a:prstDash val="solid"/>
-          <a:miter lim="800000"/>
-        </a:ln>
-        <a:effectLst/>
-      </dsp:spPr>
-      <dsp:style>
-        <a:lnRef idx="2">
-          <a:scrgbClr r="0" g="0" b="0"/>
-        </a:lnRef>
-        <a:fillRef idx="1">
-          <a:scrgbClr r="0" g="0" b="0"/>
-        </a:fillRef>
-        <a:effectRef idx="0">
-          <a:scrgbClr r="0" g="0" b="0"/>
-        </a:effectRef>
-        <a:fontRef idx="minor">
-          <a:schemeClr val="lt1"/>
-        </a:fontRef>
-      </dsp:style>
-      <dsp:txBody>
-        <a:bodyPr spcFirstLastPara="0" vert="horz" wrap="square" lIns="60960" tIns="60960" rIns="60960" bIns="60960" numCol="1" spcCol="1270" anchor="ctr" anchorCtr="0">
-          <a:noAutofit/>
-        </a:bodyPr>
-        <a:lstStyle/>
-        <a:p>
-          <a:pPr marL="0" lvl="0" indent="0" algn="ctr" defTabSz="711200">
-            <a:lnSpc>
-              <a:spcPct val="90000"/>
-            </a:lnSpc>
-            <a:spcBef>
-              <a:spcPct val="0"/>
-            </a:spcBef>
-            <a:spcAft>
-              <a:spcPct val="35000"/>
-            </a:spcAft>
-            <a:buNone/>
-          </a:pPr>
-          <a:r>
-            <a:rPr lang="en-US" sz="1600" kern="1200" dirty="0"/>
-            <a:t>Debugging using logic analyzer and VIO IP core </a:t>
-          </a:r>
-          <a:endParaRPr lang="ru-RU" sz="1600" kern="1200" dirty="0"/>
-        </a:p>
-      </dsp:txBody>
-      <dsp:txXfrm>
-        <a:off x="6595314" y="284799"/>
-        <a:ext cx="1496523" cy="1047533"/>
-      </dsp:txXfrm>
-    </dsp:sp>
-  </dsp:spTree>
-</dsp:drawing>
-</file>
-
-<file path=ppt/diagrams/layout1.xml><?xml version="1.0" encoding="utf-8"?>
-<dgm:layoutDef xmlns:dgm="http://schemas.openxmlformats.org/drawingml/2006/diagram" xmlns:a="http://schemas.openxmlformats.org/drawingml/2006/main" uniqueId="urn:microsoft.com/office/officeart/2005/8/layout/process1">
-  <dgm:title val=""/>
-  <dgm:desc val=""/>
-  <dgm:catLst>
-    <dgm:cat type="process" pri="1000"/>
-    <dgm:cat type="convert" pri="15000"/>
-  </dgm:catLst>
-  <dgm:sampData useDef="1">
-    <dgm:dataModel>
-      <dgm:ptLst/>
-      <dgm:bg/>
-      <dgm:whole/>
-    </dgm:dataModel>
-  </dgm:sampData>
-  <dgm:styleData>
-    <dgm:dataModel>
-      <dgm:ptLst>
-        <dgm:pt modelId="0" type="doc"/>
-        <dgm:pt modelId="1"/>
-        <dgm:pt modelId="2"/>
-      </dgm:ptLst>
-      <dgm:cxnLst>
-        <dgm:cxn modelId="3" srcId="0" destId="1" srcOrd="0" destOrd="0"/>
-        <dgm:cxn modelId="4" srcId="0" destId="2" srcOrd="1" destOrd="0"/>
-      </dgm:cxnLst>
-      <dgm:bg/>
-      <dgm:whole/>
-    </dgm:dataModel>
-  </dgm:styleData>
-  <dgm:clrData>
-    <dgm:dataModel>
-      <dgm:ptLst>
-        <dgm:pt modelId="0" type="doc"/>
-        <dgm:pt modelId="1"/>
-        <dgm:pt modelId="2"/>
-        <dgm:pt modelId="3"/>
-        <dgm:pt modelId="4"/>
-      </dgm:ptLst>
-      <dgm:cxnLst>
-        <dgm:cxn modelId="5" srcId="0" destId="1" srcOrd="0" destOrd="0"/>
-        <dgm:cxn modelId="6" srcId="0" destId="2" srcOrd="1" destOrd="0"/>
-        <dgm:cxn modelId="7" srcId="0" destId="3" srcOrd="2" destOrd="0"/>
-        <dgm:cxn modelId="8" srcId="0" destId="4" srcOrd="3" destOrd="0"/>
-      </dgm:cxnLst>
-      <dgm:bg/>
-      <dgm:whole/>
-    </dgm:dataModel>
-  </dgm:clrData>
-  <dgm:layoutNode name="Name0">
-    <dgm:varLst>
-      <dgm:dir/>
-      <dgm:resizeHandles val="exact"/>
-    </dgm:varLst>
-    <dgm:choose name="Name1">
-      <dgm:if name="Name2" func="var" arg="dir" op="equ" val="norm">
-        <dgm:alg type="lin"/>
-      </dgm:if>
-      <dgm:else name="Name3">
-        <dgm:alg type="lin">
-          <dgm:param type="linDir" val="fromR"/>
-        </dgm:alg>
-      </dgm:else>
-    </dgm:choose>
-    <dgm:shape xmlns:r="http://schemas.openxmlformats.org/officeDocument/2006/relationships" r:blip="">
-      <dgm:adjLst/>
-    </dgm:shape>
-    <dgm:presOf/>
-    <dgm:constrLst>
-      <dgm:constr type="w" for="ch" ptType="node" refType="w"/>
-      <dgm:constr type="h" for="ch" ptType="node" op="equ"/>
-      <dgm:constr type="primFontSz" for="ch" ptType="node" op="equ" val="65"/>
-      <dgm:constr type="w" for="ch" ptType="sibTrans" refType="w" refFor="ch" refPtType="node" op="equ" fact="0.4"/>
-      <dgm:constr type="h" for="ch" ptType="sibTrans" op="equ"/>
-      <dgm:constr type="primFontSz" for="des" forName="connectorText" op="equ" val="55"/>
-      <dgm:constr type="primFontSz" for="des" forName="connectorText" refType="primFontSz" refFor="ch" refPtType="node" op="lte" fact="0.8"/>
-    </dgm:constrLst>
-    <dgm:ruleLst/>
-    <dgm:forEach name="nodesForEach" axis="ch" ptType="node">
-      <dgm:layoutNode name="node">
-        <dgm:varLst>
-          <dgm:bulletEnabled val="1"/>
-        </dgm:varLst>
-        <dgm:alg type="tx"/>
-        <dgm:shape xmlns:r="http://schemas.openxmlformats.org/officeDocument/2006/relationships" type="roundRect" r:blip="">
-          <dgm:adjLst>
-            <dgm:adj idx="1" val="0.1"/>
-          </dgm:adjLst>
-        </dgm:shape>
-        <dgm:presOf axis="desOrSelf" ptType="node"/>
-        <dgm:constrLst>
-          <dgm:constr type="h" refType="w" fact="0.6"/>
-          <dgm:constr type="tMarg" refType="primFontSz" fact="0.3"/>
-          <dgm:constr type="bMarg" refType="primFontSz" fact="0.3"/>
-          <dgm:constr type="lMarg" refType="primFontSz" fact="0.3"/>
-          <dgm:constr type="rMarg" refType="primFontSz" fact="0.3"/>
-        </dgm:constrLst>
-        <dgm:ruleLst>
-          <dgm:rule type="primFontSz" val="18" fact="NaN" max="NaN"/>
-          <dgm:rule type="h" val="NaN" fact="1.5" max="NaN"/>
-          <dgm:rule type="primFontSz" val="5" fact="NaN" max="NaN"/>
-          <dgm:rule type="h" val="INF" fact="NaN" max="NaN"/>
-        </dgm:ruleLst>
-      </dgm:layoutNode>
-      <dgm:forEach name="sibTransForEach" axis="followSib" ptType="sibTrans" cnt="1">
-        <dgm:layoutNode name="sibTrans">
-          <dgm:alg type="conn">
-            <dgm:param type="begPts" val="auto"/>
-            <dgm:param type="endPts" val="auto"/>
-          </dgm:alg>
-          <dgm:shape xmlns:r="http://schemas.openxmlformats.org/officeDocument/2006/relationships" type="conn" r:blip="">
-            <dgm:adjLst/>
-          </dgm:shape>
-          <dgm:presOf axis="self"/>
-          <dgm:constrLst>
-            <dgm:constr type="h" refType="w" fact="0.62"/>
-            <dgm:constr type="connDist"/>
-            <dgm:constr type="begPad" refType="connDist" fact="0.25"/>
-            <dgm:constr type="endPad" refType="connDist" fact="0.22"/>
-          </dgm:constrLst>
-          <dgm:ruleLst/>
-          <dgm:layoutNode name="connectorText">
-            <dgm:alg type="tx">
-              <dgm:param type="autoTxRot" val="grav"/>
-            </dgm:alg>
-            <dgm:shape xmlns:r="http://schemas.openxmlformats.org/officeDocument/2006/relationships" type="conn" r:blip="" hideGeom="1">
-              <dgm:adjLst/>
-            </dgm:shape>
-            <dgm:presOf axis="self"/>
-            <dgm:constrLst>
-              <dgm:constr type="lMarg"/>
-              <dgm:constr type="rMarg"/>
-              <dgm:constr type="tMarg"/>
-              <dgm:constr type="bMarg"/>
-            </dgm:constrLst>
-            <dgm:ruleLst>
-              <dgm:rule type="primFontSz" val="5" fact="NaN" max="NaN"/>
-            </dgm:ruleLst>
-          </dgm:layoutNode>
-        </dgm:layoutNode>
-      </dgm:forEach>
-    </dgm:forEach>
-  </dgm:layoutNode>
-</dgm:layoutDef>
-</file>
-
-<file path=ppt/diagrams/quickStyle1.xml><?xml version="1.0" encoding="utf-8"?>
-<dgm:styleDef xmlns:dgm="http://schemas.openxmlformats.org/drawingml/2006/diagram" xmlns:a="http://schemas.openxmlformats.org/drawingml/2006/main" uniqueId="urn:microsoft.com/office/officeart/2005/8/quickstyle/simple1">
-  <dgm:title val=""/>
-  <dgm:desc val=""/>
-  <dgm:catLst>
-    <dgm:cat type="simple" pri="10100"/>
-  </dgm:catLst>
-  <dgm:scene3d>
-    <a:camera prst="orthographicFront"/>
-    <a:lightRig rig="threePt" dir="t"/>
-  </dgm:scene3d>
-  <dgm:styleLbl name="node0">
-    <dgm:scene3d>
-      <a:camera prst="orthographicFront"/>
-      <a:lightRig rig="threePt" dir="t"/>
-    </dgm:scene3d>
-    <dgm:sp3d/>
-    <dgm:txPr/>
-    <dgm:style>
-      <a:lnRef idx="2">
-        <a:scrgbClr r="0" g="0" b="0"/>
-      </a:lnRef>
-      <a:fillRef idx="1">
-        <a:scrgbClr r="0" g="0" b="0"/>
-      </a:fillRef>
-      <a:effectRef idx="0">
-        <a:scrgbClr r="0" g="0" b="0"/>
-      </a:effectRef>
-      <a:fontRef idx="minor">
-        <a:schemeClr val="lt1"/>
-      </a:fontRef>
-    </dgm:style>
-  </dgm:styleLbl>
-  <dgm:styleLbl name="lnNode1">
-    <dgm:scene3d>
-      <a:camera prst="orthographicFront"/>
-      <a:lightRig rig="threePt" dir="t"/>
-    </dgm:scene3d>
-    <dgm:sp3d/>
-    <dgm:txPr/>
-    <dgm:style>
-      <a:lnRef idx="2">
-        <a:scrgbClr r="0" g="0" b="0"/>
-      </a:lnRef>
-      <a:fillRef idx="1">
-        <a:scrgbClr r="0" g="0" b="0"/>
-      </a:fillRef>
-      <a:effectRef idx="0">
-        <a:scrgbClr r="0" g="0" b="0"/>
-      </a:effectRef>
-      <a:fontRef idx="minor">
-        <a:schemeClr val="lt1"/>
-      </a:fontRef>
-    </dgm:style>
-  </dgm:styleLbl>
-  <dgm:styleLbl name="vennNode1">
-    <dgm:scene3d>
-      <a:camera prst="orthographicFront"/>
-      <a:lightRig rig="threePt" dir="t"/>
-    </dgm:scene3d>
-    <dgm:sp3d/>
-    <dgm:txPr/>
-    <dgm:style>
-      <a:lnRef idx="2">
-        <a:scrgbClr r="0" g="0" b="0"/>
-      </a:lnRef>
-      <a:fillRef idx="1">
-        <a:scrgbClr r="0" g="0" b="0"/>
-      </a:fillRef>
-      <a:effectRef idx="0">
-        <a:scrgbClr r="0" g="0" b="0"/>
-      </a:effectRef>
-      <a:fontRef idx="minor">
-        <a:schemeClr val="tx1"/>
-      </a:fontRef>
-    </dgm:style>
-  </dgm:styleLbl>
-  <dgm:styleLbl name="alignNode1">
-    <dgm:scene3d>
-      <a:camera prst="orthographicFront"/>
-      <a:lightRig rig="threePt" dir="t"/>
-    </dgm:scene3d>
-    <dgm:sp3d/>
-    <dgm:txPr/>
-    <dgm:style>
-      <a:lnRef idx="2">
-        <a:scrgbClr r="0" g="0" b="0"/>
-      </a:lnRef>
-      <a:fillRef idx="1">
-        <a:scrgbClr r="0" g="0" b="0"/>
-      </a:fillRef>
-      <a:effectRef idx="0">
-        <a:scrgbClr r="0" g="0" b="0"/>
-      </a:effectRef>
-      <a:fontRef idx="minor">
-        <a:schemeClr val="lt1"/>
-      </a:fontRef>
-    </dgm:style>
-  </dgm:styleLbl>
-  <dgm:styleLbl name="node1">
-    <dgm:scene3d>
-      <a:camera prst="orthographicFront"/>
-      <a:lightRig rig="threePt" dir="t"/>
-    </dgm:scene3d>
-    <dgm:sp3d/>
-    <dgm:txPr/>
-    <dgm:style>
-      <a:lnRef idx="2">
-        <a:scrgbClr r="0" g="0" b="0"/>
-      </a:lnRef>
-      <a:fillRef idx="1">
-        <a:scrgbClr r="0" g="0" b="0"/>
-      </a:fillRef>
-      <a:effectRef idx="0">
-        <a:scrgbClr r="0" g="0" b="0"/>
-      </a:effectRef>
-      <a:fontRef idx="minor">
-        <a:schemeClr val="lt1"/>
-      </a:fontRef>
-    </dgm:style>
-  </dgm:styleLbl>
-  <dgm:styleLbl name="node2">
-    <dgm:scene3d>
-      <a:camera prst="orthographicFront"/>
-      <a:lightRig rig="threePt" dir="t"/>
-    </dgm:scene3d>
-    <dgm:sp3d/>
-    <dgm:txPr/>
-    <dgm:style>
-      <a:lnRef idx="2">
-        <a:scrgbClr r="0" g="0" b="0"/>
-      </a:lnRef>
-      <a:fillRef idx="1">
-        <a:scrgbClr r="0" g="0" b="0"/>
-      </a:fillRef>
-      <a:effectRef idx="0">
-        <a:scrgbClr r="0" g="0" b="0"/>
-      </a:effectRef>
-      <a:fontRef idx="minor">
-        <a:schemeClr val="lt1"/>
-      </a:fontRef>
-    </dgm:style>
-  </dgm:styleLbl>
-  <dgm:styleLbl name="node3">
-    <dgm:scene3d>
-      <a:camera prst="orthographicFront"/>
-      <a:lightRig rig="threePt" dir="t"/>
-    </dgm:scene3d>
-    <dgm:sp3d/>
-    <dgm:txPr/>
-    <dgm:style>
-      <a:lnRef idx="2">
-        <a:scrgbClr r="0" g="0" b="0"/>
-      </a:lnRef>
-      <a:fillRef idx="1">
-        <a:scrgbClr r="0" g="0" b="0"/>
-      </a:fillRef>
-      <a:effectRef idx="0">
-        <a:scrgbClr r="0" g="0" b="0"/>
-      </a:effectRef>
-      <a:fontRef idx="minor">
-        <a:schemeClr val="lt1"/>
-      </a:fontRef>
-    </dgm:style>
-  </dgm:styleLbl>
-  <dgm:styleLbl name="node4">
-    <dgm:scene3d>
-      <a:camera prst="orthographicFront"/>
-      <a:lightRig rig="threePt" dir="t"/>
-    </dgm:scene3d>
-    <dgm:sp3d/>
-    <dgm:txPr/>
-    <dgm:style>
-      <a:lnRef idx="2">
-        <a:scrgbClr r="0" g="0" b="0"/>
-      </a:lnRef>
-      <a:fillRef idx="1">
-        <a:scrgbClr r="0" g="0" b="0"/>
-      </a:fillRef>
-      <a:effectRef idx="0">
-        <a:scrgbClr r="0" g="0" b="0"/>
-      </a:effectRef>
-      <a:fontRef idx="minor">
-        <a:schemeClr val="lt1"/>
-      </a:fontRef>
-    </dgm:style>
-  </dgm:styleLbl>
-  <dgm:styleLbl name="fgImgPlace1">
-    <dgm:scene3d>
-      <a:camera prst="orthographicFront"/>
-      <a:lightRig rig="threePt" dir="t"/>
-    </dgm:scene3d>
-    <dgm:sp3d/>
-    <dgm:txPr/>
-    <dgm:style>
-      <a:lnRef idx="2">
-        <a:scrgbClr r="0" g="0" b="0"/>
-      </a:lnRef>
-      <a:fillRef idx="1">
-        <a:scrgbClr r="0" g="0" b="0"/>
-      </a:fillRef>
-      <a:effectRef idx="0">
-        <a:scrgbClr r="0" g="0" b="0"/>
-      </a:effectRef>
-      <a:fontRef idx="minor"/>
-    </dgm:style>
-  </dgm:styleLbl>
-  <dgm:styleLbl name="alignImgPlace1">
-    <dgm:scene3d>
-      <a:camera prst="orthographicFront"/>
-      <a:lightRig rig="threePt" dir="t"/>
-    </dgm:scene3d>
-    <dgm:sp3d/>
-    <dgm:txPr/>
-    <dgm:style>
-      <a:lnRef idx="2">
-        <a:scrgbClr r="0" g="0" b="0"/>
-      </a:lnRef>
-      <a:fillRef idx="1">
-        <a:scrgbClr r="0" g="0" b="0"/>
-      </a:fillRef>
-      <a:effectRef idx="0">
-        <a:scrgbClr r="0" g="0" b="0"/>
-      </a:effectRef>
-      <a:fontRef idx="minor"/>
-    </dgm:style>
-  </dgm:styleLbl>
-  <dgm:styleLbl name="bgImgPlace1">
-    <dgm:scene3d>
-      <a:camera prst="orthographicFront"/>
-      <a:lightRig rig="threePt" dir="t"/>
-    </dgm:scene3d>
-    <dgm:sp3d/>
-    <dgm:txPr/>
-    <dgm:style>
-      <a:lnRef idx="2">
-        <a:scrgbClr r="0" g="0" b="0"/>
-      </a:lnRef>
-      <a:fillRef idx="1">
-        <a:scrgbClr r="0" g="0" b="0"/>
-      </a:fillRef>
-      <a:effectRef idx="0">
-        <a:scrgbClr r="0" g="0" b="0"/>
-      </a:effectRef>
-      <a:fontRef idx="minor"/>
-    </dgm:style>
-  </dgm:styleLbl>
-  <dgm:styleLbl name="sibTrans2D1">
-    <dgm:scene3d>
-      <a:camera prst="orthographicFront"/>
-      <a:lightRig rig="threePt" dir="t"/>
-    </dgm:scene3d>
-    <dgm:sp3d/>
-    <dgm:txPr/>
-    <dgm:style>
-      <a:lnRef idx="0">
-        <a:scrgbClr r="0" g="0" b="0"/>
-      </a:lnRef>
-      <a:fillRef idx="1">
-        <a:scrgbClr r="0" g="0" b="0"/>
-      </a:fillRef>
-      <a:effectRef idx="0">
-        <a:scrgbClr r="0" g="0" b="0"/>
-      </a:effectRef>
-      <a:fontRef idx="minor">
-        <a:schemeClr val="lt1"/>
-      </a:fontRef>
-    </dgm:style>
-  </dgm:styleLbl>
-  <dgm:styleLbl name="fgSibTrans2D1">
-    <dgm:scene3d>
-      <a:camera prst="orthographicFront"/>
-      <a:lightRig rig="threePt" dir="t"/>
-    </dgm:scene3d>
-    <dgm:sp3d/>
-    <dgm:txPr/>
-    <dgm:style>
-      <a:lnRef idx="0">
-        <a:scrgbClr r="0" g="0" b="0"/>
-      </a:lnRef>
-      <a:fillRef idx="1">
-        <a:scrgbClr r="0" g="0" b="0"/>
-      </a:fillRef>
-      <a:effectRef idx="0">
-        <a:scrgbClr r="0" g="0" b="0"/>
-      </a:effectRef>
-      <a:fontRef idx="minor">
-        <a:schemeClr val="lt1"/>
-      </a:fontRef>
-    </dgm:style>
-  </dgm:styleLbl>
-  <dgm:styleLbl name="bgSibTrans2D1">
-    <dgm:scene3d>
-      <a:camera prst="orthographicFront"/>
-      <a:lightRig rig="threePt" dir="t"/>
-    </dgm:scene3d>
-    <dgm:sp3d/>
-    <dgm:txPr/>
-    <dgm:style>
-      <a:lnRef idx="0">
-        <a:scrgbClr r="0" g="0" b="0"/>
-      </a:lnRef>
-      <a:fillRef idx="1">
-        <a:scrgbClr r="0" g="0" b="0"/>
-      </a:fillRef>
-      <a:effectRef idx="0">
-        <a:scrgbClr r="0" g="0" b="0"/>
-      </a:effectRef>
-      <a:fontRef idx="minor">
-        <a:schemeClr val="lt1"/>
-      </a:fontRef>
-    </dgm:style>
-  </dgm:styleLbl>
-  <dgm:styleLbl name="sibTrans1D1">
-    <dgm:scene3d>
-      <a:camera prst="orthographicFront"/>
-      <a:lightRig rig="threePt" dir="t"/>
-    </dgm:scene3d>
-    <dgm:sp3d/>
-    <dgm:txPr/>
-    <dgm:style>
-      <a:lnRef idx="1">
-        <a:scrgbClr r="0" g="0" b="0"/>
-      </a:lnRef>
-      <a:fillRef idx="0">
-        <a:scrgbClr r="0" g="0" b="0"/>
-      </a:fillRef>
-      <a:effectRef idx="0">
-        <a:scrgbClr r="0" g="0" b="0"/>
-      </a:effectRef>
-      <a:fontRef idx="minor"/>
-    </dgm:style>
-  </dgm:styleLbl>
-  <dgm:styleLbl name="callout">
-    <dgm:scene3d>
-      <a:camera prst="orthographicFront"/>
-      <a:lightRig rig="threePt" dir="t"/>
-    </dgm:scene3d>
-    <dgm:sp3d/>
-    <dgm:txPr/>
-    <dgm:style>
-      <a:lnRef idx="2">
-        <a:scrgbClr r="0" g="0" b="0"/>
-      </a:lnRef>
-      <a:fillRef idx="1">
-        <a:scrgbClr r="0" g="0" b="0"/>
-      </a:fillRef>
-      <a:effectRef idx="0">
-        <a:scrgbClr r="0" g="0" b="0"/>
-      </a:effectRef>
-      <a:fontRef idx="minor"/>
-    </dgm:style>
-  </dgm:styleLbl>
-  <dgm:styleLbl name="asst0">
-    <dgm:scene3d>
-      <a:camera prst="orthographicFront"/>
-      <a:lightRig rig="threePt" dir="t"/>
-    </dgm:scene3d>
-    <dgm:sp3d/>
-    <dgm:txPr/>
-    <dgm:style>
-      <a:lnRef idx="2">
-        <a:scrgbClr r="0" g="0" b="0"/>
-      </a:lnRef>
-      <a:fillRef idx="1">
-        <a:scrgbClr r="0" g="0" b="0"/>
-      </a:fillRef>
-      <a:effectRef idx="0">
-        <a:scrgbClr r="0" g="0" b="0"/>
-      </a:effectRef>
-      <a:fontRef idx="minor">
-        <a:schemeClr val="lt1"/>
-      </a:fontRef>
-    </dgm:style>
-  </dgm:styleLbl>
-  <dgm:styleLbl name="asst1">
-    <dgm:scene3d>
-      <a:camera prst="orthographicFront"/>
-      <a:lightRig rig="threePt" dir="t"/>
-    </dgm:scene3d>
-    <dgm:sp3d/>
-    <dgm:txPr/>
-    <dgm:style>
-      <a:lnRef idx="2">
-        <a:scrgbClr r="0" g="0" b="0"/>
-      </a:lnRef>
-      <a:fillRef idx="1">
-        <a:scrgbClr r="0" g="0" b="0"/>
-      </a:fillRef>
-      <a:effectRef idx="0">
-        <a:scrgbClr r="0" g="0" b="0"/>
-      </a:effectRef>
-      <a:fontRef idx="minor">
-        <a:schemeClr val="lt1"/>
-      </a:fontRef>
-    </dgm:style>
-  </dgm:styleLbl>
-  <dgm:styleLbl name="asst2">
-    <dgm:scene3d>
-      <a:camera prst="orthographicFront"/>
-      <a:lightRig rig="threePt" dir="t"/>
-    </dgm:scene3d>
-    <dgm:sp3d/>
-    <dgm:txPr/>
-    <dgm:style>
-      <a:lnRef idx="2">
-        <a:scrgbClr r="0" g="0" b="0"/>
-      </a:lnRef>
-      <a:fillRef idx="1">
-        <a:scrgbClr r="0" g="0" b="0"/>
-      </a:fillRef>
-      <a:effectRef idx="0">
-        <a:scrgbClr r="0" g="0" b="0"/>
-      </a:effectRef>
-      <a:fontRef idx="minor">
-        <a:schemeClr val="lt1"/>
-      </a:fontRef>
-    </dgm:style>
-  </dgm:styleLbl>
-  <dgm:styleLbl name="asst3">
-    <dgm:scene3d>
-      <a:camera prst="orthographicFront"/>
-      <a:lightRig rig="threePt" dir="t"/>
-    </dgm:scene3d>
-    <dgm:sp3d/>
-    <dgm:txPr/>
-    <dgm:style>
-      <a:lnRef idx="2">
-        <a:scrgbClr r="0" g="0" b="0"/>
-      </a:lnRef>
-      <a:fillRef idx="1">
-        <a:scrgbClr r="0" g="0" b="0"/>
-      </a:fillRef>
-      <a:effectRef idx="0">
-        <a:scrgbClr r="0" g="0" b="0"/>
-      </a:effectRef>
-      <a:fontRef idx="minor">
-        <a:schemeClr val="lt1"/>
-      </a:fontRef>
-    </dgm:style>
-  </dgm:styleLbl>
-  <dgm:styleLbl name="asst4">
-    <dgm:scene3d>
-      <a:camera prst="orthographicFront"/>
-      <a:lightRig rig="threePt" dir="t"/>
-    </dgm:scene3d>
-    <dgm:sp3d/>
-    <dgm:txPr/>
-    <dgm:style>
-      <a:lnRef idx="2">
-        <a:scrgbClr r="0" g="0" b="0"/>
-      </a:lnRef>
-      <a:fillRef idx="1">
-        <a:scrgbClr r="0" g="0" b="0"/>
-      </a:fillRef>
-      <a:effectRef idx="0">
-        <a:scrgbClr r="0" g="0" b="0"/>
-      </a:effectRef>
-      <a:fontRef idx="minor">
-        <a:schemeClr val="lt1"/>
-      </a:fontRef>
-    </dgm:style>
-  </dgm:styleLbl>
-  <dgm:styleLbl name="parChTrans2D1">
-    <dgm:scene3d>
-      <a:camera prst="orthographicFront"/>
-      <a:lightRig rig="threePt" dir="t"/>
-    </dgm:scene3d>
-    <dgm:sp3d/>
-    <dgm:txPr/>
-    <dgm:style>
-      <a:lnRef idx="2">
-        <a:scrgbClr r="0" g="0" b="0"/>
-      </a:lnRef>
-      <a:fillRef idx="1">
-        <a:scrgbClr r="0" g="0" b="0"/>
-      </a:fillRef>
-      <a:effectRef idx="0">
-        <a:scrgbClr r="0" g="0" b="0"/>
-      </a:effectRef>
-      <a:fontRef idx="minor">
-        <a:schemeClr val="lt1"/>
-      </a:fontRef>
-    </dgm:style>
-  </dgm:styleLbl>
-  <dgm:styleLbl name="parChTrans2D2">
-    <dgm:scene3d>
-      <a:camera prst="orthographicFront"/>
-      <a:lightRig rig="threePt" dir="t"/>
-    </dgm:scene3d>
-    <dgm:sp3d/>
-    <dgm:txPr/>
-    <dgm:style>
-      <a:lnRef idx="2">
-        <a:scrgbClr r="0" g="0" b="0"/>
-      </a:lnRef>
-      <a:fillRef idx="1">
-        <a:scrgbClr r="0" g="0" b="0"/>
-      </a:fillRef>
-      <a:effectRef idx="0">
-        <a:scrgbClr r="0" g="0" b="0"/>
-      </a:effectRef>
-      <a:fontRef idx="minor">
-        <a:schemeClr val="lt1"/>
-      </a:fontRef>
-    </dgm:style>
-  </dgm:styleLbl>
-  <dgm:styleLbl name="parChTrans2D3">
-    <dgm:scene3d>
-      <a:camera prst="orthographicFront"/>
-      <a:lightRig rig="threePt" dir="t"/>
-    </dgm:scene3d>
-    <dgm:sp3d/>
-    <dgm:txPr/>
-    <dgm:style>
-      <a:lnRef idx="2">
-        <a:scrgbClr r="0" g="0" b="0"/>
-      </a:lnRef>
-      <a:fillRef idx="1">
-        <a:scrgbClr r="0" g="0" b="0"/>
-      </a:fillRef>
-      <a:effectRef idx="0">
-        <a:scrgbClr r="0" g="0" b="0"/>
-      </a:effectRef>
-      <a:fontRef idx="minor">
-        <a:schemeClr val="lt1"/>
-      </a:fontRef>
-    </dgm:style>
-  </dgm:styleLbl>
-  <dgm:styleLbl name="parChTrans2D4">
-    <dgm:scene3d>
-      <a:camera prst="orthographicFront"/>
-      <a:lightRig rig="threePt" dir="t"/>
-    </dgm:scene3d>
-    <dgm:sp3d/>
-    <dgm:txPr/>
-    <dgm:style>
-      <a:lnRef idx="2">
-        <a:scrgbClr r="0" g="0" b="0"/>
-      </a:lnRef>
-      <a:fillRef idx="1">
-        <a:scrgbClr r="0" g="0" b="0"/>
-      </a:fillRef>
-      <a:effectRef idx="0">
-        <a:scrgbClr r="0" g="0" b="0"/>
-      </a:effectRef>
-      <a:fontRef idx="minor">
-        <a:schemeClr val="lt1"/>
-      </a:fontRef>
-    </dgm:style>
-  </dgm:styleLbl>
-  <dgm:styleLbl name="parChTrans1D1">
-    <dgm:scene3d>
-      <a:camera prst="orthographicFront"/>
-      <a:lightRig rig="threePt" dir="t"/>
-    </dgm:scene3d>
-    <dgm:sp3d/>
-    <dgm:txPr/>
-    <dgm:style>
-      <a:lnRef idx="2">
-        <a:scrgbClr r="0" g="0" b="0"/>
-      </a:lnRef>
-      <a:fillRef idx="0">
-        <a:scrgbClr r="0" g="0" b="0"/>
-      </a:fillRef>
-      <a:effectRef idx="0">
-        <a:scrgbClr r="0" g="0" b="0"/>
-      </a:effectRef>
-      <a:fontRef idx="minor"/>
-    </dgm:style>
-  </dgm:styleLbl>
-  <dgm:styleLbl name="parChTrans1D2">
-    <dgm:scene3d>
-      <a:camera prst="orthographicFront"/>
-      <a:lightRig rig="threePt" dir="t"/>
-    </dgm:scene3d>
-    <dgm:sp3d/>
-    <dgm:txPr/>
-    <dgm:style>
-      <a:lnRef idx="2">
-        <a:scrgbClr r="0" g="0" b="0"/>
-      </a:lnRef>
-      <a:fillRef idx="0">
-        <a:scrgbClr r="0" g="0" b="0"/>
-      </a:fillRef>
-      <a:effectRef idx="0">
-        <a:scrgbClr r="0" g="0" b="0"/>
-      </a:effectRef>
-      <a:fontRef idx="minor"/>
-    </dgm:style>
-  </dgm:styleLbl>
-  <dgm:styleLbl name="parChTrans1D3">
-    <dgm:scene3d>
-      <a:camera prst="orthographicFront"/>
-      <a:lightRig rig="threePt" dir="t"/>
-    </dgm:scene3d>
-    <dgm:sp3d/>
-    <dgm:txPr/>
-    <dgm:style>
-      <a:lnRef idx="2">
-        <a:scrgbClr r="0" g="0" b="0"/>
-      </a:lnRef>
-      <a:fillRef idx="0">
-        <a:scrgbClr r="0" g="0" b="0"/>
-      </a:fillRef>
-      <a:effectRef idx="0">
-        <a:scrgbClr r="0" g="0" b="0"/>
-      </a:effectRef>
-      <a:fontRef idx="minor"/>
-    </dgm:style>
-  </dgm:styleLbl>
-  <dgm:styleLbl name="parChTrans1D4">
-    <dgm:scene3d>
-      <a:camera prst="orthographicFront"/>
-      <a:lightRig rig="threePt" dir="t"/>
-    </dgm:scene3d>
-    <dgm:sp3d/>
-    <dgm:txPr/>
-    <dgm:style>
-      <a:lnRef idx="2">
-        <a:scrgbClr r="0" g="0" b="0"/>
-      </a:lnRef>
-      <a:fillRef idx="0">
-        <a:scrgbClr r="0" g="0" b="0"/>
-      </a:fillRef>
-      <a:effectRef idx="0">
-        <a:scrgbClr r="0" g="0" b="0"/>
-      </a:effectRef>
-      <a:fontRef idx="minor"/>
-    </dgm:style>
-  </dgm:styleLbl>
-  <dgm:styleLbl name="fgAcc1">
-    <dgm:scene3d>
-      <a:camera prst="orthographicFront"/>
-      <a:lightRig rig="threePt" dir="t"/>
-    </dgm:scene3d>
-    <dgm:sp3d/>
-    <dgm:txPr/>
-    <dgm:style>
-      <a:lnRef idx="2">
-        <a:scrgbClr r="0" g="0" b="0"/>
-      </a:lnRef>
-      <a:fillRef idx="1">
-        <a:scrgbClr r="0" g="0" b="0"/>
-      </a:fillRef>
-      <a:effectRef idx="0">
-        <a:scrgbClr r="0" g="0" b="0"/>
-      </a:effectRef>
-      <a:fontRef idx="minor"/>
-    </dgm:style>
-  </dgm:styleLbl>
-  <dgm:styleLbl name="conFgAcc1">
-    <dgm:scene3d>
-      <a:camera prst="orthographicFront"/>
-      <a:lightRig rig="threePt" dir="t"/>
-    </dgm:scene3d>
-    <dgm:sp3d/>
-    <dgm:txPr/>
-    <dgm:style>
-      <a:lnRef idx="2">
-        <a:scrgbClr r="0" g="0" b="0"/>
-      </a:lnRef>
-      <a:fillRef idx="1">
-        <a:scrgbClr r="0" g="0" b="0"/>
-      </a:fillRef>
-      <a:effectRef idx="0">
-        <a:scrgbClr r="0" g="0" b="0"/>
-      </a:effectRef>
-      <a:fontRef idx="minor"/>
-    </dgm:style>
-  </dgm:styleLbl>
-  <dgm:styleLbl name="alignAcc1">
-    <dgm:scene3d>
-      <a:camera prst="orthographicFront"/>
-      <a:lightRig rig="threePt" dir="t"/>
-    </dgm:scene3d>
-    <dgm:sp3d/>
-    <dgm:txPr/>
-    <dgm:style>
-      <a:lnRef idx="2">
-        <a:scrgbClr r="0" g="0" b="0"/>
-      </a:lnRef>
-      <a:fillRef idx="1">
-        <a:scrgbClr r="0" g="0" b="0"/>
-      </a:fillRef>
-      <a:effectRef idx="0">
-        <a:scrgbClr r="0" g="0" b="0"/>
-      </a:effectRef>
-      <a:fontRef idx="minor"/>
-    </dgm:style>
-  </dgm:styleLbl>
-  <dgm:styleLbl name="trAlignAcc1">
-    <dgm:scene3d>
-      <a:camera prst="orthographicFront"/>
-      <a:lightRig rig="threePt" dir="t"/>
-    </dgm:scene3d>
-    <dgm:sp3d/>
-    <dgm:txPr/>
-    <dgm:style>
-      <a:lnRef idx="1">
-        <a:scrgbClr r="0" g="0" b="0"/>
-      </a:lnRef>
-      <a:fillRef idx="1">
-        <a:scrgbClr r="0" g="0" b="0"/>
-      </a:fillRef>
-      <a:effectRef idx="0">
-        <a:scrgbClr r="0" g="0" b="0"/>
-      </a:effectRef>
-      <a:fontRef idx="minor"/>
-    </dgm:style>
-  </dgm:styleLbl>
-  <dgm:styleLbl name="bgAcc1">
-    <dgm:scene3d>
-      <a:camera prst="orthographicFront"/>
-      <a:lightRig rig="threePt" dir="t"/>
-    </dgm:scene3d>
-    <dgm:sp3d/>
-    <dgm:txPr/>
-    <dgm:style>
-      <a:lnRef idx="2">
-        <a:scrgbClr r="0" g="0" b="0"/>
-      </a:lnRef>
-      <a:fillRef idx="1">
-        <a:scrgbClr r="0" g="0" b="0"/>
-      </a:fillRef>
-      <a:effectRef idx="0">
-        <a:scrgbClr r="0" g="0" b="0"/>
-      </a:effectRef>
-      <a:fontRef idx="minor"/>
-    </dgm:style>
-  </dgm:styleLbl>
-  <dgm:styleLbl name="solidFgAcc1">
-    <dgm:scene3d>
-      <a:camera prst="orthographicFront"/>
-      <a:lightRig rig="threePt" dir="t"/>
-    </dgm:scene3d>
-    <dgm:sp3d/>
-    <dgm:txPr/>
-    <dgm:style>
-      <a:lnRef idx="2">
-        <a:scrgbClr r="0" g="0" b="0"/>
-      </a:lnRef>
-      <a:fillRef idx="1">
-        <a:scrgbClr r="0" g="0" b="0"/>
-      </a:fillRef>
-      <a:effectRef idx="0">
-        <a:scrgbClr r="0" g="0" b="0"/>
-      </a:effectRef>
-      <a:fontRef idx="minor"/>
-    </dgm:style>
-  </dgm:styleLbl>
-  <dgm:styleLbl name="solidAlignAcc1">
-    <dgm:scene3d>
-      <a:camera prst="orthographicFront"/>
-      <a:lightRig rig="threePt" dir="t"/>
-    </dgm:scene3d>
-    <dgm:sp3d/>
-    <dgm:txPr/>
-    <dgm:style>
-      <a:lnRef idx="2">
-        <a:scrgbClr r="0" g="0" b="0"/>
-      </a:lnRef>
-      <a:fillRef idx="1">
-        <a:scrgbClr r="0" g="0" b="0"/>
-      </a:fillRef>
-      <a:effectRef idx="0">
-        <a:scrgbClr r="0" g="0" b="0"/>
-      </a:effectRef>
-      <a:fontRef idx="minor"/>
-    </dgm:style>
-  </dgm:styleLbl>
-  <dgm:styleLbl name="solidBgAcc1">
-    <dgm:scene3d>
-      <a:camera prst="orthographicFront"/>
-      <a:lightRig rig="threePt" dir="t"/>
-    </dgm:scene3d>
-    <dgm:sp3d/>
-    <dgm:txPr/>
-    <dgm:style>
-      <a:lnRef idx="2">
-        <a:scrgbClr r="0" g="0" b="0"/>
-      </a:lnRef>
-      <a:fillRef idx="1">
-        <a:scrgbClr r="0" g="0" b="0"/>
-      </a:fillRef>
-      <a:effectRef idx="0">
-        <a:scrgbClr r="0" g="0" b="0"/>
-      </a:effectRef>
-      <a:fontRef idx="minor"/>
-    </dgm:style>
-  </dgm:styleLbl>
-  <dgm:styleLbl name="fgAccFollowNode1">
-    <dgm:scene3d>
-      <a:camera prst="orthographicFront"/>
-      <a:lightRig rig="threePt" dir="t"/>
-    </dgm:scene3d>
-    <dgm:sp3d/>
-    <dgm:txPr/>
-    <dgm:style>
-      <a:lnRef idx="2">
-        <a:scrgbClr r="0" g="0" b="0"/>
-      </a:lnRef>
-      <a:fillRef idx="1">
-        <a:scrgbClr r="0" g="0" b="0"/>
-      </a:fillRef>
-      <a:effectRef idx="0">
-        <a:scrgbClr r="0" g="0" b="0"/>
-      </a:effectRef>
-      <a:fontRef idx="minor"/>
-    </dgm:style>
-  </dgm:styleLbl>
-  <dgm:styleLbl name="alignAccFollowNode1">
-    <dgm:scene3d>
-      <a:camera prst="orthographicFront"/>
-      <a:lightRig rig="threePt" dir="t"/>
-    </dgm:scene3d>
-    <dgm:sp3d/>
-    <dgm:txPr/>
-    <dgm:style>
-      <a:lnRef idx="2">
-        <a:scrgbClr r="0" g="0" b="0"/>
-      </a:lnRef>
-      <a:fillRef idx="1">
-        <a:scrgbClr r="0" g="0" b="0"/>
-      </a:fillRef>
-      <a:effectRef idx="0">
-        <a:scrgbClr r="0" g="0" b="0"/>
-      </a:effectRef>
-      <a:fontRef idx="minor"/>
-    </dgm:style>
-  </dgm:styleLbl>
-  <dgm:styleLbl name="bgAccFollowNode1">
-    <dgm:scene3d>
-      <a:camera prst="orthographicFront"/>
-      <a:lightRig rig="threePt" dir="t"/>
-    </dgm:scene3d>
-    <dgm:sp3d/>
-    <dgm:txPr/>
-    <dgm:style>
-      <a:lnRef idx="2">
-        <a:scrgbClr r="0" g="0" b="0"/>
-      </a:lnRef>
-      <a:fillRef idx="1">
-        <a:scrgbClr r="0" g="0" b="0"/>
-      </a:fillRef>
-      <a:effectRef idx="0">
-        <a:scrgbClr r="0" g="0" b="0"/>
-      </a:effectRef>
-      <a:fontRef idx="minor"/>
-    </dgm:style>
-  </dgm:styleLbl>
-  <dgm:styleLbl name="fgAcc0">
-    <dgm:scene3d>
-      <a:camera prst="orthographicFront"/>
-      <a:lightRig rig="threePt" dir="t"/>
-    </dgm:scene3d>
-    <dgm:sp3d/>
-    <dgm:txPr/>
-    <dgm:style>
-      <a:lnRef idx="2">
-        <a:scrgbClr r="0" g="0" b="0"/>
-      </a:lnRef>
-      <a:fillRef idx="1">
-        <a:scrgbClr r="0" g="0" b="0"/>
-      </a:fillRef>
-      <a:effectRef idx="0">
-        <a:scrgbClr r="0" g="0" b="0"/>
-      </a:effectRef>
-      <a:fontRef idx="minor"/>
-    </dgm:style>
-  </dgm:styleLbl>
-  <dgm:styleLbl name="fgAcc2">
-    <dgm:scene3d>
-      <a:camera prst="orthographicFront"/>
-      <a:lightRig rig="threePt" dir="t"/>
-    </dgm:scene3d>
-    <dgm:sp3d/>
-    <dgm:txPr/>
-    <dgm:style>
-      <a:lnRef idx="2">
-        <a:scrgbClr r="0" g="0" b="0"/>
-      </a:lnRef>
-      <a:fillRef idx="1">
-        <a:scrgbClr r="0" g="0" b="0"/>
-      </a:fillRef>
-      <a:effectRef idx="0">
-        <a:scrgbClr r="0" g="0" b="0"/>
-      </a:effectRef>
-      <a:fontRef idx="minor"/>
-    </dgm:style>
-  </dgm:styleLbl>
-  <dgm:styleLbl name="fgAcc3">
-    <dgm:scene3d>
-      <a:camera prst="orthographicFront"/>
-      <a:lightRig rig="threePt" dir="t"/>
-    </dgm:scene3d>
-    <dgm:sp3d/>
-    <dgm:txPr/>
-    <dgm:style>
-      <a:lnRef idx="2">
-        <a:scrgbClr r="0" g="0" b="0"/>
-      </a:lnRef>
-      <a:fillRef idx="1">
-        <a:scrgbClr r="0" g="0" b="0"/>
-      </a:fillRef>
-      <a:effectRef idx="0">
-        <a:scrgbClr r="0" g="0" b="0"/>
-      </a:effectRef>
-      <a:fontRef idx="minor"/>
-    </dgm:style>
-  </dgm:styleLbl>
-  <dgm:styleLbl name="fgAcc4">
-    <dgm:scene3d>
-      <a:camera prst="orthographicFront"/>
-      <a:lightRig rig="threePt" dir="t"/>
-    </dgm:scene3d>
-    <dgm:sp3d/>
-    <dgm:txPr/>
-    <dgm:style>
-      <a:lnRef idx="2">
-        <a:scrgbClr r="0" g="0" b="0"/>
-      </a:lnRef>
-      <a:fillRef idx="1">
-        <a:scrgbClr r="0" g="0" b="0"/>
-      </a:fillRef>
-      <a:effectRef idx="0">
-        <a:scrgbClr r="0" g="0" b="0"/>
-      </a:effectRef>
-      <a:fontRef idx="minor"/>
-    </dgm:style>
-  </dgm:styleLbl>
-  <dgm:styleLbl name="bgShp">
-    <dgm:scene3d>
-      <a:camera prst="orthographicFront"/>
-      <a:lightRig rig="threePt" dir="t"/>
-    </dgm:scene3d>
-    <dgm:sp3d/>
-    <dgm:txPr/>
-    <dgm:style>
-      <a:lnRef idx="0">
-        <a:scrgbClr r="0" g="0" b="0"/>
-      </a:lnRef>
-      <a:fillRef idx="1">
-        <a:scrgbClr r="0" g="0" b="0"/>
-      </a:fillRef>
-      <a:effectRef idx="0">
-        <a:scrgbClr r="0" g="0" b="0"/>
-      </a:effectRef>
-      <a:fontRef idx="minor"/>
-    </dgm:style>
-  </dgm:styleLbl>
-  <dgm:styleLbl name="dkBgShp">
-    <dgm:scene3d>
-      <a:camera prst="orthographicFront"/>
-      <a:lightRig rig="threePt" dir="t"/>
-    </dgm:scene3d>
-    <dgm:sp3d/>
-    <dgm:txPr/>
-    <dgm:style>
-      <a:lnRef idx="0">
-        <a:scrgbClr r="0" g="0" b="0"/>
-      </a:lnRef>
-      <a:fillRef idx="1">
-        <a:scrgbClr r="0" g="0" b="0"/>
-      </a:fillRef>
-      <a:effectRef idx="0">
-        <a:scrgbClr r="0" g="0" b="0"/>
-      </a:effectRef>
-      <a:fontRef idx="minor"/>
-    </dgm:style>
-  </dgm:styleLbl>
-  <dgm:styleLbl name="trBgShp">
-    <dgm:scene3d>
-      <a:camera prst="orthographicFront"/>
-      <a:lightRig rig="threePt" dir="t"/>
-    </dgm:scene3d>
-    <dgm:sp3d/>
-    <dgm:txPr/>
-    <dgm:style>
-      <a:lnRef idx="0">
-        <a:scrgbClr r="0" g="0" b="0"/>
-      </a:lnRef>
-      <a:fillRef idx="1">
-        <a:scrgbClr r="0" g="0" b="0"/>
-      </a:fillRef>
-      <a:effectRef idx="0">
-        <a:scrgbClr r="0" g="0" b="0"/>
-      </a:effectRef>
-      <a:fontRef idx="minor"/>
-    </dgm:style>
-  </dgm:styleLbl>
-  <dgm:styleLbl name="fgShp">
-    <dgm:scene3d>
-      <a:camera prst="orthographicFront"/>
-      <a:lightRig rig="threePt" dir="t"/>
-    </dgm:scene3d>
-    <dgm:sp3d/>
-    <dgm:txPr/>
-    <dgm:style>
-      <a:lnRef idx="2">
-        <a:scrgbClr r="0" g="0" b="0"/>
-      </a:lnRef>
-      <a:fillRef idx="1">
-        <a:scrgbClr r="0" g="0" b="0"/>
-      </a:fillRef>
-      <a:effectRef idx="0">
-        <a:scrgbClr r="0" g="0" b="0"/>
-      </a:effectRef>
-      <a:fontRef idx="minor"/>
-    </dgm:style>
-  </dgm:styleLbl>
-  <dgm:styleLbl name="revTx">
-    <dgm:scene3d>
-      <a:camera prst="orthographicFront"/>
-      <a:lightRig rig="threePt" dir="t"/>
-    </dgm:scene3d>
-    <dgm:sp3d/>
-    <dgm:txPr/>
-    <dgm:style>
-      <a:lnRef idx="0">
-        <a:scrgbClr r="0" g="0" b="0"/>
-      </a:lnRef>
-      <a:fillRef idx="0">
-        <a:scrgbClr r="0" g="0" b="0"/>
-      </a:fillRef>
-      <a:effectRef idx="0">
-        <a:scrgbClr r="0" g="0" b="0"/>
-      </a:effectRef>
-      <a:fontRef idx="minor"/>
-    </dgm:style>
-  </dgm:styleLbl>
-</dgm:styleDef>
-</file>
-
 <file path=ppt/slideLayouts/slideLayout1.xml><?xml version="1.0" encoding="utf-8"?>
 <p:sldLayout xmlns:a="http://schemas.openxmlformats.org/drawingml/2006/main" xmlns:r="http://schemas.openxmlformats.org/officeDocument/2006/relationships" xmlns:p="http://schemas.openxmlformats.org/presentationml/2006/main" type="title" preserve="1">
   <p:cSld name="Титульный слайд">
@@ -3070,7 +275,7 @@
           <a:p>
             <a:fld id="{B9E40912-773D-4C01-815F-02B5A41D867C}" type="datetimeFigureOut">
               <a:rPr lang="x-none" smtClean="0"/>
-              <a:t>21.12.2020</a:t>
+              <a:t>23.12.2020</a:t>
             </a:fld>
             <a:endParaRPr lang="x-none"/>
           </a:p>
@@ -3270,7 +475,7 @@
           <a:p>
             <a:fld id="{B9E40912-773D-4C01-815F-02B5A41D867C}" type="datetimeFigureOut">
               <a:rPr lang="x-none" smtClean="0"/>
-              <a:t>21.12.2020</a:t>
+              <a:t>23.12.2020</a:t>
             </a:fld>
             <a:endParaRPr lang="x-none"/>
           </a:p>
@@ -3480,7 +685,7 @@
           <a:p>
             <a:fld id="{B9E40912-773D-4C01-815F-02B5A41D867C}" type="datetimeFigureOut">
               <a:rPr lang="x-none" smtClean="0"/>
-              <a:t>21.12.2020</a:t>
+              <a:t>23.12.2020</a:t>
             </a:fld>
             <a:endParaRPr lang="x-none"/>
           </a:p>
@@ -3680,7 +885,7 @@
           <a:p>
             <a:fld id="{B9E40912-773D-4C01-815F-02B5A41D867C}" type="datetimeFigureOut">
               <a:rPr lang="x-none" smtClean="0"/>
-              <a:t>21.12.2020</a:t>
+              <a:t>23.12.2020</a:t>
             </a:fld>
             <a:endParaRPr lang="x-none"/>
           </a:p>
@@ -3956,7 +1161,7 @@
           <a:p>
             <a:fld id="{B9E40912-773D-4C01-815F-02B5A41D867C}" type="datetimeFigureOut">
               <a:rPr lang="x-none" smtClean="0"/>
-              <a:t>21.12.2020</a:t>
+              <a:t>23.12.2020</a:t>
             </a:fld>
             <a:endParaRPr lang="x-none"/>
           </a:p>
@@ -4224,7 +1429,7 @@
           <a:p>
             <a:fld id="{B9E40912-773D-4C01-815F-02B5A41D867C}" type="datetimeFigureOut">
               <a:rPr lang="x-none" smtClean="0"/>
-              <a:t>21.12.2020</a:t>
+              <a:t>23.12.2020</a:t>
             </a:fld>
             <a:endParaRPr lang="x-none"/>
           </a:p>
@@ -4639,7 +1844,7 @@
           <a:p>
             <a:fld id="{B9E40912-773D-4C01-815F-02B5A41D867C}" type="datetimeFigureOut">
               <a:rPr lang="x-none" smtClean="0"/>
-              <a:t>21.12.2020</a:t>
+              <a:t>23.12.2020</a:t>
             </a:fld>
             <a:endParaRPr lang="x-none"/>
           </a:p>
@@ -4781,7 +1986,7 @@
           <a:p>
             <a:fld id="{B9E40912-773D-4C01-815F-02B5A41D867C}" type="datetimeFigureOut">
               <a:rPr lang="x-none" smtClean="0"/>
-              <a:t>21.12.2020</a:t>
+              <a:t>23.12.2020</a:t>
             </a:fld>
             <a:endParaRPr lang="x-none"/>
           </a:p>
@@ -4894,7 +2099,7 @@
           <a:p>
             <a:fld id="{B9E40912-773D-4C01-815F-02B5A41D867C}" type="datetimeFigureOut">
               <a:rPr lang="x-none" smtClean="0"/>
-              <a:t>21.12.2020</a:t>
+              <a:t>23.12.2020</a:t>
             </a:fld>
             <a:endParaRPr lang="x-none"/>
           </a:p>
@@ -5207,7 +2412,7 @@
           <a:p>
             <a:fld id="{B9E40912-773D-4C01-815F-02B5A41D867C}" type="datetimeFigureOut">
               <a:rPr lang="x-none" smtClean="0"/>
-              <a:t>21.12.2020</a:t>
+              <a:t>23.12.2020</a:t>
             </a:fld>
             <a:endParaRPr lang="x-none"/>
           </a:p>
@@ -5496,7 +2701,7 @@
           <a:p>
             <a:fld id="{B9E40912-773D-4C01-815F-02B5A41D867C}" type="datetimeFigureOut">
               <a:rPr lang="x-none" smtClean="0"/>
-              <a:t>21.12.2020</a:t>
+              <a:t>23.12.2020</a:t>
             </a:fld>
             <a:endParaRPr lang="x-none"/>
           </a:p>
@@ -5739,7 +2944,7 @@
           <a:p>
             <a:fld id="{B9E40912-773D-4C01-815F-02B5A41D867C}" type="datetimeFigureOut">
               <a:rPr lang="x-none" smtClean="0"/>
-              <a:t>21.12.2020</a:t>
+              <a:t>23.12.2020</a:t>
             </a:fld>
             <a:endParaRPr lang="x-none"/>
           </a:p>
@@ -6180,14 +3385,14 @@
         </p:spPr>
         <p:txBody>
           <a:bodyPr>
-            <a:normAutofit fontScale="90000"/>
+            <a:normAutofit/>
           </a:bodyPr>
           <a:lstStyle/>
           <a:p>
             <a:pPr algn="ctr"/>
             <a:r>
-              <a:rPr lang="en-US" dirty="0"/>
-              <a:t>Vivado HLS: up/down converters, IQ frequency and phase modulation</a:t>
+              <a:rPr lang="en-US" b="1" dirty="0"/>
+              <a:t>Zynq 7000: Overview, GPIOs, Interrupt Controller</a:t>
             </a:r>
             <a:endParaRPr lang="x-none" dirty="0"/>
           </a:p>
@@ -6288,10 +3493,10 @@
       </p:sp>
       <p:pic>
         <p:nvPicPr>
-          <p:cNvPr id="3" name="Picture 2" descr="C-based Design: High-Level Synthesis with Vivado HLS - Core|Vision">
-            <a:extLst>
-              <a:ext uri="{FF2B5EF4-FFF2-40B4-BE49-F238E27FC236}">
-                <a16:creationId xmlns:a16="http://schemas.microsoft.com/office/drawing/2014/main" id="{6C3D2628-C76E-4EA5-A88F-5CAEDCE78578}"/>
+          <p:cNvPr id="2050" name="Picture 2" descr="It is not too late to learn FPGA: Getting Started with programmable logic -  Atadiat">
+            <a:extLst>
+              <a:ext uri="{FF2B5EF4-FFF2-40B4-BE49-F238E27FC236}">
+                <a16:creationId xmlns:a16="http://schemas.microsoft.com/office/drawing/2014/main" id="{46A6BFA5-9DA6-466F-B3D7-3CDFAA099364}"/>
               </a:ext>
             </a:extLst>
           </p:cNvPr>
@@ -6300,7 +3505,7 @@
           </p:cNvPicPr>
           <p:nvPr/>
         </p:nvPicPr>
-        <p:blipFill rotWithShape="1">
+        <p:blipFill>
           <a:blip r:embed="rId2">
             <a:extLst>
               <a:ext uri="{28A0092B-C50C-407E-A947-70E740481C1C}">
@@ -6308,13 +3513,15 @@
               </a:ext>
             </a:extLst>
           </a:blip>
-          <a:srcRect t="15323"/>
-          <a:stretch/>
+          <a:srcRect/>
+          <a:stretch>
+            <a:fillRect/>
+          </a:stretch>
         </p:blipFill>
         <p:spPr bwMode="auto">
           <a:xfrm>
-            <a:off x="5592205" y="3425997"/>
-            <a:ext cx="6105525" cy="3339101"/>
+            <a:off x="4348923" y="3103179"/>
+            <a:ext cx="7348807" cy="3661920"/>
           </a:xfrm>
           <a:prstGeom prst="rect">
             <a:avLst/>
@@ -6363,37 +3570,6 @@
       </p:grpSpPr>
       <p:sp>
         <p:nvSpPr>
-          <p:cNvPr id="4" name="Заголовок 1"/>
-          <p:cNvSpPr>
-            <a:spLocks noGrp="1"/>
-          </p:cNvSpPr>
-          <p:nvPr>
-            <p:ph type="title"/>
-          </p:nvPr>
-        </p:nvSpPr>
-        <p:spPr>
-          <a:xfrm>
-            <a:off x="2646947" y="1706270"/>
-            <a:ext cx="6898105" cy="749643"/>
-          </a:xfrm>
-        </p:spPr>
-        <p:txBody>
-          <a:bodyPr>
-            <a:normAutofit/>
-          </a:bodyPr>
-          <a:lstStyle/>
-          <a:p>
-            <a:pPr algn="ctr"/>
-            <a:r>
-              <a:rPr lang="en-US" sz="2000" dirty="0"/>
-              <a:t>DESIGN FLOW</a:t>
-            </a:r>
-            <a:endParaRPr lang="ru-RU" sz="2000" dirty="0"/>
-          </a:p>
-        </p:txBody>
-      </p:sp>
-      <p:sp>
-        <p:nvSpPr>
           <p:cNvPr id="2" name="Прямоугольник 1"/>
           <p:cNvSpPr/>
           <p:nvPr/>
@@ -6421,28 +3597,6 @@
           </a:p>
         </p:txBody>
       </p:sp>
-      <p:graphicFrame>
-        <p:nvGraphicFramePr>
-          <p:cNvPr id="9" name="Схема 8"/>
-          <p:cNvGraphicFramePr/>
-          <p:nvPr>
-            <p:extLst>
-              <p:ext uri="{D42A27DB-BD31-4B8C-83A1-F6EECF244321}">
-                <p14:modId xmlns:p14="http://schemas.microsoft.com/office/powerpoint/2010/main" val="1839535084"/>
-              </p:ext>
-            </p:extLst>
-          </p:nvPr>
-        </p:nvGraphicFramePr>
-        <p:xfrm>
-          <a:off x="2228123" y="2379613"/>
-          <a:ext cx="8128000" cy="1617133"/>
-        </p:xfrm>
-        <a:graphic>
-          <a:graphicData uri="http://schemas.openxmlformats.org/drawingml/2006/diagram">
-            <dgm:relIds xmlns:dgm="http://schemas.openxmlformats.org/drawingml/2006/diagram" xmlns:r="http://schemas.openxmlformats.org/officeDocument/2006/relationships" r:dm="rId2" r:lo="rId3" r:qs="rId4" r:cs="rId5"/>
-          </a:graphicData>
-        </a:graphic>
-      </p:graphicFrame>
       <p:sp>
         <p:nvSpPr>
           <p:cNvPr id="11" name="TextBox 10"/>
@@ -6477,7 +3631,7 @@
             </a:pPr>
             <a:r>
               <a:rPr lang="en-US" sz="2800" dirty="0"/>
-              <a:t>Vivado HLS: up/down converter, frequency/phase modulator</a:t>
+              <a:t>Zynq 7000 overview</a:t>
             </a:r>
           </a:p>
           <a:p>
@@ -6486,7 +3640,7 @@
             </a:pPr>
             <a:r>
               <a:rPr lang="en-US" sz="2800" dirty="0"/>
-              <a:t>HDL design and implementation (Verilog) of digital system</a:t>
+              <a:t>Implementation AXI GPIO and interrupt</a:t>
             </a:r>
           </a:p>
           <a:p>
@@ -6496,10 +3650,10 @@
       </p:sp>
       <p:pic>
         <p:nvPicPr>
-          <p:cNvPr id="5" name="Рисунок 4">
-            <a:extLst>
-              <a:ext uri="{FF2B5EF4-FFF2-40B4-BE49-F238E27FC236}">
-                <a16:creationId xmlns:a16="http://schemas.microsoft.com/office/drawing/2014/main" id="{3034E2FF-4056-48A6-8514-78B0A21A0548}"/>
+          <p:cNvPr id="6" name="Рисунок 5">
+            <a:extLst>
+              <a:ext uri="{FF2B5EF4-FFF2-40B4-BE49-F238E27FC236}">
+                <a16:creationId xmlns:a16="http://schemas.microsoft.com/office/drawing/2014/main" id="{7B185E3B-F4D4-48B0-861A-AE4CAD8C0F14}"/>
               </a:ext>
             </a:extLst>
           </p:cNvPr>
@@ -6509,15 +3663,21 @@
           <p:nvPr/>
         </p:nvPicPr>
         <p:blipFill>
-          <a:blip r:embed="rId7"/>
+          <a:blip r:embed="rId2">
+            <a:extLst>
+              <a:ext uri="{28A0092B-C50C-407E-A947-70E740481C1C}">
+                <a14:useLocalDpi xmlns:a14="http://schemas.microsoft.com/office/drawing/2010/main" val="0"/>
+              </a:ext>
+            </a:extLst>
+          </a:blip>
           <a:stretch>
             <a:fillRect/>
           </a:stretch>
         </p:blipFill>
         <p:spPr>
           <a:xfrm>
-            <a:off x="2583279" y="4130771"/>
-            <a:ext cx="7417689" cy="2561335"/>
+            <a:off x="1198324" y="1827430"/>
+            <a:ext cx="9023959" cy="4341647"/>
           </a:xfrm>
           <a:prstGeom prst="rect">
             <a:avLst/>
@@ -6570,124 +3730,39 @@
             <p:ph type="title"/>
           </p:nvPr>
         </p:nvSpPr>
-        <p:spPr/>
-        <p:txBody>
-          <a:bodyPr/>
-          <a:lstStyle/>
-          <a:p>
-            <a:r>
-              <a:rPr lang="en-US" dirty="0"/>
-              <a:t>Vivado HLS modules: simulation, optimization, IP exporting</a:t>
-            </a:r>
-            <a:endParaRPr lang="ru-BY" dirty="0"/>
-          </a:p>
-        </p:txBody>
-      </p:sp>
-      <p:pic>
-        <p:nvPicPr>
-          <p:cNvPr id="8" name="Рисунок 7">
-            <a:extLst>
-              <a:ext uri="{FF2B5EF4-FFF2-40B4-BE49-F238E27FC236}">
-                <a16:creationId xmlns:a16="http://schemas.microsoft.com/office/drawing/2014/main" id="{F0567A96-21A2-4A98-B726-0F405A720009}"/>
-              </a:ext>
-            </a:extLst>
-          </p:cNvPr>
-          <p:cNvPicPr>
-            <a:picLocks noChangeAspect="1"/>
-          </p:cNvPicPr>
-          <p:nvPr/>
-        </p:nvPicPr>
-        <p:blipFill>
-          <a:blip r:embed="rId2"/>
-          <a:stretch>
-            <a:fillRect/>
-          </a:stretch>
-        </p:blipFill>
         <p:spPr>
           <a:xfrm>
-            <a:off x="838200" y="2114484"/>
-            <a:ext cx="2647950" cy="3781425"/>
+            <a:off x="469789" y="174442"/>
+            <a:ext cx="10515600" cy="1325563"/>
           </a:xfrm>
-          <a:prstGeom prst="rect">
-            <a:avLst/>
-          </a:prstGeom>
         </p:spPr>
-      </p:pic>
-      <p:pic>
-        <p:nvPicPr>
-          <p:cNvPr id="10" name="Рисунок 9">
-            <a:extLst>
-              <a:ext uri="{FF2B5EF4-FFF2-40B4-BE49-F238E27FC236}">
-                <a16:creationId xmlns:a16="http://schemas.microsoft.com/office/drawing/2014/main" id="{A48A5D19-42E9-4C8A-9962-8796E2CFD699}"/>
-              </a:ext>
-            </a:extLst>
-          </p:cNvPr>
-          <p:cNvPicPr>
-            <a:picLocks noChangeAspect="1"/>
-          </p:cNvPicPr>
+        <p:txBody>
+          <a:bodyPr/>
+          <a:lstStyle/>
+          <a:p>
+            <a:r>
+              <a:rPr lang="en-US" dirty="0"/>
+              <a:t>AXI GPIO</a:t>
+            </a:r>
+            <a:endParaRPr lang="ru-BY" dirty="0"/>
+          </a:p>
+        </p:txBody>
+      </p:sp>
+      <p:sp>
+        <p:nvSpPr>
+          <p:cNvPr id="15" name="TextBox 14">
+            <a:extLst>
+              <a:ext uri="{FF2B5EF4-FFF2-40B4-BE49-F238E27FC236}">
+                <a16:creationId xmlns:a16="http://schemas.microsoft.com/office/drawing/2014/main" id="{8D4C45F2-41F0-4D01-9DCB-48920B18B5A0}"/>
+              </a:ext>
+            </a:extLst>
+          </p:cNvPr>
+          <p:cNvSpPr txBox="1"/>
           <p:nvPr/>
-        </p:nvPicPr>
-        <p:blipFill>
-          <a:blip r:embed="rId3"/>
-          <a:stretch>
-            <a:fillRect/>
-          </a:stretch>
-        </p:blipFill>
+        </p:nvSpPr>
         <p:spPr>
           <a:xfrm>
-            <a:off x="4615711" y="2114484"/>
-            <a:ext cx="2609850" cy="3848100"/>
-          </a:xfrm>
-          <a:prstGeom prst="rect">
-            <a:avLst/>
-          </a:prstGeom>
-        </p:spPr>
-      </p:pic>
-      <p:pic>
-        <p:nvPicPr>
-          <p:cNvPr id="12" name="Рисунок 11">
-            <a:extLst>
-              <a:ext uri="{FF2B5EF4-FFF2-40B4-BE49-F238E27FC236}">
-                <a16:creationId xmlns:a16="http://schemas.microsoft.com/office/drawing/2014/main" id="{73EFDCDB-9D7D-4DD4-85DE-B95C4A4CE9A2}"/>
-              </a:ext>
-            </a:extLst>
-          </p:cNvPr>
-          <p:cNvPicPr>
-            <a:picLocks noChangeAspect="1"/>
-          </p:cNvPicPr>
-          <p:nvPr/>
-        </p:nvPicPr>
-        <p:blipFill>
-          <a:blip r:embed="rId4"/>
-          <a:stretch>
-            <a:fillRect/>
-          </a:stretch>
-        </p:blipFill>
-        <p:spPr>
-          <a:xfrm>
-            <a:off x="8058150" y="1352484"/>
-            <a:ext cx="3295650" cy="4610100"/>
-          </a:xfrm>
-          <a:prstGeom prst="rect">
-            <a:avLst/>
-          </a:prstGeom>
-        </p:spPr>
-      </p:pic>
-      <p:sp>
-        <p:nvSpPr>
-          <p:cNvPr id="13" name="TextBox 12">
-            <a:extLst>
-              <a:ext uri="{FF2B5EF4-FFF2-40B4-BE49-F238E27FC236}">
-                <a16:creationId xmlns:a16="http://schemas.microsoft.com/office/drawing/2014/main" id="{CC23A210-6C17-4A47-9F0F-A7B32E0A5957}"/>
-              </a:ext>
-            </a:extLst>
-          </p:cNvPr>
-          <p:cNvSpPr txBox="1"/>
-          <p:nvPr/>
-        </p:nvSpPr>
-        <p:spPr>
-          <a:xfrm>
-            <a:off x="838200" y="6125227"/>
+            <a:off x="7413087" y="5779919"/>
             <a:ext cx="3195181" cy="367648"/>
           </a:xfrm>
           <a:prstGeom prst="rect">
@@ -6703,79 +3778,7 @@
           <a:p>
             <a:r>
               <a:rPr lang="en-US" dirty="0"/>
-              <a:t>IQ demodulator</a:t>
-            </a:r>
-            <a:endParaRPr lang="ru-BY" dirty="0"/>
-          </a:p>
-        </p:txBody>
-      </p:sp>
-      <p:sp>
-        <p:nvSpPr>
-          <p:cNvPr id="14" name="TextBox 13">
-            <a:extLst>
-              <a:ext uri="{FF2B5EF4-FFF2-40B4-BE49-F238E27FC236}">
-                <a16:creationId xmlns:a16="http://schemas.microsoft.com/office/drawing/2014/main" id="{9883195B-D0A5-4637-9FB3-A5FB435B5D8F}"/>
-              </a:ext>
-            </a:extLst>
-          </p:cNvPr>
-          <p:cNvSpPr txBox="1"/>
-          <p:nvPr/>
-        </p:nvSpPr>
-        <p:spPr>
-          <a:xfrm>
-            <a:off x="4498409" y="6125227"/>
-            <a:ext cx="3195181" cy="367648"/>
-          </a:xfrm>
-          <a:prstGeom prst="rect">
-            <a:avLst/>
-          </a:prstGeom>
-          <a:noFill/>
-        </p:spPr>
-        <p:txBody>
-          <a:bodyPr wrap="square" rtlCol="0">
-            <a:spAutoFit/>
-          </a:bodyPr>
-          <a:lstStyle/>
-          <a:p>
-            <a:r>
-              <a:rPr lang="en-US" dirty="0"/>
-              <a:t>IQ modulator</a:t>
-            </a:r>
-            <a:endParaRPr lang="ru-BY" dirty="0"/>
-          </a:p>
-        </p:txBody>
-      </p:sp>
-      <p:sp>
-        <p:nvSpPr>
-          <p:cNvPr id="15" name="TextBox 14">
-            <a:extLst>
-              <a:ext uri="{FF2B5EF4-FFF2-40B4-BE49-F238E27FC236}">
-                <a16:creationId xmlns:a16="http://schemas.microsoft.com/office/drawing/2014/main" id="{8D4C45F2-41F0-4D01-9DCB-48920B18B5A0}"/>
-              </a:ext>
-            </a:extLst>
-          </p:cNvPr>
-          <p:cNvSpPr txBox="1"/>
-          <p:nvPr/>
-        </p:nvSpPr>
-        <p:spPr>
-          <a:xfrm>
-            <a:off x="8330852" y="6125227"/>
-            <a:ext cx="3195181" cy="367648"/>
-          </a:xfrm>
-          <a:prstGeom prst="rect">
-            <a:avLst/>
-          </a:prstGeom>
-          <a:noFill/>
-        </p:spPr>
-        <p:txBody>
-          <a:bodyPr wrap="square" rtlCol="0">
-            <a:spAutoFit/>
-          </a:bodyPr>
-          <a:lstStyle/>
-          <a:p>
-            <a:r>
-              <a:rPr lang="en-US" dirty="0"/>
-              <a:t>Frequency, Phase modulator</a:t>
+              <a:t>AXI GPIO MODULE</a:t>
             </a:r>
             <a:endParaRPr lang="ru-BY" dirty="0"/>
           </a:p>
@@ -6816,6 +3819,100 @@
           </a:p>
         </p:txBody>
       </p:sp>
+      <p:pic>
+        <p:nvPicPr>
+          <p:cNvPr id="1032" name="Picture 8" descr="Hardware Beschreibung">
+            <a:extLst>
+              <a:ext uri="{FF2B5EF4-FFF2-40B4-BE49-F238E27FC236}">
+                <a16:creationId xmlns:a16="http://schemas.microsoft.com/office/drawing/2014/main" id="{3B329D91-4D1D-40A8-A19B-1BE8266C9C2E}"/>
+              </a:ext>
+            </a:extLst>
+          </p:cNvPr>
+          <p:cNvPicPr>
+            <a:picLocks noChangeAspect="1" noChangeArrowheads="1"/>
+          </p:cNvPicPr>
+          <p:nvPr/>
+        </p:nvPicPr>
+        <p:blipFill>
+          <a:blip r:embed="rId2">
+            <a:extLst>
+              <a:ext uri="{28A0092B-C50C-407E-A947-70E740481C1C}">
+                <a14:useLocalDpi xmlns:a14="http://schemas.microsoft.com/office/drawing/2010/main" val="0"/>
+              </a:ext>
+            </a:extLst>
+          </a:blip>
+          <a:srcRect/>
+          <a:stretch>
+            <a:fillRect/>
+          </a:stretch>
+        </p:blipFill>
+        <p:spPr bwMode="auto">
+          <a:xfrm>
+            <a:off x="5581916" y="1393606"/>
+            <a:ext cx="6140295" cy="4070788"/>
+          </a:xfrm>
+          <a:prstGeom prst="rect">
+            <a:avLst/>
+          </a:prstGeom>
+          <a:noFill/>
+          <a:extLst>
+            <a:ext uri="{909E8E84-426E-40DD-AFC4-6F175D3DCCD1}">
+              <a14:hiddenFill xmlns:a14="http://schemas.microsoft.com/office/drawing/2010/main">
+                <a:solidFill>
+                  <a:srgbClr val="FFFFFF"/>
+                </a:solidFill>
+              </a14:hiddenFill>
+            </a:ext>
+          </a:extLst>
+        </p:spPr>
+      </p:pic>
+      <p:pic>
+        <p:nvPicPr>
+          <p:cNvPr id="1034" name="Picture 10" descr="AXI GPIO read/write problem - Community Forums">
+            <a:extLst>
+              <a:ext uri="{FF2B5EF4-FFF2-40B4-BE49-F238E27FC236}">
+                <a16:creationId xmlns:a16="http://schemas.microsoft.com/office/drawing/2014/main" id="{D087B4DB-8F1B-4445-95B7-195A788BAEA4}"/>
+              </a:ext>
+            </a:extLst>
+          </p:cNvPr>
+          <p:cNvPicPr>
+            <a:picLocks noChangeAspect="1" noChangeArrowheads="1"/>
+          </p:cNvPicPr>
+          <p:nvPr/>
+        </p:nvPicPr>
+        <p:blipFill>
+          <a:blip r:embed="rId3">
+            <a:extLst>
+              <a:ext uri="{28A0092B-C50C-407E-A947-70E740481C1C}">
+                <a14:useLocalDpi xmlns:a14="http://schemas.microsoft.com/office/drawing/2010/main" val="0"/>
+              </a:ext>
+            </a:extLst>
+          </a:blip>
+          <a:srcRect/>
+          <a:stretch>
+            <a:fillRect/>
+          </a:stretch>
+        </p:blipFill>
+        <p:spPr bwMode="auto">
+          <a:xfrm>
+            <a:off x="0" y="1393606"/>
+            <a:ext cx="5610225" cy="2419350"/>
+          </a:xfrm>
+          <a:prstGeom prst="rect">
+            <a:avLst/>
+          </a:prstGeom>
+          <a:noFill/>
+          <a:extLst>
+            <a:ext uri="{909E8E84-426E-40DD-AFC4-6F175D3DCCD1}">
+              <a14:hiddenFill xmlns:a14="http://schemas.microsoft.com/office/drawing/2010/main">
+                <a:solidFill>
+                  <a:srgbClr val="FFFFFF"/>
+                </a:solidFill>
+              </a14:hiddenFill>
+            </a:ext>
+          </a:extLst>
+        </p:spPr>
+      </p:pic>
     </p:spTree>
     <p:extLst>
       <p:ext uri="{BB962C8B-B14F-4D97-AF65-F5344CB8AC3E}">
@@ -6848,65 +3945,6 @@
       </p:grpSpPr>
       <p:sp>
         <p:nvSpPr>
-          <p:cNvPr id="2" name="Заголовок 1">
-            <a:extLst>
-              <a:ext uri="{FF2B5EF4-FFF2-40B4-BE49-F238E27FC236}">
-                <a16:creationId xmlns:a16="http://schemas.microsoft.com/office/drawing/2014/main" id="{2F1A3542-7A2A-4118-86DB-6DBF09938D1A}"/>
-              </a:ext>
-            </a:extLst>
-          </p:cNvPr>
-          <p:cNvSpPr>
-            <a:spLocks noGrp="1"/>
-          </p:cNvSpPr>
-          <p:nvPr>
-            <p:ph type="title"/>
-          </p:nvPr>
-        </p:nvSpPr>
-        <p:spPr/>
-        <p:txBody>
-          <a:bodyPr/>
-          <a:lstStyle/>
-          <a:p>
-            <a:r>
-              <a:rPr lang="en-US" dirty="0"/>
-              <a:t>Hardware design with Vivado HLS IP cores</a:t>
-            </a:r>
-            <a:endParaRPr lang="ru-BY" dirty="0"/>
-          </a:p>
-        </p:txBody>
-      </p:sp>
-      <p:pic>
-        <p:nvPicPr>
-          <p:cNvPr id="5" name="Рисунок 4">
-            <a:extLst>
-              <a:ext uri="{FF2B5EF4-FFF2-40B4-BE49-F238E27FC236}">
-                <a16:creationId xmlns:a16="http://schemas.microsoft.com/office/drawing/2014/main" id="{76CE75C5-58A2-4370-A1B0-08EAF72C4FCD}"/>
-              </a:ext>
-            </a:extLst>
-          </p:cNvPr>
-          <p:cNvPicPr>
-            <a:picLocks noChangeAspect="1"/>
-          </p:cNvPicPr>
-          <p:nvPr/>
-        </p:nvPicPr>
-        <p:blipFill>
-          <a:blip r:embed="rId2"/>
-          <a:stretch>
-            <a:fillRect/>
-          </a:stretch>
-        </p:blipFill>
-        <p:spPr>
-          <a:xfrm>
-            <a:off x="482252" y="1690688"/>
-            <a:ext cx="11227496" cy="4677398"/>
-          </a:xfrm>
-          <a:prstGeom prst="rect">
-            <a:avLst/>
-          </a:prstGeom>
-        </p:spPr>
-      </p:pic>
-      <p:sp>
-        <p:nvSpPr>
           <p:cNvPr id="6" name="TextBox 5">
             <a:extLst>
               <a:ext uri="{FF2B5EF4-FFF2-40B4-BE49-F238E27FC236}">
@@ -6973,6 +4011,31 @@
               <a:t>aleksei.rostov@protonmail.com</a:t>
             </a:r>
             <a:endParaRPr lang="ru-RU" dirty="0"/>
+          </a:p>
+        </p:txBody>
+      </p:sp>
+      <p:sp>
+        <p:nvSpPr>
+          <p:cNvPr id="4" name="Заголовок 3">
+            <a:extLst>
+              <a:ext uri="{FF2B5EF4-FFF2-40B4-BE49-F238E27FC236}">
+                <a16:creationId xmlns:a16="http://schemas.microsoft.com/office/drawing/2014/main" id="{EF997593-B7A5-4C62-BC22-E848F510CDF4}"/>
+              </a:ext>
+            </a:extLst>
+          </p:cNvPr>
+          <p:cNvSpPr>
+            <a:spLocks noGrp="1"/>
+          </p:cNvSpPr>
+          <p:nvPr>
+            <p:ph type="title"/>
+          </p:nvPr>
+        </p:nvSpPr>
+        <p:spPr/>
+        <p:txBody>
+          <a:bodyPr/>
+          <a:lstStyle/>
+          <a:p>
+            <a:endParaRPr lang="ru-BY"/>
           </a:p>
         </p:txBody>
       </p:sp>

--- a/lesson_9/presentation/zynq_system_0v.pptx
+++ b/lesson_9/presentation/zynq_system_0v.pptx
@@ -9,6 +9,7 @@
     <p:sldId id="257" r:id="rId3"/>
     <p:sldId id="258" r:id="rId4"/>
     <p:sldId id="259" r:id="rId5"/>
+    <p:sldId id="260" r:id="rId6"/>
   </p:sldIdLst>
   <p:sldSz cx="12192000" cy="6858000"/>
   <p:notesSz cx="6858000" cy="9144000"/>
@@ -275,7 +276,7 @@
           <a:p>
             <a:fld id="{B9E40912-773D-4C01-815F-02B5A41D867C}" type="datetimeFigureOut">
               <a:rPr lang="x-none" smtClean="0"/>
-              <a:t>23.12.2020</a:t>
+              <a:t>24.12.2020</a:t>
             </a:fld>
             <a:endParaRPr lang="x-none"/>
           </a:p>
@@ -475,7 +476,7 @@
           <a:p>
             <a:fld id="{B9E40912-773D-4C01-815F-02B5A41D867C}" type="datetimeFigureOut">
               <a:rPr lang="x-none" smtClean="0"/>
-              <a:t>23.12.2020</a:t>
+              <a:t>24.12.2020</a:t>
             </a:fld>
             <a:endParaRPr lang="x-none"/>
           </a:p>
@@ -685,7 +686,7 @@
           <a:p>
             <a:fld id="{B9E40912-773D-4C01-815F-02B5A41D867C}" type="datetimeFigureOut">
               <a:rPr lang="x-none" smtClean="0"/>
-              <a:t>23.12.2020</a:t>
+              <a:t>24.12.2020</a:t>
             </a:fld>
             <a:endParaRPr lang="x-none"/>
           </a:p>
@@ -885,7 +886,7 @@
           <a:p>
             <a:fld id="{B9E40912-773D-4C01-815F-02B5A41D867C}" type="datetimeFigureOut">
               <a:rPr lang="x-none" smtClean="0"/>
-              <a:t>23.12.2020</a:t>
+              <a:t>24.12.2020</a:t>
             </a:fld>
             <a:endParaRPr lang="x-none"/>
           </a:p>
@@ -1161,7 +1162,7 @@
           <a:p>
             <a:fld id="{B9E40912-773D-4C01-815F-02B5A41D867C}" type="datetimeFigureOut">
               <a:rPr lang="x-none" smtClean="0"/>
-              <a:t>23.12.2020</a:t>
+              <a:t>24.12.2020</a:t>
             </a:fld>
             <a:endParaRPr lang="x-none"/>
           </a:p>
@@ -1429,7 +1430,7 @@
           <a:p>
             <a:fld id="{B9E40912-773D-4C01-815F-02B5A41D867C}" type="datetimeFigureOut">
               <a:rPr lang="x-none" smtClean="0"/>
-              <a:t>23.12.2020</a:t>
+              <a:t>24.12.2020</a:t>
             </a:fld>
             <a:endParaRPr lang="x-none"/>
           </a:p>
@@ -1844,7 +1845,7 @@
           <a:p>
             <a:fld id="{B9E40912-773D-4C01-815F-02B5A41D867C}" type="datetimeFigureOut">
               <a:rPr lang="x-none" smtClean="0"/>
-              <a:t>23.12.2020</a:t>
+              <a:t>24.12.2020</a:t>
             </a:fld>
             <a:endParaRPr lang="x-none"/>
           </a:p>
@@ -1986,7 +1987,7 @@
           <a:p>
             <a:fld id="{B9E40912-773D-4C01-815F-02B5A41D867C}" type="datetimeFigureOut">
               <a:rPr lang="x-none" smtClean="0"/>
-              <a:t>23.12.2020</a:t>
+              <a:t>24.12.2020</a:t>
             </a:fld>
             <a:endParaRPr lang="x-none"/>
           </a:p>
@@ -2099,7 +2100,7 @@
           <a:p>
             <a:fld id="{B9E40912-773D-4C01-815F-02B5A41D867C}" type="datetimeFigureOut">
               <a:rPr lang="x-none" smtClean="0"/>
-              <a:t>23.12.2020</a:t>
+              <a:t>24.12.2020</a:t>
             </a:fld>
             <a:endParaRPr lang="x-none"/>
           </a:p>
@@ -2412,7 +2413,7 @@
           <a:p>
             <a:fld id="{B9E40912-773D-4C01-815F-02B5A41D867C}" type="datetimeFigureOut">
               <a:rPr lang="x-none" smtClean="0"/>
-              <a:t>23.12.2020</a:t>
+              <a:t>24.12.2020</a:t>
             </a:fld>
             <a:endParaRPr lang="x-none"/>
           </a:p>
@@ -2701,7 +2702,7 @@
           <a:p>
             <a:fld id="{B9E40912-773D-4C01-815F-02B5A41D867C}" type="datetimeFigureOut">
               <a:rPr lang="x-none" smtClean="0"/>
-              <a:t>23.12.2020</a:t>
+              <a:t>24.12.2020</a:t>
             </a:fld>
             <a:endParaRPr lang="x-none"/>
           </a:p>
@@ -2944,7 +2945,7 @@
           <a:p>
             <a:fld id="{B9E40912-773D-4C01-815F-02B5A41D867C}" type="datetimeFigureOut">
               <a:rPr lang="x-none" smtClean="0"/>
-              <a:t>23.12.2020</a:t>
+              <a:t>24.12.2020</a:t>
             </a:fld>
             <a:endParaRPr lang="x-none"/>
           </a:p>
@@ -3640,7 +3641,7 @@
             </a:pPr>
             <a:r>
               <a:rPr lang="en-US" sz="2800" dirty="0"/>
-              <a:t>Implementation AXI GPIO and interrupt</a:t>
+              <a:t>Working with AXI GPIO and Generic Interrupt Controller (GIC)</a:t>
             </a:r>
           </a:p>
           <a:p>
@@ -3650,10 +3651,10 @@
       </p:sp>
       <p:pic>
         <p:nvPicPr>
-          <p:cNvPr id="6" name="Рисунок 5">
-            <a:extLst>
-              <a:ext uri="{FF2B5EF4-FFF2-40B4-BE49-F238E27FC236}">
-                <a16:creationId xmlns:a16="http://schemas.microsoft.com/office/drawing/2014/main" id="{7B185E3B-F4D4-48B0-861A-AE4CAD8C0F14}"/>
+          <p:cNvPr id="4" name="Рисунок 3">
+            <a:extLst>
+              <a:ext uri="{FF2B5EF4-FFF2-40B4-BE49-F238E27FC236}">
+                <a16:creationId xmlns:a16="http://schemas.microsoft.com/office/drawing/2014/main" id="{1181600A-FE5C-43EE-8168-2D798EB82081}"/>
               </a:ext>
             </a:extLst>
           </p:cNvPr>
@@ -3663,21 +3664,15 @@
           <p:nvPr/>
         </p:nvPicPr>
         <p:blipFill>
-          <a:blip r:embed="rId2">
-            <a:extLst>
-              <a:ext uri="{28A0092B-C50C-407E-A947-70E740481C1C}">
-                <a14:useLocalDpi xmlns:a14="http://schemas.microsoft.com/office/drawing/2010/main" val="0"/>
-              </a:ext>
-            </a:extLst>
-          </a:blip>
+          <a:blip r:embed="rId2"/>
           <a:stretch>
             <a:fillRect/>
           </a:stretch>
         </p:blipFill>
         <p:spPr>
           <a:xfrm>
-            <a:off x="1198324" y="1827430"/>
-            <a:ext cx="9023959" cy="4341647"/>
+            <a:off x="1354475" y="1670578"/>
+            <a:ext cx="10212090" cy="4816716"/>
           </a:xfrm>
           <a:prstGeom prst="rect">
             <a:avLst/>
@@ -3778,7 +3773,7 @@
           <a:p>
             <a:r>
               <a:rPr lang="en-US" dirty="0"/>
-              <a:t>AXI GPIO MODULE</a:t>
+              <a:t>AXI GPIO Block Diagram</a:t>
             </a:r>
             <a:endParaRPr lang="ru-BY" dirty="0"/>
           </a:p>
@@ -3911,6 +3906,42 @@
               </a14:hiddenFill>
             </a:ext>
           </a:extLst>
+        </p:spPr>
+      </p:pic>
+      <p:pic>
+        <p:nvPicPr>
+          <p:cNvPr id="12" name="Рисунок 11">
+            <a:extLst>
+              <a:ext uri="{FF2B5EF4-FFF2-40B4-BE49-F238E27FC236}">
+                <a16:creationId xmlns:a16="http://schemas.microsoft.com/office/drawing/2014/main" id="{7F411F2A-6F24-40FE-A4DC-C1ADEDA911C1}"/>
+              </a:ext>
+            </a:extLst>
+          </p:cNvPr>
+          <p:cNvPicPr>
+            <a:picLocks noChangeAspect="1"/>
+          </p:cNvPicPr>
+          <p:nvPr/>
+        </p:nvPicPr>
+        <p:blipFill>
+          <a:blip r:embed="rId4">
+            <a:extLst>
+              <a:ext uri="{28A0092B-C50C-407E-A947-70E740481C1C}">
+                <a14:useLocalDpi xmlns:a14="http://schemas.microsoft.com/office/drawing/2010/main" val="0"/>
+              </a:ext>
+            </a:extLst>
+          </a:blip>
+          <a:stretch>
+            <a:fillRect/>
+          </a:stretch>
+        </p:blipFill>
+        <p:spPr>
+          <a:xfrm>
+            <a:off x="-1" y="4073501"/>
+            <a:ext cx="5369923" cy="2074066"/>
+          </a:xfrm>
+          <a:prstGeom prst="rect">
+            <a:avLst/>
+          </a:prstGeom>
         </p:spPr>
       </p:pic>
     </p:spTree>
@@ -3945,42 +3976,6 @@
       </p:grpSpPr>
       <p:sp>
         <p:nvSpPr>
-          <p:cNvPr id="6" name="TextBox 5">
-            <a:extLst>
-              <a:ext uri="{FF2B5EF4-FFF2-40B4-BE49-F238E27FC236}">
-                <a16:creationId xmlns:a16="http://schemas.microsoft.com/office/drawing/2014/main" id="{7F62BB46-25B3-4600-AC63-BA02D1D146C2}"/>
-              </a:ext>
-            </a:extLst>
-          </p:cNvPr>
-          <p:cNvSpPr txBox="1"/>
-          <p:nvPr/>
-        </p:nvSpPr>
-        <p:spPr>
-          <a:xfrm>
-            <a:off x="4233799" y="6338169"/>
-            <a:ext cx="5661764" cy="369332"/>
-          </a:xfrm>
-          <a:prstGeom prst="rect">
-            <a:avLst/>
-          </a:prstGeom>
-          <a:noFill/>
-        </p:spPr>
-        <p:txBody>
-          <a:bodyPr wrap="square" rtlCol="0">
-            <a:spAutoFit/>
-          </a:bodyPr>
-          <a:lstStyle/>
-          <a:p>
-            <a:r>
-              <a:rPr lang="en-US" dirty="0"/>
-              <a:t>Hardware design with Vivado HLS IP cores integrated</a:t>
-            </a:r>
-            <a:endParaRPr lang="ru-BY" dirty="0"/>
-          </a:p>
-        </p:txBody>
-      </p:sp>
-      <p:sp>
-        <p:nvSpPr>
           <p:cNvPr id="7" name="Прямоугольник 6">
             <a:extLst>
               <a:ext uri="{FF2B5EF4-FFF2-40B4-BE49-F238E27FC236}">
@@ -4016,10 +4011,10 @@
       </p:sp>
       <p:sp>
         <p:nvSpPr>
-          <p:cNvPr id="4" name="Заголовок 3">
-            <a:extLst>
-              <a:ext uri="{FF2B5EF4-FFF2-40B4-BE49-F238E27FC236}">
-                <a16:creationId xmlns:a16="http://schemas.microsoft.com/office/drawing/2014/main" id="{EF997593-B7A5-4C62-BC22-E848F510CDF4}"/>
+          <p:cNvPr id="5" name="Заголовок 1">
+            <a:extLst>
+              <a:ext uri="{FF2B5EF4-FFF2-40B4-BE49-F238E27FC236}">
+                <a16:creationId xmlns:a16="http://schemas.microsoft.com/office/drawing/2014/main" id="{E7C31C4F-046E-4D09-A954-79188054440F}"/>
               </a:ext>
             </a:extLst>
           </p:cNvPr>
@@ -4030,19 +4025,241 @@
             <p:ph type="title"/>
           </p:nvPr>
         </p:nvSpPr>
-        <p:spPr/>
-        <p:txBody>
-          <a:bodyPr/>
-          <a:lstStyle/>
-          <a:p>
-            <a:endParaRPr lang="ru-BY"/>
-          </a:p>
-        </p:txBody>
-      </p:sp>
+        <p:spPr>
+          <a:xfrm>
+            <a:off x="469789" y="174442"/>
+            <a:ext cx="10515600" cy="1325563"/>
+          </a:xfrm>
+        </p:spPr>
+        <p:txBody>
+          <a:bodyPr/>
+          <a:lstStyle/>
+          <a:p>
+            <a:r>
+              <a:rPr lang="en-US" dirty="0"/>
+              <a:t>AXI GPIO</a:t>
+            </a:r>
+            <a:endParaRPr lang="ru-BY" dirty="0"/>
+          </a:p>
+        </p:txBody>
+      </p:sp>
+      <p:pic>
+        <p:nvPicPr>
+          <p:cNvPr id="3" name="Рисунок 2">
+            <a:extLst>
+              <a:ext uri="{FF2B5EF4-FFF2-40B4-BE49-F238E27FC236}">
+                <a16:creationId xmlns:a16="http://schemas.microsoft.com/office/drawing/2014/main" id="{8E3CFDB4-68A2-4D40-9CF3-7CB8AFD13ACC}"/>
+              </a:ext>
+            </a:extLst>
+          </p:cNvPr>
+          <p:cNvPicPr>
+            <a:picLocks noChangeAspect="1"/>
+          </p:cNvPicPr>
+          <p:nvPr/>
+        </p:nvPicPr>
+        <p:blipFill>
+          <a:blip r:embed="rId2">
+            <a:extLst>
+              <a:ext uri="{28A0092B-C50C-407E-A947-70E740481C1C}">
+                <a14:useLocalDpi xmlns:a14="http://schemas.microsoft.com/office/drawing/2010/main" val="0"/>
+              </a:ext>
+            </a:extLst>
+          </a:blip>
+          <a:stretch>
+            <a:fillRect/>
+          </a:stretch>
+        </p:blipFill>
+        <p:spPr>
+          <a:xfrm>
+            <a:off x="246591" y="1253378"/>
+            <a:ext cx="6447912" cy="5139640"/>
+          </a:xfrm>
+          <a:prstGeom prst="rect">
+            <a:avLst/>
+          </a:prstGeom>
+        </p:spPr>
+      </p:pic>
+      <p:pic>
+        <p:nvPicPr>
+          <p:cNvPr id="9" name="Рисунок 8">
+            <a:extLst>
+              <a:ext uri="{FF2B5EF4-FFF2-40B4-BE49-F238E27FC236}">
+                <a16:creationId xmlns:a16="http://schemas.microsoft.com/office/drawing/2014/main" id="{858EDFB3-E3DE-4B9C-8C16-A612CB7EC4A7}"/>
+              </a:ext>
+            </a:extLst>
+          </p:cNvPr>
+          <p:cNvPicPr>
+            <a:picLocks noChangeAspect="1"/>
+          </p:cNvPicPr>
+          <p:nvPr/>
+        </p:nvPicPr>
+        <p:blipFill>
+          <a:blip r:embed="rId3">
+            <a:extLst>
+              <a:ext uri="{28A0092B-C50C-407E-A947-70E740481C1C}">
+                <a14:useLocalDpi xmlns:a14="http://schemas.microsoft.com/office/drawing/2010/main" val="0"/>
+              </a:ext>
+            </a:extLst>
+          </a:blip>
+          <a:stretch>
+            <a:fillRect/>
+          </a:stretch>
+        </p:blipFill>
+        <p:spPr>
+          <a:xfrm>
+            <a:off x="6694503" y="1253378"/>
+            <a:ext cx="5443971" cy="4722562"/>
+          </a:xfrm>
+          <a:prstGeom prst="rect">
+            <a:avLst/>
+          </a:prstGeom>
+        </p:spPr>
+      </p:pic>
     </p:spTree>
     <p:extLst>
       <p:ext uri="{BB962C8B-B14F-4D97-AF65-F5344CB8AC3E}">
         <p14:creationId xmlns:p14="http://schemas.microsoft.com/office/powerpoint/2010/main" val="984147724"/>
+      </p:ext>
+    </p:extLst>
+  </p:cSld>
+  <p:clrMapOvr>
+    <a:masterClrMapping/>
+  </p:clrMapOvr>
+</p:sld>
+</file>
+
+<file path=ppt/slides/slide5.xml><?xml version="1.0" encoding="utf-8"?>
+<p:sld xmlns:a="http://schemas.openxmlformats.org/drawingml/2006/main" xmlns:r="http://schemas.openxmlformats.org/officeDocument/2006/relationships" xmlns:p="http://schemas.openxmlformats.org/presentationml/2006/main">
+  <p:cSld>
+    <p:spTree>
+      <p:nvGrpSpPr>
+        <p:cNvPr id="1" name=""/>
+        <p:cNvGrpSpPr/>
+        <p:nvPr/>
+      </p:nvGrpSpPr>
+      <p:grpSpPr>
+        <a:xfrm>
+          <a:off x="0" y="0"/>
+          <a:ext cx="0" cy="0"/>
+          <a:chOff x="0" y="0"/>
+          <a:chExt cx="0" cy="0"/>
+        </a:xfrm>
+      </p:grpSpPr>
+      <p:sp>
+        <p:nvSpPr>
+          <p:cNvPr id="2" name="Заголовок 1">
+            <a:extLst>
+              <a:ext uri="{FF2B5EF4-FFF2-40B4-BE49-F238E27FC236}">
+                <a16:creationId xmlns:a16="http://schemas.microsoft.com/office/drawing/2014/main" id="{E3BD6D14-5029-4F29-B011-5BB0F85B3C91}"/>
+              </a:ext>
+            </a:extLst>
+          </p:cNvPr>
+          <p:cNvSpPr>
+            <a:spLocks noGrp="1"/>
+          </p:cNvSpPr>
+          <p:nvPr>
+            <p:ph type="title"/>
+          </p:nvPr>
+        </p:nvSpPr>
+        <p:spPr/>
+        <p:txBody>
+          <a:bodyPr/>
+          <a:lstStyle/>
+          <a:p>
+            <a:r>
+              <a:rPr lang="en-US" dirty="0"/>
+              <a:t>Interrupt Controller</a:t>
+            </a:r>
+            <a:endParaRPr lang="ru-BY" dirty="0"/>
+          </a:p>
+        </p:txBody>
+      </p:sp>
+      <p:pic>
+        <p:nvPicPr>
+          <p:cNvPr id="1026" name="Picture 2">
+            <a:extLst>
+              <a:ext uri="{FF2B5EF4-FFF2-40B4-BE49-F238E27FC236}">
+                <a16:creationId xmlns:a16="http://schemas.microsoft.com/office/drawing/2014/main" id="{F6BE56F2-9EA4-4A23-AECC-7CCDEA092B0E}"/>
+              </a:ext>
+            </a:extLst>
+          </p:cNvPr>
+          <p:cNvPicPr>
+            <a:picLocks noChangeAspect="1" noChangeArrowheads="1"/>
+          </p:cNvPicPr>
+          <p:nvPr/>
+        </p:nvPicPr>
+        <p:blipFill>
+          <a:blip r:embed="rId2">
+            <a:extLst>
+              <a:ext uri="{28A0092B-C50C-407E-A947-70E740481C1C}">
+                <a14:useLocalDpi xmlns:a14="http://schemas.microsoft.com/office/drawing/2010/main" val="0"/>
+              </a:ext>
+            </a:extLst>
+          </a:blip>
+          <a:srcRect/>
+          <a:stretch>
+            <a:fillRect/>
+          </a:stretch>
+        </p:blipFill>
+        <p:spPr bwMode="auto">
+          <a:xfrm>
+            <a:off x="1736420" y="1421690"/>
+            <a:ext cx="8719160" cy="5334602"/>
+          </a:xfrm>
+          <a:prstGeom prst="rect">
+            <a:avLst/>
+          </a:prstGeom>
+          <a:noFill/>
+          <a:extLst>
+            <a:ext uri="{909E8E84-426E-40DD-AFC4-6F175D3DCCD1}">
+              <a14:hiddenFill xmlns:a14="http://schemas.microsoft.com/office/drawing/2010/main">
+                <a:solidFill>
+                  <a:srgbClr val="FFFFFF"/>
+                </a:solidFill>
+              </a14:hiddenFill>
+            </a:ext>
+          </a:extLst>
+        </p:spPr>
+      </p:pic>
+      <p:sp>
+        <p:nvSpPr>
+          <p:cNvPr id="5" name="Прямоугольник 4">
+            <a:extLst>
+              <a:ext uri="{FF2B5EF4-FFF2-40B4-BE49-F238E27FC236}">
+                <a16:creationId xmlns:a16="http://schemas.microsoft.com/office/drawing/2014/main" id="{3B77FA22-2A7B-4E46-AB01-4B3C380741BA}"/>
+              </a:ext>
+            </a:extLst>
+          </p:cNvPr>
+          <p:cNvSpPr/>
+          <p:nvPr/>
+        </p:nvSpPr>
+        <p:spPr>
+          <a:xfrm>
+            <a:off x="9155207" y="6487294"/>
+            <a:ext cx="3036793" cy="369332"/>
+          </a:xfrm>
+          <a:prstGeom prst="rect">
+            <a:avLst/>
+          </a:prstGeom>
+        </p:spPr>
+        <p:txBody>
+          <a:bodyPr wrap="none">
+            <a:spAutoFit/>
+          </a:bodyPr>
+          <a:lstStyle/>
+          <a:p>
+            <a:r>
+              <a:rPr lang="en-US" dirty="0"/>
+              <a:t>aleksei.rostov@protonmail.com</a:t>
+            </a:r>
+            <a:endParaRPr lang="ru-RU" dirty="0"/>
+          </a:p>
+        </p:txBody>
+      </p:sp>
+    </p:spTree>
+    <p:extLst>
+      <p:ext uri="{BB962C8B-B14F-4D97-AF65-F5344CB8AC3E}">
+        <p14:creationId xmlns:p14="http://schemas.microsoft.com/office/powerpoint/2010/main" val="1160091087"/>
       </p:ext>
     </p:extLst>
   </p:cSld>

--- a/lesson_9/presentation/zynq_system_0v.pptx
+++ b/lesson_9/presentation/zynq_system_0v.pptx
@@ -15,7 +15,7 @@
   <p:notesSz cx="6858000" cy="9144000"/>
   <p:defaultTextStyle>
     <a:defPPr>
-      <a:defRPr lang="ru-BY"/>
+      <a:defRPr lang="x-none"/>
     </a:defPPr>
     <a:lvl1pPr marL="0" algn="l" defTabSz="914400" rtl="0" eaLnBrk="1" latinLnBrk="0" hangingPunct="1">
       <a:defRPr sz="1800" kern="1200">
@@ -110,7 +110,7 @@
   </p:defaultTextStyle>
   <p:extLst>
     <p:ext uri="{EFAFB233-063F-42B5-8137-9DF3F51BA10A}">
-      <p15:sldGuideLst xmlns:p15="http://schemas.microsoft.com/office/powerpoint/2012/main">
+      <p15:sldGuideLst xmlns:p15="http://schemas.microsoft.com/office/powerpoint/2012/main" xmlns="">
         <p15:guide id="1" orient="horz" pos="2160">
           <p15:clr>
             <a:srgbClr val="A4A3A4"/>
@@ -149,7 +149,7 @@
           <p:cNvPr id="2" name="Заголовок 1">
             <a:extLst>
               <a:ext uri="{FF2B5EF4-FFF2-40B4-BE49-F238E27FC236}">
-                <a16:creationId xmlns:a16="http://schemas.microsoft.com/office/drawing/2014/main" id="{68D4DC3B-1BEF-4286-BD54-EC87972FC882}"/>
+                <a16:creationId xmlns:a16="http://schemas.microsoft.com/office/drawing/2014/main" xmlns="" id="{68D4DC3B-1BEF-4286-BD54-EC87972FC882}"/>
               </a:ext>
             </a:extLst>
           </p:cNvPr>
@@ -178,7 +178,7 @@
               <a:rPr lang="ru-RU"/>
               <a:t>Образец заголовка</a:t>
             </a:r>
-            <a:endParaRPr lang="ru-BY"/>
+            <a:endParaRPr lang="x-none"/>
           </a:p>
         </p:txBody>
       </p:sp>
@@ -187,7 +187,7 @@
           <p:cNvPr id="3" name="Подзаголовок 2">
             <a:extLst>
               <a:ext uri="{FF2B5EF4-FFF2-40B4-BE49-F238E27FC236}">
-                <a16:creationId xmlns:a16="http://schemas.microsoft.com/office/drawing/2014/main" id="{B851B08E-AA85-4FC1-8C88-55A46458ABDC}"/>
+                <a16:creationId xmlns:a16="http://schemas.microsoft.com/office/drawing/2014/main" xmlns="" id="{B851B08E-AA85-4FC1-8C88-55A46458ABDC}"/>
               </a:ext>
             </a:extLst>
           </p:cNvPr>
@@ -249,7 +249,7 @@
               <a:rPr lang="ru-RU"/>
               <a:t>Образец подзаголовка</a:t>
             </a:r>
-            <a:endParaRPr lang="ru-BY"/>
+            <a:endParaRPr lang="x-none"/>
           </a:p>
         </p:txBody>
       </p:sp>
@@ -258,7 +258,7 @@
           <p:cNvPr id="4" name="Дата 3">
             <a:extLst>
               <a:ext uri="{FF2B5EF4-FFF2-40B4-BE49-F238E27FC236}">
-                <a16:creationId xmlns:a16="http://schemas.microsoft.com/office/drawing/2014/main" id="{D30D6AB0-4C60-41A0-9A05-1E198B120DBA}"/>
+                <a16:creationId xmlns:a16="http://schemas.microsoft.com/office/drawing/2014/main" xmlns="" id="{D30D6AB0-4C60-41A0-9A05-1E198B120DBA}"/>
               </a:ext>
             </a:extLst>
           </p:cNvPr>
@@ -276,7 +276,7 @@
           <a:p>
             <a:fld id="{B9E40912-773D-4C01-815F-02B5A41D867C}" type="datetimeFigureOut">
               <a:rPr lang="x-none" smtClean="0"/>
-              <a:t>24.12.2020</a:t>
+              <a:t>25.12.2020</a:t>
             </a:fld>
             <a:endParaRPr lang="x-none"/>
           </a:p>
@@ -287,7 +287,7 @@
           <p:cNvPr id="5" name="Нижний колонтитул 4">
             <a:extLst>
               <a:ext uri="{FF2B5EF4-FFF2-40B4-BE49-F238E27FC236}">
-                <a16:creationId xmlns:a16="http://schemas.microsoft.com/office/drawing/2014/main" id="{12859BA2-B7D0-4340-B342-D95BDF414603}"/>
+                <a16:creationId xmlns:a16="http://schemas.microsoft.com/office/drawing/2014/main" xmlns="" id="{12859BA2-B7D0-4340-B342-D95BDF414603}"/>
               </a:ext>
             </a:extLst>
           </p:cNvPr>
@@ -312,7 +312,7 @@
           <p:cNvPr id="6" name="Номер слайда 5">
             <a:extLst>
               <a:ext uri="{FF2B5EF4-FFF2-40B4-BE49-F238E27FC236}">
-                <a16:creationId xmlns:a16="http://schemas.microsoft.com/office/drawing/2014/main" id="{C75AD772-AAE8-43E3-B0BE-73A84EFE0955}"/>
+                <a16:creationId xmlns:a16="http://schemas.microsoft.com/office/drawing/2014/main" xmlns="" id="{C75AD772-AAE8-43E3-B0BE-73A84EFE0955}"/>
               </a:ext>
             </a:extLst>
           </p:cNvPr>
@@ -371,7 +371,7 @@
           <p:cNvPr id="2" name="Заголовок 1">
             <a:extLst>
               <a:ext uri="{FF2B5EF4-FFF2-40B4-BE49-F238E27FC236}">
-                <a16:creationId xmlns:a16="http://schemas.microsoft.com/office/drawing/2014/main" id="{6C1F64F6-2CFA-493A-8C2F-189E2DF26FF4}"/>
+                <a16:creationId xmlns:a16="http://schemas.microsoft.com/office/drawing/2014/main" xmlns="" id="{6C1F64F6-2CFA-493A-8C2F-189E2DF26FF4}"/>
               </a:ext>
             </a:extLst>
           </p:cNvPr>
@@ -391,7 +391,7 @@
               <a:rPr lang="ru-RU"/>
               <a:t>Образец заголовка</a:t>
             </a:r>
-            <a:endParaRPr lang="ru-BY"/>
+            <a:endParaRPr lang="x-none"/>
           </a:p>
         </p:txBody>
       </p:sp>
@@ -400,7 +400,7 @@
           <p:cNvPr id="3" name="Вертикальный текст 2">
             <a:extLst>
               <a:ext uri="{FF2B5EF4-FFF2-40B4-BE49-F238E27FC236}">
-                <a16:creationId xmlns:a16="http://schemas.microsoft.com/office/drawing/2014/main" id="{2CA6F65A-0FB3-4E27-9B8B-10BD86181E8A}"/>
+                <a16:creationId xmlns:a16="http://schemas.microsoft.com/office/drawing/2014/main" xmlns="" id="{2CA6F65A-0FB3-4E27-9B8B-10BD86181E8A}"/>
               </a:ext>
             </a:extLst>
           </p:cNvPr>
@@ -449,7 +449,7 @@
               <a:rPr lang="ru-RU"/>
               <a:t>Пятый уровень</a:t>
             </a:r>
-            <a:endParaRPr lang="ru-BY"/>
+            <a:endParaRPr lang="x-none"/>
           </a:p>
         </p:txBody>
       </p:sp>
@@ -458,7 +458,7 @@
           <p:cNvPr id="4" name="Дата 3">
             <a:extLst>
               <a:ext uri="{FF2B5EF4-FFF2-40B4-BE49-F238E27FC236}">
-                <a16:creationId xmlns:a16="http://schemas.microsoft.com/office/drawing/2014/main" id="{2CAB5F60-A97F-4587-9D0E-DE146E1E63C3}"/>
+                <a16:creationId xmlns:a16="http://schemas.microsoft.com/office/drawing/2014/main" xmlns="" id="{2CAB5F60-A97F-4587-9D0E-DE146E1E63C3}"/>
               </a:ext>
             </a:extLst>
           </p:cNvPr>
@@ -476,7 +476,7 @@
           <a:p>
             <a:fld id="{B9E40912-773D-4C01-815F-02B5A41D867C}" type="datetimeFigureOut">
               <a:rPr lang="x-none" smtClean="0"/>
-              <a:t>24.12.2020</a:t>
+              <a:t>25.12.2020</a:t>
             </a:fld>
             <a:endParaRPr lang="x-none"/>
           </a:p>
@@ -487,7 +487,7 @@
           <p:cNvPr id="5" name="Нижний колонтитул 4">
             <a:extLst>
               <a:ext uri="{FF2B5EF4-FFF2-40B4-BE49-F238E27FC236}">
-                <a16:creationId xmlns:a16="http://schemas.microsoft.com/office/drawing/2014/main" id="{35E2453A-FFFA-449A-9D03-AC7DEEA38689}"/>
+                <a16:creationId xmlns:a16="http://schemas.microsoft.com/office/drawing/2014/main" xmlns="" id="{35E2453A-FFFA-449A-9D03-AC7DEEA38689}"/>
               </a:ext>
             </a:extLst>
           </p:cNvPr>
@@ -512,7 +512,7 @@
           <p:cNvPr id="6" name="Номер слайда 5">
             <a:extLst>
               <a:ext uri="{FF2B5EF4-FFF2-40B4-BE49-F238E27FC236}">
-                <a16:creationId xmlns:a16="http://schemas.microsoft.com/office/drawing/2014/main" id="{3F7949A2-3F51-44FE-9537-3FB57F60F303}"/>
+                <a16:creationId xmlns:a16="http://schemas.microsoft.com/office/drawing/2014/main" xmlns="" id="{3F7949A2-3F51-44FE-9537-3FB57F60F303}"/>
               </a:ext>
             </a:extLst>
           </p:cNvPr>
@@ -571,7 +571,7 @@
           <p:cNvPr id="2" name="Вертикальный заголовок 1">
             <a:extLst>
               <a:ext uri="{FF2B5EF4-FFF2-40B4-BE49-F238E27FC236}">
-                <a16:creationId xmlns:a16="http://schemas.microsoft.com/office/drawing/2014/main" id="{539C95AB-7C1F-4E00-A74E-E1FEE5003C5B}"/>
+                <a16:creationId xmlns:a16="http://schemas.microsoft.com/office/drawing/2014/main" xmlns="" id="{539C95AB-7C1F-4E00-A74E-E1FEE5003C5B}"/>
               </a:ext>
             </a:extLst>
           </p:cNvPr>
@@ -596,7 +596,7 @@
               <a:rPr lang="ru-RU"/>
               <a:t>Образец заголовка</a:t>
             </a:r>
-            <a:endParaRPr lang="ru-BY"/>
+            <a:endParaRPr lang="x-none"/>
           </a:p>
         </p:txBody>
       </p:sp>
@@ -605,7 +605,7 @@
           <p:cNvPr id="3" name="Вертикальный текст 2">
             <a:extLst>
               <a:ext uri="{FF2B5EF4-FFF2-40B4-BE49-F238E27FC236}">
-                <a16:creationId xmlns:a16="http://schemas.microsoft.com/office/drawing/2014/main" id="{9E9A2A65-F691-4A1C-A0C7-55B3D58166F9}"/>
+                <a16:creationId xmlns:a16="http://schemas.microsoft.com/office/drawing/2014/main" xmlns="" id="{9E9A2A65-F691-4A1C-A0C7-55B3D58166F9}"/>
               </a:ext>
             </a:extLst>
           </p:cNvPr>
@@ -659,7 +659,7 @@
               <a:rPr lang="ru-RU"/>
               <a:t>Пятый уровень</a:t>
             </a:r>
-            <a:endParaRPr lang="ru-BY"/>
+            <a:endParaRPr lang="x-none"/>
           </a:p>
         </p:txBody>
       </p:sp>
@@ -668,7 +668,7 @@
           <p:cNvPr id="4" name="Дата 3">
             <a:extLst>
               <a:ext uri="{FF2B5EF4-FFF2-40B4-BE49-F238E27FC236}">
-                <a16:creationId xmlns:a16="http://schemas.microsoft.com/office/drawing/2014/main" id="{60C97C1B-1187-420C-85F6-35ADD043627E}"/>
+                <a16:creationId xmlns:a16="http://schemas.microsoft.com/office/drawing/2014/main" xmlns="" id="{60C97C1B-1187-420C-85F6-35ADD043627E}"/>
               </a:ext>
             </a:extLst>
           </p:cNvPr>
@@ -686,7 +686,7 @@
           <a:p>
             <a:fld id="{B9E40912-773D-4C01-815F-02B5A41D867C}" type="datetimeFigureOut">
               <a:rPr lang="x-none" smtClean="0"/>
-              <a:t>24.12.2020</a:t>
+              <a:t>25.12.2020</a:t>
             </a:fld>
             <a:endParaRPr lang="x-none"/>
           </a:p>
@@ -697,7 +697,7 @@
           <p:cNvPr id="5" name="Нижний колонтитул 4">
             <a:extLst>
               <a:ext uri="{FF2B5EF4-FFF2-40B4-BE49-F238E27FC236}">
-                <a16:creationId xmlns:a16="http://schemas.microsoft.com/office/drawing/2014/main" id="{BEDB8844-00A5-4BA1-8F32-01BC0D7DFB27}"/>
+                <a16:creationId xmlns:a16="http://schemas.microsoft.com/office/drawing/2014/main" xmlns="" id="{BEDB8844-00A5-4BA1-8F32-01BC0D7DFB27}"/>
               </a:ext>
             </a:extLst>
           </p:cNvPr>
@@ -722,7 +722,7 @@
           <p:cNvPr id="6" name="Номер слайда 5">
             <a:extLst>
               <a:ext uri="{FF2B5EF4-FFF2-40B4-BE49-F238E27FC236}">
-                <a16:creationId xmlns:a16="http://schemas.microsoft.com/office/drawing/2014/main" id="{57297F95-163C-4FAC-A571-221DC36E4D83}"/>
+                <a16:creationId xmlns:a16="http://schemas.microsoft.com/office/drawing/2014/main" xmlns="" id="{57297F95-163C-4FAC-A571-221DC36E4D83}"/>
               </a:ext>
             </a:extLst>
           </p:cNvPr>
@@ -781,7 +781,7 @@
           <p:cNvPr id="2" name="Заголовок 1">
             <a:extLst>
               <a:ext uri="{FF2B5EF4-FFF2-40B4-BE49-F238E27FC236}">
-                <a16:creationId xmlns:a16="http://schemas.microsoft.com/office/drawing/2014/main" id="{FCDD8091-0475-4727-B9D3-917EF53639FF}"/>
+                <a16:creationId xmlns:a16="http://schemas.microsoft.com/office/drawing/2014/main" xmlns="" id="{FCDD8091-0475-4727-B9D3-917EF53639FF}"/>
               </a:ext>
             </a:extLst>
           </p:cNvPr>
@@ -801,7 +801,7 @@
               <a:rPr lang="ru-RU"/>
               <a:t>Образец заголовка</a:t>
             </a:r>
-            <a:endParaRPr lang="ru-BY"/>
+            <a:endParaRPr lang="x-none"/>
           </a:p>
         </p:txBody>
       </p:sp>
@@ -810,7 +810,7 @@
           <p:cNvPr id="3" name="Объект 2">
             <a:extLst>
               <a:ext uri="{FF2B5EF4-FFF2-40B4-BE49-F238E27FC236}">
-                <a16:creationId xmlns:a16="http://schemas.microsoft.com/office/drawing/2014/main" id="{098FA3C3-61CC-4A06-AF47-F024CCC1421D}"/>
+                <a16:creationId xmlns:a16="http://schemas.microsoft.com/office/drawing/2014/main" xmlns="" id="{098FA3C3-61CC-4A06-AF47-F024CCC1421D}"/>
               </a:ext>
             </a:extLst>
           </p:cNvPr>
@@ -859,7 +859,7 @@
               <a:rPr lang="ru-RU"/>
               <a:t>Пятый уровень</a:t>
             </a:r>
-            <a:endParaRPr lang="ru-BY"/>
+            <a:endParaRPr lang="x-none"/>
           </a:p>
         </p:txBody>
       </p:sp>
@@ -868,7 +868,7 @@
           <p:cNvPr id="4" name="Дата 3">
             <a:extLst>
               <a:ext uri="{FF2B5EF4-FFF2-40B4-BE49-F238E27FC236}">
-                <a16:creationId xmlns:a16="http://schemas.microsoft.com/office/drawing/2014/main" id="{ED902AF0-6F85-4F11-94D2-5008B6C494A2}"/>
+                <a16:creationId xmlns:a16="http://schemas.microsoft.com/office/drawing/2014/main" xmlns="" id="{ED902AF0-6F85-4F11-94D2-5008B6C494A2}"/>
               </a:ext>
             </a:extLst>
           </p:cNvPr>
@@ -886,7 +886,7 @@
           <a:p>
             <a:fld id="{B9E40912-773D-4C01-815F-02B5A41D867C}" type="datetimeFigureOut">
               <a:rPr lang="x-none" smtClean="0"/>
-              <a:t>24.12.2020</a:t>
+              <a:t>25.12.2020</a:t>
             </a:fld>
             <a:endParaRPr lang="x-none"/>
           </a:p>
@@ -897,7 +897,7 @@
           <p:cNvPr id="5" name="Нижний колонтитул 4">
             <a:extLst>
               <a:ext uri="{FF2B5EF4-FFF2-40B4-BE49-F238E27FC236}">
-                <a16:creationId xmlns:a16="http://schemas.microsoft.com/office/drawing/2014/main" id="{93B82F7F-7461-46FC-AF41-C4A5F885D864}"/>
+                <a16:creationId xmlns:a16="http://schemas.microsoft.com/office/drawing/2014/main" xmlns="" id="{93B82F7F-7461-46FC-AF41-C4A5F885D864}"/>
               </a:ext>
             </a:extLst>
           </p:cNvPr>
@@ -922,7 +922,7 @@
           <p:cNvPr id="6" name="Номер слайда 5">
             <a:extLst>
               <a:ext uri="{FF2B5EF4-FFF2-40B4-BE49-F238E27FC236}">
-                <a16:creationId xmlns:a16="http://schemas.microsoft.com/office/drawing/2014/main" id="{F09336CD-F4E1-43B8-9017-1ECC3965ABA3}"/>
+                <a16:creationId xmlns:a16="http://schemas.microsoft.com/office/drawing/2014/main" xmlns="" id="{F09336CD-F4E1-43B8-9017-1ECC3965ABA3}"/>
               </a:ext>
             </a:extLst>
           </p:cNvPr>
@@ -981,7 +981,7 @@
           <p:cNvPr id="2" name="Заголовок 1">
             <a:extLst>
               <a:ext uri="{FF2B5EF4-FFF2-40B4-BE49-F238E27FC236}">
-                <a16:creationId xmlns:a16="http://schemas.microsoft.com/office/drawing/2014/main" id="{0E2191CA-FAAF-463E-9452-21BF3A09918D}"/>
+                <a16:creationId xmlns:a16="http://schemas.microsoft.com/office/drawing/2014/main" xmlns="" id="{0E2191CA-FAAF-463E-9452-21BF3A09918D}"/>
               </a:ext>
             </a:extLst>
           </p:cNvPr>
@@ -1010,7 +1010,7 @@
               <a:rPr lang="ru-RU"/>
               <a:t>Образец заголовка</a:t>
             </a:r>
-            <a:endParaRPr lang="ru-BY"/>
+            <a:endParaRPr lang="x-none"/>
           </a:p>
         </p:txBody>
       </p:sp>
@@ -1019,7 +1019,7 @@
           <p:cNvPr id="3" name="Текст 2">
             <a:extLst>
               <a:ext uri="{FF2B5EF4-FFF2-40B4-BE49-F238E27FC236}">
-                <a16:creationId xmlns:a16="http://schemas.microsoft.com/office/drawing/2014/main" id="{F6ABAB5F-EE34-4E16-B471-3DD01ED6DC3E}"/>
+                <a16:creationId xmlns:a16="http://schemas.microsoft.com/office/drawing/2014/main" xmlns="" id="{F6ABAB5F-EE34-4E16-B471-3DD01ED6DC3E}"/>
               </a:ext>
             </a:extLst>
           </p:cNvPr>
@@ -1144,7 +1144,7 @@
           <p:cNvPr id="4" name="Дата 3">
             <a:extLst>
               <a:ext uri="{FF2B5EF4-FFF2-40B4-BE49-F238E27FC236}">
-                <a16:creationId xmlns:a16="http://schemas.microsoft.com/office/drawing/2014/main" id="{07B5B64D-323B-4B92-B19C-3195647FDDD2}"/>
+                <a16:creationId xmlns:a16="http://schemas.microsoft.com/office/drawing/2014/main" xmlns="" id="{07B5B64D-323B-4B92-B19C-3195647FDDD2}"/>
               </a:ext>
             </a:extLst>
           </p:cNvPr>
@@ -1162,7 +1162,7 @@
           <a:p>
             <a:fld id="{B9E40912-773D-4C01-815F-02B5A41D867C}" type="datetimeFigureOut">
               <a:rPr lang="x-none" smtClean="0"/>
-              <a:t>24.12.2020</a:t>
+              <a:t>25.12.2020</a:t>
             </a:fld>
             <a:endParaRPr lang="x-none"/>
           </a:p>
@@ -1173,7 +1173,7 @@
           <p:cNvPr id="5" name="Нижний колонтитул 4">
             <a:extLst>
               <a:ext uri="{FF2B5EF4-FFF2-40B4-BE49-F238E27FC236}">
-                <a16:creationId xmlns:a16="http://schemas.microsoft.com/office/drawing/2014/main" id="{68A5D02F-E780-45BB-A88D-704A3CCA576D}"/>
+                <a16:creationId xmlns:a16="http://schemas.microsoft.com/office/drawing/2014/main" xmlns="" id="{68A5D02F-E780-45BB-A88D-704A3CCA576D}"/>
               </a:ext>
             </a:extLst>
           </p:cNvPr>
@@ -1198,7 +1198,7 @@
           <p:cNvPr id="6" name="Номер слайда 5">
             <a:extLst>
               <a:ext uri="{FF2B5EF4-FFF2-40B4-BE49-F238E27FC236}">
-                <a16:creationId xmlns:a16="http://schemas.microsoft.com/office/drawing/2014/main" id="{37788349-F68C-4803-A647-3FC9A83E08B4}"/>
+                <a16:creationId xmlns:a16="http://schemas.microsoft.com/office/drawing/2014/main" xmlns="" id="{37788349-F68C-4803-A647-3FC9A83E08B4}"/>
               </a:ext>
             </a:extLst>
           </p:cNvPr>
@@ -1257,7 +1257,7 @@
           <p:cNvPr id="2" name="Заголовок 1">
             <a:extLst>
               <a:ext uri="{FF2B5EF4-FFF2-40B4-BE49-F238E27FC236}">
-                <a16:creationId xmlns:a16="http://schemas.microsoft.com/office/drawing/2014/main" id="{13D3028D-1AAD-4EE3-A9B7-268C5D8EB0E1}"/>
+                <a16:creationId xmlns:a16="http://schemas.microsoft.com/office/drawing/2014/main" xmlns="" id="{13D3028D-1AAD-4EE3-A9B7-268C5D8EB0E1}"/>
               </a:ext>
             </a:extLst>
           </p:cNvPr>
@@ -1277,7 +1277,7 @@
               <a:rPr lang="ru-RU"/>
               <a:t>Образец заголовка</a:t>
             </a:r>
-            <a:endParaRPr lang="ru-BY"/>
+            <a:endParaRPr lang="x-none"/>
           </a:p>
         </p:txBody>
       </p:sp>
@@ -1286,7 +1286,7 @@
           <p:cNvPr id="3" name="Объект 2">
             <a:extLst>
               <a:ext uri="{FF2B5EF4-FFF2-40B4-BE49-F238E27FC236}">
-                <a16:creationId xmlns:a16="http://schemas.microsoft.com/office/drawing/2014/main" id="{075CF01D-EEA4-47B0-B52B-13694B1EC15A}"/>
+                <a16:creationId xmlns:a16="http://schemas.microsoft.com/office/drawing/2014/main" xmlns="" id="{075CF01D-EEA4-47B0-B52B-13694B1EC15A}"/>
               </a:ext>
             </a:extLst>
           </p:cNvPr>
@@ -1340,7 +1340,7 @@
               <a:rPr lang="ru-RU"/>
               <a:t>Пятый уровень</a:t>
             </a:r>
-            <a:endParaRPr lang="ru-BY"/>
+            <a:endParaRPr lang="x-none"/>
           </a:p>
         </p:txBody>
       </p:sp>
@@ -1349,7 +1349,7 @@
           <p:cNvPr id="4" name="Объект 3">
             <a:extLst>
               <a:ext uri="{FF2B5EF4-FFF2-40B4-BE49-F238E27FC236}">
-                <a16:creationId xmlns:a16="http://schemas.microsoft.com/office/drawing/2014/main" id="{91A75FF5-7B23-425D-A77D-309823C4163A}"/>
+                <a16:creationId xmlns:a16="http://schemas.microsoft.com/office/drawing/2014/main" xmlns="" id="{91A75FF5-7B23-425D-A77D-309823C4163A}"/>
               </a:ext>
             </a:extLst>
           </p:cNvPr>
@@ -1403,7 +1403,7 @@
               <a:rPr lang="ru-RU"/>
               <a:t>Пятый уровень</a:t>
             </a:r>
-            <a:endParaRPr lang="ru-BY"/>
+            <a:endParaRPr lang="x-none"/>
           </a:p>
         </p:txBody>
       </p:sp>
@@ -1412,7 +1412,7 @@
           <p:cNvPr id="5" name="Дата 4">
             <a:extLst>
               <a:ext uri="{FF2B5EF4-FFF2-40B4-BE49-F238E27FC236}">
-                <a16:creationId xmlns:a16="http://schemas.microsoft.com/office/drawing/2014/main" id="{B3A58082-658E-4C70-A20F-4EFBDFA0EEEE}"/>
+                <a16:creationId xmlns:a16="http://schemas.microsoft.com/office/drawing/2014/main" xmlns="" id="{B3A58082-658E-4C70-A20F-4EFBDFA0EEEE}"/>
               </a:ext>
             </a:extLst>
           </p:cNvPr>
@@ -1430,7 +1430,7 @@
           <a:p>
             <a:fld id="{B9E40912-773D-4C01-815F-02B5A41D867C}" type="datetimeFigureOut">
               <a:rPr lang="x-none" smtClean="0"/>
-              <a:t>24.12.2020</a:t>
+              <a:t>25.12.2020</a:t>
             </a:fld>
             <a:endParaRPr lang="x-none"/>
           </a:p>
@@ -1441,7 +1441,7 @@
           <p:cNvPr id="6" name="Нижний колонтитул 5">
             <a:extLst>
               <a:ext uri="{FF2B5EF4-FFF2-40B4-BE49-F238E27FC236}">
-                <a16:creationId xmlns:a16="http://schemas.microsoft.com/office/drawing/2014/main" id="{25466CF4-32C8-4D50-A5D0-324D717B17D9}"/>
+                <a16:creationId xmlns:a16="http://schemas.microsoft.com/office/drawing/2014/main" xmlns="" id="{25466CF4-32C8-4D50-A5D0-324D717B17D9}"/>
               </a:ext>
             </a:extLst>
           </p:cNvPr>
@@ -1466,7 +1466,7 @@
           <p:cNvPr id="7" name="Номер слайда 6">
             <a:extLst>
               <a:ext uri="{FF2B5EF4-FFF2-40B4-BE49-F238E27FC236}">
-                <a16:creationId xmlns:a16="http://schemas.microsoft.com/office/drawing/2014/main" id="{39246754-6639-4E8D-96C7-894C502D2E57}"/>
+                <a16:creationId xmlns:a16="http://schemas.microsoft.com/office/drawing/2014/main" xmlns="" id="{39246754-6639-4E8D-96C7-894C502D2E57}"/>
               </a:ext>
             </a:extLst>
           </p:cNvPr>
@@ -1525,7 +1525,7 @@
           <p:cNvPr id="2" name="Заголовок 1">
             <a:extLst>
               <a:ext uri="{FF2B5EF4-FFF2-40B4-BE49-F238E27FC236}">
-                <a16:creationId xmlns:a16="http://schemas.microsoft.com/office/drawing/2014/main" id="{7DF94354-AF37-4059-858E-8381679DF0B2}"/>
+                <a16:creationId xmlns:a16="http://schemas.microsoft.com/office/drawing/2014/main" xmlns="" id="{7DF94354-AF37-4059-858E-8381679DF0B2}"/>
               </a:ext>
             </a:extLst>
           </p:cNvPr>
@@ -1550,7 +1550,7 @@
               <a:rPr lang="ru-RU"/>
               <a:t>Образец заголовка</a:t>
             </a:r>
-            <a:endParaRPr lang="ru-BY"/>
+            <a:endParaRPr lang="x-none"/>
           </a:p>
         </p:txBody>
       </p:sp>
@@ -1559,7 +1559,7 @@
           <p:cNvPr id="3" name="Текст 2">
             <a:extLst>
               <a:ext uri="{FF2B5EF4-FFF2-40B4-BE49-F238E27FC236}">
-                <a16:creationId xmlns:a16="http://schemas.microsoft.com/office/drawing/2014/main" id="{A56DA616-46C1-45AD-8CF5-4722C674456B}"/>
+                <a16:creationId xmlns:a16="http://schemas.microsoft.com/office/drawing/2014/main" xmlns="" id="{A56DA616-46C1-45AD-8CF5-4722C674456B}"/>
               </a:ext>
             </a:extLst>
           </p:cNvPr>
@@ -1630,7 +1630,7 @@
           <p:cNvPr id="4" name="Объект 3">
             <a:extLst>
               <a:ext uri="{FF2B5EF4-FFF2-40B4-BE49-F238E27FC236}">
-                <a16:creationId xmlns:a16="http://schemas.microsoft.com/office/drawing/2014/main" id="{89785EA9-5841-47DE-9096-5B4DFF52C4C6}"/>
+                <a16:creationId xmlns:a16="http://schemas.microsoft.com/office/drawing/2014/main" xmlns="" id="{89785EA9-5841-47DE-9096-5B4DFF52C4C6}"/>
               </a:ext>
             </a:extLst>
           </p:cNvPr>
@@ -1684,7 +1684,7 @@
               <a:rPr lang="ru-RU"/>
               <a:t>Пятый уровень</a:t>
             </a:r>
-            <a:endParaRPr lang="ru-BY"/>
+            <a:endParaRPr lang="x-none"/>
           </a:p>
         </p:txBody>
       </p:sp>
@@ -1693,7 +1693,7 @@
           <p:cNvPr id="5" name="Текст 4">
             <a:extLst>
               <a:ext uri="{FF2B5EF4-FFF2-40B4-BE49-F238E27FC236}">
-                <a16:creationId xmlns:a16="http://schemas.microsoft.com/office/drawing/2014/main" id="{2CF1AF15-586F-43DF-9143-BEF1708470C1}"/>
+                <a16:creationId xmlns:a16="http://schemas.microsoft.com/office/drawing/2014/main" xmlns="" id="{2CF1AF15-586F-43DF-9143-BEF1708470C1}"/>
               </a:ext>
             </a:extLst>
           </p:cNvPr>
@@ -1764,7 +1764,7 @@
           <p:cNvPr id="6" name="Объект 5">
             <a:extLst>
               <a:ext uri="{FF2B5EF4-FFF2-40B4-BE49-F238E27FC236}">
-                <a16:creationId xmlns:a16="http://schemas.microsoft.com/office/drawing/2014/main" id="{F17A1C78-731F-4AE4-BF02-7A1FC6A941F2}"/>
+                <a16:creationId xmlns:a16="http://schemas.microsoft.com/office/drawing/2014/main" xmlns="" id="{F17A1C78-731F-4AE4-BF02-7A1FC6A941F2}"/>
               </a:ext>
             </a:extLst>
           </p:cNvPr>
@@ -1818,7 +1818,7 @@
               <a:rPr lang="ru-RU"/>
               <a:t>Пятый уровень</a:t>
             </a:r>
-            <a:endParaRPr lang="ru-BY"/>
+            <a:endParaRPr lang="x-none"/>
           </a:p>
         </p:txBody>
       </p:sp>
@@ -1827,7 +1827,7 @@
           <p:cNvPr id="7" name="Дата 6">
             <a:extLst>
               <a:ext uri="{FF2B5EF4-FFF2-40B4-BE49-F238E27FC236}">
-                <a16:creationId xmlns:a16="http://schemas.microsoft.com/office/drawing/2014/main" id="{473FA593-4955-42F1-B8EB-9EDF5B0ED238}"/>
+                <a16:creationId xmlns:a16="http://schemas.microsoft.com/office/drawing/2014/main" xmlns="" id="{473FA593-4955-42F1-B8EB-9EDF5B0ED238}"/>
               </a:ext>
             </a:extLst>
           </p:cNvPr>
@@ -1845,7 +1845,7 @@
           <a:p>
             <a:fld id="{B9E40912-773D-4C01-815F-02B5A41D867C}" type="datetimeFigureOut">
               <a:rPr lang="x-none" smtClean="0"/>
-              <a:t>24.12.2020</a:t>
+              <a:t>25.12.2020</a:t>
             </a:fld>
             <a:endParaRPr lang="x-none"/>
           </a:p>
@@ -1856,7 +1856,7 @@
           <p:cNvPr id="8" name="Нижний колонтитул 7">
             <a:extLst>
               <a:ext uri="{FF2B5EF4-FFF2-40B4-BE49-F238E27FC236}">
-                <a16:creationId xmlns:a16="http://schemas.microsoft.com/office/drawing/2014/main" id="{19C00525-0CFC-4988-8731-71DF9C062DB8}"/>
+                <a16:creationId xmlns:a16="http://schemas.microsoft.com/office/drawing/2014/main" xmlns="" id="{19C00525-0CFC-4988-8731-71DF9C062DB8}"/>
               </a:ext>
             </a:extLst>
           </p:cNvPr>
@@ -1881,7 +1881,7 @@
           <p:cNvPr id="9" name="Номер слайда 8">
             <a:extLst>
               <a:ext uri="{FF2B5EF4-FFF2-40B4-BE49-F238E27FC236}">
-                <a16:creationId xmlns:a16="http://schemas.microsoft.com/office/drawing/2014/main" id="{9032A76D-46A8-4B2B-8B6E-8859F90C7533}"/>
+                <a16:creationId xmlns:a16="http://schemas.microsoft.com/office/drawing/2014/main" xmlns="" id="{9032A76D-46A8-4B2B-8B6E-8859F90C7533}"/>
               </a:ext>
             </a:extLst>
           </p:cNvPr>
@@ -1940,7 +1940,7 @@
           <p:cNvPr id="2" name="Заголовок 1">
             <a:extLst>
               <a:ext uri="{FF2B5EF4-FFF2-40B4-BE49-F238E27FC236}">
-                <a16:creationId xmlns:a16="http://schemas.microsoft.com/office/drawing/2014/main" id="{CAD763F2-180F-4AD4-858A-077BF3BFA023}"/>
+                <a16:creationId xmlns:a16="http://schemas.microsoft.com/office/drawing/2014/main" xmlns="" id="{CAD763F2-180F-4AD4-858A-077BF3BFA023}"/>
               </a:ext>
             </a:extLst>
           </p:cNvPr>
@@ -1960,7 +1960,7 @@
               <a:rPr lang="ru-RU"/>
               <a:t>Образец заголовка</a:t>
             </a:r>
-            <a:endParaRPr lang="ru-BY"/>
+            <a:endParaRPr lang="x-none"/>
           </a:p>
         </p:txBody>
       </p:sp>
@@ -1969,7 +1969,7 @@
           <p:cNvPr id="3" name="Дата 2">
             <a:extLst>
               <a:ext uri="{FF2B5EF4-FFF2-40B4-BE49-F238E27FC236}">
-                <a16:creationId xmlns:a16="http://schemas.microsoft.com/office/drawing/2014/main" id="{CAF3FF68-6D8F-4C2F-8F8E-345FA62DD145}"/>
+                <a16:creationId xmlns:a16="http://schemas.microsoft.com/office/drawing/2014/main" xmlns="" id="{CAF3FF68-6D8F-4C2F-8F8E-345FA62DD145}"/>
               </a:ext>
             </a:extLst>
           </p:cNvPr>
@@ -1987,7 +1987,7 @@
           <a:p>
             <a:fld id="{B9E40912-773D-4C01-815F-02B5A41D867C}" type="datetimeFigureOut">
               <a:rPr lang="x-none" smtClean="0"/>
-              <a:t>24.12.2020</a:t>
+              <a:t>25.12.2020</a:t>
             </a:fld>
             <a:endParaRPr lang="x-none"/>
           </a:p>
@@ -1998,7 +1998,7 @@
           <p:cNvPr id="4" name="Нижний колонтитул 3">
             <a:extLst>
               <a:ext uri="{FF2B5EF4-FFF2-40B4-BE49-F238E27FC236}">
-                <a16:creationId xmlns:a16="http://schemas.microsoft.com/office/drawing/2014/main" id="{B593FACB-6E9A-4957-806D-21C83575B6B0}"/>
+                <a16:creationId xmlns:a16="http://schemas.microsoft.com/office/drawing/2014/main" xmlns="" id="{B593FACB-6E9A-4957-806D-21C83575B6B0}"/>
               </a:ext>
             </a:extLst>
           </p:cNvPr>
@@ -2023,7 +2023,7 @@
           <p:cNvPr id="5" name="Номер слайда 4">
             <a:extLst>
               <a:ext uri="{FF2B5EF4-FFF2-40B4-BE49-F238E27FC236}">
-                <a16:creationId xmlns:a16="http://schemas.microsoft.com/office/drawing/2014/main" id="{E8F3534E-2C5C-454D-9003-28D75BBC9EB9}"/>
+                <a16:creationId xmlns:a16="http://schemas.microsoft.com/office/drawing/2014/main" xmlns="" id="{E8F3534E-2C5C-454D-9003-28D75BBC9EB9}"/>
               </a:ext>
             </a:extLst>
           </p:cNvPr>
@@ -2082,7 +2082,7 @@
           <p:cNvPr id="2" name="Дата 1">
             <a:extLst>
               <a:ext uri="{FF2B5EF4-FFF2-40B4-BE49-F238E27FC236}">
-                <a16:creationId xmlns:a16="http://schemas.microsoft.com/office/drawing/2014/main" id="{5904461B-908C-4C87-B202-E9438B53767F}"/>
+                <a16:creationId xmlns:a16="http://schemas.microsoft.com/office/drawing/2014/main" xmlns="" id="{5904461B-908C-4C87-B202-E9438B53767F}"/>
               </a:ext>
             </a:extLst>
           </p:cNvPr>
@@ -2100,7 +2100,7 @@
           <a:p>
             <a:fld id="{B9E40912-773D-4C01-815F-02B5A41D867C}" type="datetimeFigureOut">
               <a:rPr lang="x-none" smtClean="0"/>
-              <a:t>24.12.2020</a:t>
+              <a:t>25.12.2020</a:t>
             </a:fld>
             <a:endParaRPr lang="x-none"/>
           </a:p>
@@ -2111,7 +2111,7 @@
           <p:cNvPr id="3" name="Нижний колонтитул 2">
             <a:extLst>
               <a:ext uri="{FF2B5EF4-FFF2-40B4-BE49-F238E27FC236}">
-                <a16:creationId xmlns:a16="http://schemas.microsoft.com/office/drawing/2014/main" id="{F07A795F-47EE-42D4-962F-02B63C3C2F04}"/>
+                <a16:creationId xmlns:a16="http://schemas.microsoft.com/office/drawing/2014/main" xmlns="" id="{F07A795F-47EE-42D4-962F-02B63C3C2F04}"/>
               </a:ext>
             </a:extLst>
           </p:cNvPr>
@@ -2136,7 +2136,7 @@
           <p:cNvPr id="4" name="Номер слайда 3">
             <a:extLst>
               <a:ext uri="{FF2B5EF4-FFF2-40B4-BE49-F238E27FC236}">
-                <a16:creationId xmlns:a16="http://schemas.microsoft.com/office/drawing/2014/main" id="{CEC2BF09-8F9F-47F5-A458-C72F37F4C63E}"/>
+                <a16:creationId xmlns:a16="http://schemas.microsoft.com/office/drawing/2014/main" xmlns="" id="{CEC2BF09-8F9F-47F5-A458-C72F37F4C63E}"/>
               </a:ext>
             </a:extLst>
           </p:cNvPr>
@@ -2195,7 +2195,7 @@
           <p:cNvPr id="2" name="Заголовок 1">
             <a:extLst>
               <a:ext uri="{FF2B5EF4-FFF2-40B4-BE49-F238E27FC236}">
-                <a16:creationId xmlns:a16="http://schemas.microsoft.com/office/drawing/2014/main" id="{97981233-AF54-4FBB-818C-B906FF0DFA7B}"/>
+                <a16:creationId xmlns:a16="http://schemas.microsoft.com/office/drawing/2014/main" xmlns="" id="{97981233-AF54-4FBB-818C-B906FF0DFA7B}"/>
               </a:ext>
             </a:extLst>
           </p:cNvPr>
@@ -2224,7 +2224,7 @@
               <a:rPr lang="ru-RU"/>
               <a:t>Образец заголовка</a:t>
             </a:r>
-            <a:endParaRPr lang="ru-BY"/>
+            <a:endParaRPr lang="x-none"/>
           </a:p>
         </p:txBody>
       </p:sp>
@@ -2233,7 +2233,7 @@
           <p:cNvPr id="3" name="Объект 2">
             <a:extLst>
               <a:ext uri="{FF2B5EF4-FFF2-40B4-BE49-F238E27FC236}">
-                <a16:creationId xmlns:a16="http://schemas.microsoft.com/office/drawing/2014/main" id="{6815CE52-472A-4C7C-A58C-374DE0E8FEA7}"/>
+                <a16:creationId xmlns:a16="http://schemas.microsoft.com/office/drawing/2014/main" xmlns="" id="{6815CE52-472A-4C7C-A58C-374DE0E8FEA7}"/>
               </a:ext>
             </a:extLst>
           </p:cNvPr>
@@ -2315,7 +2315,7 @@
               <a:rPr lang="ru-RU"/>
               <a:t>Пятый уровень</a:t>
             </a:r>
-            <a:endParaRPr lang="ru-BY"/>
+            <a:endParaRPr lang="x-none"/>
           </a:p>
         </p:txBody>
       </p:sp>
@@ -2324,7 +2324,7 @@
           <p:cNvPr id="4" name="Текст 3">
             <a:extLst>
               <a:ext uri="{FF2B5EF4-FFF2-40B4-BE49-F238E27FC236}">
-                <a16:creationId xmlns:a16="http://schemas.microsoft.com/office/drawing/2014/main" id="{816D28A1-93FF-48D0-A6FD-3D4FDCAA6519}"/>
+                <a16:creationId xmlns:a16="http://schemas.microsoft.com/office/drawing/2014/main" xmlns="" id="{816D28A1-93FF-48D0-A6FD-3D4FDCAA6519}"/>
               </a:ext>
             </a:extLst>
           </p:cNvPr>
@@ -2395,7 +2395,7 @@
           <p:cNvPr id="5" name="Дата 4">
             <a:extLst>
               <a:ext uri="{FF2B5EF4-FFF2-40B4-BE49-F238E27FC236}">
-                <a16:creationId xmlns:a16="http://schemas.microsoft.com/office/drawing/2014/main" id="{422AFC7C-89C6-4E7A-A186-F9EB29FD38F1}"/>
+                <a16:creationId xmlns:a16="http://schemas.microsoft.com/office/drawing/2014/main" xmlns="" id="{422AFC7C-89C6-4E7A-A186-F9EB29FD38F1}"/>
               </a:ext>
             </a:extLst>
           </p:cNvPr>
@@ -2413,7 +2413,7 @@
           <a:p>
             <a:fld id="{B9E40912-773D-4C01-815F-02B5A41D867C}" type="datetimeFigureOut">
               <a:rPr lang="x-none" smtClean="0"/>
-              <a:t>24.12.2020</a:t>
+              <a:t>25.12.2020</a:t>
             </a:fld>
             <a:endParaRPr lang="x-none"/>
           </a:p>
@@ -2424,7 +2424,7 @@
           <p:cNvPr id="6" name="Нижний колонтитул 5">
             <a:extLst>
               <a:ext uri="{FF2B5EF4-FFF2-40B4-BE49-F238E27FC236}">
-                <a16:creationId xmlns:a16="http://schemas.microsoft.com/office/drawing/2014/main" id="{23A09B67-338A-42D5-A152-C5BFB4F59F14}"/>
+                <a16:creationId xmlns:a16="http://schemas.microsoft.com/office/drawing/2014/main" xmlns="" id="{23A09B67-338A-42D5-A152-C5BFB4F59F14}"/>
               </a:ext>
             </a:extLst>
           </p:cNvPr>
@@ -2449,7 +2449,7 @@
           <p:cNvPr id="7" name="Номер слайда 6">
             <a:extLst>
               <a:ext uri="{FF2B5EF4-FFF2-40B4-BE49-F238E27FC236}">
-                <a16:creationId xmlns:a16="http://schemas.microsoft.com/office/drawing/2014/main" id="{F2F009DB-80B1-453E-B7CA-C0CF83CD90CC}"/>
+                <a16:creationId xmlns:a16="http://schemas.microsoft.com/office/drawing/2014/main" xmlns="" id="{F2F009DB-80B1-453E-B7CA-C0CF83CD90CC}"/>
               </a:ext>
             </a:extLst>
           </p:cNvPr>
@@ -2508,7 +2508,7 @@
           <p:cNvPr id="2" name="Заголовок 1">
             <a:extLst>
               <a:ext uri="{FF2B5EF4-FFF2-40B4-BE49-F238E27FC236}">
-                <a16:creationId xmlns:a16="http://schemas.microsoft.com/office/drawing/2014/main" id="{737EF785-BD4E-4784-AA62-EBC9B784F984}"/>
+                <a16:creationId xmlns:a16="http://schemas.microsoft.com/office/drawing/2014/main" xmlns="" id="{737EF785-BD4E-4784-AA62-EBC9B784F984}"/>
               </a:ext>
             </a:extLst>
           </p:cNvPr>
@@ -2537,7 +2537,7 @@
               <a:rPr lang="ru-RU"/>
               <a:t>Образец заголовка</a:t>
             </a:r>
-            <a:endParaRPr lang="ru-BY"/>
+            <a:endParaRPr lang="x-none"/>
           </a:p>
         </p:txBody>
       </p:sp>
@@ -2546,7 +2546,7 @@
           <p:cNvPr id="3" name="Рисунок 2">
             <a:extLst>
               <a:ext uri="{FF2B5EF4-FFF2-40B4-BE49-F238E27FC236}">
-                <a16:creationId xmlns:a16="http://schemas.microsoft.com/office/drawing/2014/main" id="{715EC331-8DDF-44DC-A185-6612B9EFEE56}"/>
+                <a16:creationId xmlns:a16="http://schemas.microsoft.com/office/drawing/2014/main" xmlns="" id="{715EC331-8DDF-44DC-A185-6612B9EFEE56}"/>
               </a:ext>
             </a:extLst>
           </p:cNvPr>
@@ -2604,7 +2604,7 @@
             </a:lvl9pPr>
           </a:lstStyle>
           <a:p>
-            <a:endParaRPr lang="ru-BY"/>
+            <a:endParaRPr lang="x-none"/>
           </a:p>
         </p:txBody>
       </p:sp>
@@ -2613,7 +2613,7 @@
           <p:cNvPr id="4" name="Текст 3">
             <a:extLst>
               <a:ext uri="{FF2B5EF4-FFF2-40B4-BE49-F238E27FC236}">
-                <a16:creationId xmlns:a16="http://schemas.microsoft.com/office/drawing/2014/main" id="{66CFC18A-6901-41FD-97C8-EE0769080870}"/>
+                <a16:creationId xmlns:a16="http://schemas.microsoft.com/office/drawing/2014/main" xmlns="" id="{66CFC18A-6901-41FD-97C8-EE0769080870}"/>
               </a:ext>
             </a:extLst>
           </p:cNvPr>
@@ -2684,7 +2684,7 @@
           <p:cNvPr id="5" name="Дата 4">
             <a:extLst>
               <a:ext uri="{FF2B5EF4-FFF2-40B4-BE49-F238E27FC236}">
-                <a16:creationId xmlns:a16="http://schemas.microsoft.com/office/drawing/2014/main" id="{3CFC329F-4169-4115-8EE4-DAE1F005528A}"/>
+                <a16:creationId xmlns:a16="http://schemas.microsoft.com/office/drawing/2014/main" xmlns="" id="{3CFC329F-4169-4115-8EE4-DAE1F005528A}"/>
               </a:ext>
             </a:extLst>
           </p:cNvPr>
@@ -2702,7 +2702,7 @@
           <a:p>
             <a:fld id="{B9E40912-773D-4C01-815F-02B5A41D867C}" type="datetimeFigureOut">
               <a:rPr lang="x-none" smtClean="0"/>
-              <a:t>24.12.2020</a:t>
+              <a:t>25.12.2020</a:t>
             </a:fld>
             <a:endParaRPr lang="x-none"/>
           </a:p>
@@ -2713,7 +2713,7 @@
           <p:cNvPr id="6" name="Нижний колонтитул 5">
             <a:extLst>
               <a:ext uri="{FF2B5EF4-FFF2-40B4-BE49-F238E27FC236}">
-                <a16:creationId xmlns:a16="http://schemas.microsoft.com/office/drawing/2014/main" id="{346B64C3-A31F-46DB-8FC3-3648D3B7CA94}"/>
+                <a16:creationId xmlns:a16="http://schemas.microsoft.com/office/drawing/2014/main" xmlns="" id="{346B64C3-A31F-46DB-8FC3-3648D3B7CA94}"/>
               </a:ext>
             </a:extLst>
           </p:cNvPr>
@@ -2738,7 +2738,7 @@
           <p:cNvPr id="7" name="Номер слайда 6">
             <a:extLst>
               <a:ext uri="{FF2B5EF4-FFF2-40B4-BE49-F238E27FC236}">
-                <a16:creationId xmlns:a16="http://schemas.microsoft.com/office/drawing/2014/main" id="{581AD189-3CF9-473A-89F0-A9C0164C372D}"/>
+                <a16:creationId xmlns:a16="http://schemas.microsoft.com/office/drawing/2014/main" xmlns="" id="{581AD189-3CF9-473A-89F0-A9C0164C372D}"/>
               </a:ext>
             </a:extLst>
           </p:cNvPr>
@@ -2802,7 +2802,7 @@
           <p:cNvPr id="2" name="Заголовок 1">
             <a:extLst>
               <a:ext uri="{FF2B5EF4-FFF2-40B4-BE49-F238E27FC236}">
-                <a16:creationId xmlns:a16="http://schemas.microsoft.com/office/drawing/2014/main" id="{3382965C-7024-46A5-8044-CACFE07DB499}"/>
+                <a16:creationId xmlns:a16="http://schemas.microsoft.com/office/drawing/2014/main" xmlns="" id="{3382965C-7024-46A5-8044-CACFE07DB499}"/>
               </a:ext>
             </a:extLst>
           </p:cNvPr>
@@ -2832,7 +2832,7 @@
               <a:rPr lang="ru-RU"/>
               <a:t>Образец заголовка</a:t>
             </a:r>
-            <a:endParaRPr lang="ru-BY"/>
+            <a:endParaRPr lang="x-none"/>
           </a:p>
         </p:txBody>
       </p:sp>
@@ -2841,7 +2841,7 @@
           <p:cNvPr id="3" name="Текст 2">
             <a:extLst>
               <a:ext uri="{FF2B5EF4-FFF2-40B4-BE49-F238E27FC236}">
-                <a16:creationId xmlns:a16="http://schemas.microsoft.com/office/drawing/2014/main" id="{50293943-AE45-4FED-B8F8-3F68A9C85424}"/>
+                <a16:creationId xmlns:a16="http://schemas.microsoft.com/office/drawing/2014/main" xmlns="" id="{50293943-AE45-4FED-B8F8-3F68A9C85424}"/>
               </a:ext>
             </a:extLst>
           </p:cNvPr>
@@ -2900,7 +2900,7 @@
               <a:rPr lang="ru-RU"/>
               <a:t>Пятый уровень</a:t>
             </a:r>
-            <a:endParaRPr lang="ru-BY"/>
+            <a:endParaRPr lang="x-none"/>
           </a:p>
         </p:txBody>
       </p:sp>
@@ -2909,7 +2909,7 @@
           <p:cNvPr id="4" name="Дата 3">
             <a:extLst>
               <a:ext uri="{FF2B5EF4-FFF2-40B4-BE49-F238E27FC236}">
-                <a16:creationId xmlns:a16="http://schemas.microsoft.com/office/drawing/2014/main" id="{EC974E58-A5DC-4DE1-82A2-E71E3D5DFC94}"/>
+                <a16:creationId xmlns:a16="http://schemas.microsoft.com/office/drawing/2014/main" xmlns="" id="{EC974E58-A5DC-4DE1-82A2-E71E3D5DFC94}"/>
               </a:ext>
             </a:extLst>
           </p:cNvPr>
@@ -2945,7 +2945,7 @@
           <a:p>
             <a:fld id="{B9E40912-773D-4C01-815F-02B5A41D867C}" type="datetimeFigureOut">
               <a:rPr lang="x-none" smtClean="0"/>
-              <a:t>24.12.2020</a:t>
+              <a:t>25.12.2020</a:t>
             </a:fld>
             <a:endParaRPr lang="x-none"/>
           </a:p>
@@ -2956,7 +2956,7 @@
           <p:cNvPr id="5" name="Нижний колонтитул 4">
             <a:extLst>
               <a:ext uri="{FF2B5EF4-FFF2-40B4-BE49-F238E27FC236}">
-                <a16:creationId xmlns:a16="http://schemas.microsoft.com/office/drawing/2014/main" id="{AEE4BE9B-67B7-4CFE-8F54-67C5A628DFF3}"/>
+                <a16:creationId xmlns:a16="http://schemas.microsoft.com/office/drawing/2014/main" xmlns="" id="{AEE4BE9B-67B7-4CFE-8F54-67C5A628DFF3}"/>
               </a:ext>
             </a:extLst>
           </p:cNvPr>
@@ -2999,7 +2999,7 @@
           <p:cNvPr id="6" name="Номер слайда 5">
             <a:extLst>
               <a:ext uri="{FF2B5EF4-FFF2-40B4-BE49-F238E27FC236}">
-                <a16:creationId xmlns:a16="http://schemas.microsoft.com/office/drawing/2014/main" id="{EE6D1371-D084-45B3-8B81-8EBD3DEEEC3E}"/>
+                <a16:creationId xmlns:a16="http://schemas.microsoft.com/office/drawing/2014/main" xmlns="" id="{EE6D1371-D084-45B3-8B81-8EBD3DEEEC3E}"/>
               </a:ext>
             </a:extLst>
           </p:cNvPr>
@@ -3248,7 +3248,7 @@
     </p:bodyStyle>
     <p:otherStyle>
       <a:defPPr>
-        <a:defRPr lang="ru-BY"/>
+        <a:defRPr lang="x-none"/>
       </a:defPPr>
       <a:lvl1pPr marL="0" algn="l" defTabSz="914400" rtl="0" eaLnBrk="1" latinLnBrk="0" hangingPunct="1">
         <a:defRPr sz="1800" kern="1200">
@@ -3367,7 +3367,7 @@
           <p:cNvPr id="2" name="Заголовок 1">
             <a:extLst>
               <a:ext uri="{FF2B5EF4-FFF2-40B4-BE49-F238E27FC236}">
-                <a16:creationId xmlns:a16="http://schemas.microsoft.com/office/drawing/2014/main" id="{5D34D5AB-D328-45F9-8CED-A85C8EA793E1}"/>
+                <a16:creationId xmlns:a16="http://schemas.microsoft.com/office/drawing/2014/main" xmlns="" id="{5D34D5AB-D328-45F9-8CED-A85C8EA793E1}"/>
               </a:ext>
             </a:extLst>
           </p:cNvPr>
@@ -3452,7 +3452,7 @@
           <p:cNvPr id="5" name="AutoShape 2" descr="Multirate Signal Processing Using multirate_helper — scikit-dsp-comm 1.2.0  documentation">
             <a:extLst>
               <a:ext uri="{FF2B5EF4-FFF2-40B4-BE49-F238E27FC236}">
-                <a16:creationId xmlns:a16="http://schemas.microsoft.com/office/drawing/2014/main" id="{5FC297A1-153E-40F4-863A-0B94BC97A2AA}"/>
+                <a16:creationId xmlns:a16="http://schemas.microsoft.com/office/drawing/2014/main" xmlns="" id="{5FC297A1-153E-40F4-863A-0B94BC97A2AA}"/>
               </a:ext>
             </a:extLst>
           </p:cNvPr>
@@ -3488,7 +3488,7 @@
           </a:bodyPr>
           <a:lstStyle/>
           <a:p>
-            <a:endParaRPr lang="ru-BY"/>
+            <a:endParaRPr lang="x-none"/>
           </a:p>
         </p:txBody>
       </p:sp>
@@ -3497,7 +3497,7 @@
           <p:cNvPr id="2050" name="Picture 2" descr="It is not too late to learn FPGA: Getting Started with programmable logic -  Atadiat">
             <a:extLst>
               <a:ext uri="{FF2B5EF4-FFF2-40B4-BE49-F238E27FC236}">
-                <a16:creationId xmlns:a16="http://schemas.microsoft.com/office/drawing/2014/main" id="{46A6BFA5-9DA6-466F-B3D7-3CDFAA099364}"/>
+                <a16:creationId xmlns:a16="http://schemas.microsoft.com/office/drawing/2014/main" xmlns="" id="{46A6BFA5-9DA6-466F-B3D7-3CDFAA099364}"/>
               </a:ext>
             </a:extLst>
           </p:cNvPr>
@@ -3651,32 +3651,56 @@
       </p:sp>
       <p:pic>
         <p:nvPicPr>
-          <p:cNvPr id="4" name="Рисунок 3">
-            <a:extLst>
-              <a:ext uri="{FF2B5EF4-FFF2-40B4-BE49-F238E27FC236}">
-                <a16:creationId xmlns:a16="http://schemas.microsoft.com/office/drawing/2014/main" id="{1181600A-FE5C-43EE-8168-2D798EB82081}"/>
-              </a:ext>
-            </a:extLst>
-          </p:cNvPr>
+          <p:cNvPr id="2050" name="Picture 2"/>
           <p:cNvPicPr>
-            <a:picLocks noChangeAspect="1"/>
+            <a:picLocks noChangeAspect="1" noChangeArrowheads="1"/>
           </p:cNvPicPr>
           <p:nvPr/>
         </p:nvPicPr>
         <p:blipFill>
-          <a:blip r:embed="rId2"/>
+          <a:blip r:embed="rId2">
+            <a:extLst>
+              <a:ext uri="{28A0092B-C50C-407E-A947-70E740481C1C}">
+                <a14:useLocalDpi xmlns:a14="http://schemas.microsoft.com/office/drawing/2010/main" val="0"/>
+              </a:ext>
+            </a:extLst>
+          </a:blip>
+          <a:srcRect/>
           <a:stretch>
             <a:fillRect/>
           </a:stretch>
         </p:blipFill>
-        <p:spPr>
+        <p:spPr bwMode="auto">
           <a:xfrm>
-            <a:off x="1354475" y="1670578"/>
-            <a:ext cx="10212090" cy="4816716"/>
+            <a:off x="1014413" y="2011045"/>
+            <a:ext cx="10163175" cy="3790950"/>
           </a:xfrm>
           <a:prstGeom prst="rect">
             <a:avLst/>
           </a:prstGeom>
+          <a:noFill/>
+          <a:ln>
+            <a:noFill/>
+          </a:ln>
+          <a:extLst>
+            <a:ext uri="{909E8E84-426E-40DD-AFC4-6F175D3DCCD1}">
+              <a14:hiddenFill xmlns:a14="http://schemas.microsoft.com/office/drawing/2010/main">
+                <a:solidFill>
+                  <a:schemeClr val="accent1"/>
+                </a:solidFill>
+              </a14:hiddenFill>
+            </a:ext>
+            <a:ext uri="{91240B29-F687-4F45-9708-019B960494DF}">
+              <a14:hiddenLine xmlns:a14="http://schemas.microsoft.com/office/drawing/2010/main" w="9525">
+                <a:solidFill>
+                  <a:schemeClr val="tx1"/>
+                </a:solidFill>
+                <a:miter lim="800000"/>
+                <a:headEnd/>
+                <a:tailEnd/>
+              </a14:hiddenLine>
+            </a:ext>
+          </a:extLst>
         </p:spPr>
       </p:pic>
     </p:spTree>
@@ -3714,7 +3738,7 @@
           <p:cNvPr id="2" name="Заголовок 1">
             <a:extLst>
               <a:ext uri="{FF2B5EF4-FFF2-40B4-BE49-F238E27FC236}">
-                <a16:creationId xmlns:a16="http://schemas.microsoft.com/office/drawing/2014/main" id="{67F20F10-B46F-4E07-8FAE-CA55E386821F}"/>
+                <a16:creationId xmlns:a16="http://schemas.microsoft.com/office/drawing/2014/main" xmlns="" id="{67F20F10-B46F-4E07-8FAE-CA55E386821F}"/>
               </a:ext>
             </a:extLst>
           </p:cNvPr>
@@ -3739,7 +3763,7 @@
               <a:rPr lang="en-US" dirty="0"/>
               <a:t>AXI GPIO</a:t>
             </a:r>
-            <a:endParaRPr lang="ru-BY" dirty="0"/>
+            <a:endParaRPr lang="x-none" dirty="0"/>
           </a:p>
         </p:txBody>
       </p:sp>
@@ -3748,7 +3772,7 @@
           <p:cNvPr id="15" name="TextBox 14">
             <a:extLst>
               <a:ext uri="{FF2B5EF4-FFF2-40B4-BE49-F238E27FC236}">
-                <a16:creationId xmlns:a16="http://schemas.microsoft.com/office/drawing/2014/main" id="{8D4C45F2-41F0-4D01-9DCB-48920B18B5A0}"/>
+                <a16:creationId xmlns:a16="http://schemas.microsoft.com/office/drawing/2014/main" xmlns="" id="{8D4C45F2-41F0-4D01-9DCB-48920B18B5A0}"/>
               </a:ext>
             </a:extLst>
           </p:cNvPr>
@@ -3775,7 +3799,7 @@
               <a:rPr lang="en-US" dirty="0"/>
               <a:t>AXI GPIO Block Diagram</a:t>
             </a:r>
-            <a:endParaRPr lang="ru-BY" dirty="0"/>
+            <a:endParaRPr lang="x-none" dirty="0"/>
           </a:p>
         </p:txBody>
       </p:sp>
@@ -3784,7 +3808,7 @@
           <p:cNvPr id="16" name="Прямоугольник 15">
             <a:extLst>
               <a:ext uri="{FF2B5EF4-FFF2-40B4-BE49-F238E27FC236}">
-                <a16:creationId xmlns:a16="http://schemas.microsoft.com/office/drawing/2014/main" id="{90B6ACF6-AD38-48A1-A00F-991CFD78F818}"/>
+                <a16:creationId xmlns:a16="http://schemas.microsoft.com/office/drawing/2014/main" xmlns="" id="{90B6ACF6-AD38-48A1-A00F-991CFD78F818}"/>
               </a:ext>
             </a:extLst>
           </p:cNvPr>
@@ -3819,7 +3843,7 @@
           <p:cNvPr id="1032" name="Picture 8" descr="Hardware Beschreibung">
             <a:extLst>
               <a:ext uri="{FF2B5EF4-FFF2-40B4-BE49-F238E27FC236}">
-                <a16:creationId xmlns:a16="http://schemas.microsoft.com/office/drawing/2014/main" id="{3B329D91-4D1D-40A8-A19B-1BE8266C9C2E}"/>
+                <a16:creationId xmlns:a16="http://schemas.microsoft.com/office/drawing/2014/main" xmlns="" id="{3B329D91-4D1D-40A8-A19B-1BE8266C9C2E}"/>
               </a:ext>
             </a:extLst>
           </p:cNvPr>
@@ -3866,7 +3890,7 @@
           <p:cNvPr id="1034" name="Picture 10" descr="AXI GPIO read/write problem - Community Forums">
             <a:extLst>
               <a:ext uri="{FF2B5EF4-FFF2-40B4-BE49-F238E27FC236}">
-                <a16:creationId xmlns:a16="http://schemas.microsoft.com/office/drawing/2014/main" id="{D087B4DB-8F1B-4445-95B7-195A788BAEA4}"/>
+                <a16:creationId xmlns:a16="http://schemas.microsoft.com/office/drawing/2014/main" xmlns="" id="{D087B4DB-8F1B-4445-95B7-195A788BAEA4}"/>
               </a:ext>
             </a:extLst>
           </p:cNvPr>
@@ -3913,7 +3937,7 @@
           <p:cNvPr id="12" name="Рисунок 11">
             <a:extLst>
               <a:ext uri="{FF2B5EF4-FFF2-40B4-BE49-F238E27FC236}">
-                <a16:creationId xmlns:a16="http://schemas.microsoft.com/office/drawing/2014/main" id="{7F411F2A-6F24-40FE-A4DC-C1ADEDA911C1}"/>
+                <a16:creationId xmlns:a16="http://schemas.microsoft.com/office/drawing/2014/main" xmlns="" id="{7F411F2A-6F24-40FE-A4DC-C1ADEDA911C1}"/>
               </a:ext>
             </a:extLst>
           </p:cNvPr>
@@ -3979,7 +4003,7 @@
           <p:cNvPr id="7" name="Прямоугольник 6">
             <a:extLst>
               <a:ext uri="{FF2B5EF4-FFF2-40B4-BE49-F238E27FC236}">
-                <a16:creationId xmlns:a16="http://schemas.microsoft.com/office/drawing/2014/main" id="{F2CB82A3-BC42-439C-8182-8CF4B14CDCB0}"/>
+                <a16:creationId xmlns:a16="http://schemas.microsoft.com/office/drawing/2014/main" xmlns="" id="{F2CB82A3-BC42-439C-8182-8CF4B14CDCB0}"/>
               </a:ext>
             </a:extLst>
           </p:cNvPr>
@@ -4014,7 +4038,7 @@
           <p:cNvPr id="5" name="Заголовок 1">
             <a:extLst>
               <a:ext uri="{FF2B5EF4-FFF2-40B4-BE49-F238E27FC236}">
-                <a16:creationId xmlns:a16="http://schemas.microsoft.com/office/drawing/2014/main" id="{E7C31C4F-046E-4D09-A954-79188054440F}"/>
+                <a16:creationId xmlns:a16="http://schemas.microsoft.com/office/drawing/2014/main" xmlns="" id="{E7C31C4F-046E-4D09-A954-79188054440F}"/>
               </a:ext>
             </a:extLst>
           </p:cNvPr>
@@ -4039,7 +4063,7 @@
               <a:rPr lang="en-US" dirty="0"/>
               <a:t>AXI GPIO</a:t>
             </a:r>
-            <a:endParaRPr lang="ru-BY" dirty="0"/>
+            <a:endParaRPr lang="x-none" dirty="0"/>
           </a:p>
         </p:txBody>
       </p:sp>
@@ -4048,7 +4072,7 @@
           <p:cNvPr id="3" name="Рисунок 2">
             <a:extLst>
               <a:ext uri="{FF2B5EF4-FFF2-40B4-BE49-F238E27FC236}">
-                <a16:creationId xmlns:a16="http://schemas.microsoft.com/office/drawing/2014/main" id="{8E3CFDB4-68A2-4D40-9CF3-7CB8AFD13ACC}"/>
+                <a16:creationId xmlns:a16="http://schemas.microsoft.com/office/drawing/2014/main" xmlns="" id="{8E3CFDB4-68A2-4D40-9CF3-7CB8AFD13ACC}"/>
               </a:ext>
             </a:extLst>
           </p:cNvPr>
@@ -4084,7 +4108,7 @@
           <p:cNvPr id="9" name="Рисунок 8">
             <a:extLst>
               <a:ext uri="{FF2B5EF4-FFF2-40B4-BE49-F238E27FC236}">
-                <a16:creationId xmlns:a16="http://schemas.microsoft.com/office/drawing/2014/main" id="{858EDFB3-E3DE-4B9C-8C16-A612CB7EC4A7}"/>
+                <a16:creationId xmlns:a16="http://schemas.microsoft.com/office/drawing/2014/main" xmlns="" id="{858EDFB3-E3DE-4B9C-8C16-A612CB7EC4A7}"/>
               </a:ext>
             </a:extLst>
           </p:cNvPr>
@@ -4150,7 +4174,7 @@
           <p:cNvPr id="2" name="Заголовок 1">
             <a:extLst>
               <a:ext uri="{FF2B5EF4-FFF2-40B4-BE49-F238E27FC236}">
-                <a16:creationId xmlns:a16="http://schemas.microsoft.com/office/drawing/2014/main" id="{E3BD6D14-5029-4F29-B011-5BB0F85B3C91}"/>
+                <a16:creationId xmlns:a16="http://schemas.microsoft.com/office/drawing/2014/main" xmlns="" id="{E3BD6D14-5029-4F29-B011-5BB0F85B3C91}"/>
               </a:ext>
             </a:extLst>
           </p:cNvPr>
@@ -4170,7 +4194,7 @@
               <a:rPr lang="en-US" dirty="0"/>
               <a:t>Interrupt Controller</a:t>
             </a:r>
-            <a:endParaRPr lang="ru-BY" dirty="0"/>
+            <a:endParaRPr lang="x-none" dirty="0"/>
           </a:p>
         </p:txBody>
       </p:sp>
@@ -4179,7 +4203,7 @@
           <p:cNvPr id="1026" name="Picture 2">
             <a:extLst>
               <a:ext uri="{FF2B5EF4-FFF2-40B4-BE49-F238E27FC236}">
-                <a16:creationId xmlns:a16="http://schemas.microsoft.com/office/drawing/2014/main" id="{F6BE56F2-9EA4-4A23-AECC-7CCDEA092B0E}"/>
+                <a16:creationId xmlns:a16="http://schemas.microsoft.com/office/drawing/2014/main" xmlns="" id="{F6BE56F2-9EA4-4A23-AECC-7CCDEA092B0E}"/>
               </a:ext>
             </a:extLst>
           </p:cNvPr>
@@ -4226,7 +4250,7 @@
           <p:cNvPr id="5" name="Прямоугольник 4">
             <a:extLst>
               <a:ext uri="{FF2B5EF4-FFF2-40B4-BE49-F238E27FC236}">
-                <a16:creationId xmlns:a16="http://schemas.microsoft.com/office/drawing/2014/main" id="{3B77FA22-2A7B-4E46-AB01-4B3C380741BA}"/>
+                <a16:creationId xmlns:a16="http://schemas.microsoft.com/office/drawing/2014/main" xmlns="" id="{3B77FA22-2A7B-4E46-AB01-4B3C380741BA}"/>
               </a:ext>
             </a:extLst>
           </p:cNvPr>
@@ -4558,7 +4582,7 @@
   <a:extraClrSchemeLst/>
   <a:extLst>
     <a:ext uri="{05A4C25C-085E-4340-85A3-A5531E510DB2}">
-      <thm15:themeFamily xmlns:thm15="http://schemas.microsoft.com/office/thememl/2012/main" name="Office Theme" id="{62F939B6-93AF-4DB8-9C6B-D6C7DFDC589F}" vid="{4A3C46E8-61CC-4603-A589-7422A47A8E4A}"/>
+      <thm15:themeFamily xmlns:thm15="http://schemas.microsoft.com/office/thememl/2012/main" xmlns="" name="Office Theme" id="{62F939B6-93AF-4DB8-9C6B-D6C7DFDC589F}" vid="{4A3C46E8-61CC-4603-A589-7422A47A8E4A}"/>
     </a:ext>
   </a:extLst>
 </a:theme>
